--- a/Lesson slides/Unit 6 - Dynamic Programming, Floyd Warshall.pptx
+++ b/Lesson slides/Unit 6 - Dynamic Programming, Floyd Warshall.pptx
@@ -159,6 +159,10 @@
 </p:cmAuthorLst>
 </file>
 
+<file path=ppt/revisionInfo.xml><?xml version="1.0" encoding="utf-8"?>
+<p1510:revInfo xmlns:a="http://schemas.openxmlformats.org/drawingml/2006/main" xmlns:r="http://schemas.openxmlformats.org/officeDocument/2006/relationships" xmlns:p1510="http://schemas.microsoft.com/office/powerpoint/2015/10/main"/>
+</file>
+
 <file path=ppt/notesMasters/notesMaster1.xml><?xml version="1.0" encoding="utf-8"?>
 <p:notesMaster xmlns:a="http://schemas.openxmlformats.org/drawingml/2006/main" xmlns:r="http://schemas.openxmlformats.org/officeDocument/2006/relationships" xmlns:p="http://schemas.openxmlformats.org/presentationml/2006/main">
   <p:cSld>
@@ -241,7 +245,7 @@
           <a:p>
             <a:fld id="{F314420D-16BA-4EDC-9A71-800590EAD5A3}" type="datetimeFigureOut">
               <a:rPr lang="en-GB" smtClean="0"/>
-              <a:t>22/12/2016</a:t>
+              <a:t>08/01/2018</a:t>
             </a:fld>
             <a:endParaRPr lang="en-GB"/>
           </a:p>
@@ -400,7 +404,7 @@
           <a:p>
             <a:fld id="{29573B9A-66FB-4A63-BCD5-E140B9429FD2}" type="slidenum">
               <a:rPr lang="en-GB" smtClean="0"/>
-              <a:t>‹#›</a:t>
+              <a:t>‹nr.›</a:t>
             </a:fld>
             <a:endParaRPr lang="en-GB"/>
           </a:p>
@@ -2146,9 +2150,9 @@
           <a:bodyPr/>
           <a:lstStyle/>
           <a:p>
-            <a:fld id="{EBA5BF6C-AF16-4C58-8955-5157BF3CF460}" type="datetime1">
+            <a:fld id="{5F54186C-4285-4E96-AAD3-9FC3EE60C962}" type="datetime1">
               <a:rPr lang="en-GB" smtClean="0"/>
-              <a:t>22/12/2016</a:t>
+              <a:t>08/01/2018</a:t>
             </a:fld>
             <a:endParaRPr lang="en-GB"/>
           </a:p>
@@ -2171,7 +2175,7 @@
           <a:p>
             <a:r>
               <a:rPr lang="it-IT"/>
-              <a:t>INFDEV026A - G. Costantini, F. Di Giacomo, G. Maggiore</a:t>
+              <a:t>INFDEV036A - G. Costantini, F. Di Giacomo</a:t>
             </a:r>
             <a:endParaRPr lang="en-GB"/>
           </a:p>
@@ -2194,7 +2198,7 @@
           <a:p>
             <a:fld id="{A3AAA307-BC5C-435E-9F75-3D6007B651A5}" type="slidenum">
               <a:rPr lang="en-GB" smtClean="0"/>
-              <a:t>‹#›</a:t>
+              <a:t>‹nr.›</a:t>
             </a:fld>
             <a:endParaRPr lang="en-GB"/>
           </a:p>
@@ -2401,9 +2405,9 @@
           <a:bodyPr/>
           <a:lstStyle/>
           <a:p>
-            <a:fld id="{28754959-7583-41D4-A531-84ECF582A02F}" type="datetime1">
+            <a:fld id="{10D73A51-C85B-4FD5-AEEB-97536787B941}" type="datetime1">
               <a:rPr lang="en-GB" smtClean="0"/>
-              <a:t>22/12/2016</a:t>
+              <a:t>08/01/2018</a:t>
             </a:fld>
             <a:endParaRPr lang="en-GB"/>
           </a:p>
@@ -2426,7 +2430,7 @@
           <a:p>
             <a:r>
               <a:rPr lang="it-IT"/>
-              <a:t>INFDEV026A - G. Costantini, F. Di Giacomo, G. Maggiore</a:t>
+              <a:t>INFDEV036A - G. Costantini, F. Di Giacomo</a:t>
             </a:r>
             <a:endParaRPr lang="en-GB"/>
           </a:p>
@@ -2449,7 +2453,7 @@
           <a:p>
             <a:fld id="{A3AAA307-BC5C-435E-9F75-3D6007B651A5}" type="slidenum">
               <a:rPr lang="en-GB" smtClean="0"/>
-              <a:t>‹#›</a:t>
+              <a:t>‹nr.›</a:t>
             </a:fld>
             <a:endParaRPr lang="en-GB"/>
           </a:p>
@@ -2719,9 +2723,9 @@
           <a:bodyPr/>
           <a:lstStyle/>
           <a:p>
-            <a:fld id="{2579CF84-8647-4BB0-98CB-E39DBFD9DC8C}" type="datetime1">
+            <a:fld id="{47B5C26E-7080-4082-812B-EE4F2267B490}" type="datetime1">
               <a:rPr lang="en-GB" smtClean="0"/>
-              <a:t>22/12/2016</a:t>
+              <a:t>08/01/2018</a:t>
             </a:fld>
             <a:endParaRPr lang="en-GB"/>
           </a:p>
@@ -2744,7 +2748,7 @@
           <a:p>
             <a:r>
               <a:rPr lang="it-IT"/>
-              <a:t>INFDEV026A - G. Costantini, F. Di Giacomo, G. Maggiore</a:t>
+              <a:t>INFDEV036A - G. Costantini, F. Di Giacomo</a:t>
             </a:r>
             <a:endParaRPr lang="en-GB"/>
           </a:p>
@@ -2767,7 +2771,7 @@
           <a:p>
             <a:fld id="{A3AAA307-BC5C-435E-9F75-3D6007B651A5}" type="slidenum">
               <a:rPr lang="en-GB" smtClean="0"/>
-              <a:t>‹#›</a:t>
+              <a:t>‹nr.›</a:t>
             </a:fld>
             <a:endParaRPr lang="en-GB"/>
           </a:p>
@@ -3050,9 +3054,9 @@
           <a:bodyPr/>
           <a:lstStyle/>
           <a:p>
-            <a:fld id="{6A61B992-C398-42F8-8105-DFF46194B470}" type="datetime1">
+            <a:fld id="{2AC4DC31-A538-448E-A682-11B5A01C7954}" type="datetime1">
               <a:rPr lang="en-GB" smtClean="0"/>
-              <a:t>22/12/2016</a:t>
+              <a:t>08/01/2018</a:t>
             </a:fld>
             <a:endParaRPr lang="en-GB"/>
           </a:p>
@@ -3075,7 +3079,7 @@
           <a:p>
             <a:r>
               <a:rPr lang="it-IT"/>
-              <a:t>INFDEV026A - G. Costantini, F. Di Giacomo, G. Maggiore</a:t>
+              <a:t>INFDEV036A - G. Costantini, F. Di Giacomo</a:t>
             </a:r>
             <a:endParaRPr lang="en-GB"/>
           </a:p>
@@ -3098,7 +3102,7 @@
           <a:p>
             <a:fld id="{A3AAA307-BC5C-435E-9F75-3D6007B651A5}" type="slidenum">
               <a:rPr lang="en-GB" smtClean="0"/>
-              <a:t>‹#›</a:t>
+              <a:t>‹nr.›</a:t>
             </a:fld>
             <a:endParaRPr lang="en-GB"/>
           </a:p>
@@ -3368,9 +3372,9 @@
           <a:bodyPr/>
           <a:lstStyle/>
           <a:p>
-            <a:fld id="{735F25EF-2C32-49FF-A05C-AACCD6DB6B6B}" type="datetime1">
+            <a:fld id="{3E5F4AC0-7A60-44B5-A80E-4B808CD9078B}" type="datetime1">
               <a:rPr lang="en-GB" smtClean="0"/>
-              <a:t>22/12/2016</a:t>
+              <a:t>08/01/2018</a:t>
             </a:fld>
             <a:endParaRPr lang="en-GB"/>
           </a:p>
@@ -3393,7 +3397,7 @@
           <a:p>
             <a:r>
               <a:rPr lang="it-IT"/>
-              <a:t>INFDEV026A - G. Costantini, F. Di Giacomo, G. Maggiore</a:t>
+              <a:t>INFDEV036A - G. Costantini, F. Di Giacomo</a:t>
             </a:r>
             <a:endParaRPr lang="en-GB"/>
           </a:p>
@@ -3416,7 +3420,7 @@
           <a:p>
             <a:fld id="{A3AAA307-BC5C-435E-9F75-3D6007B651A5}" type="slidenum">
               <a:rPr lang="en-GB" smtClean="0"/>
-              <a:t>‹#›</a:t>
+              <a:t>‹nr.›</a:t>
             </a:fld>
             <a:endParaRPr lang="en-GB"/>
           </a:p>
@@ -3759,9 +3763,9 @@
           <a:bodyPr/>
           <a:lstStyle/>
           <a:p>
-            <a:fld id="{29E0FEDD-8B46-4AB8-8509-00A28AB84484}" type="datetime1">
+            <a:fld id="{0CCA1D9B-3BC4-4E2C-98BA-1D4094C6DE0E}" type="datetime1">
               <a:rPr lang="en-GB" smtClean="0"/>
-              <a:t>22/12/2016</a:t>
+              <a:t>08/01/2018</a:t>
             </a:fld>
             <a:endParaRPr lang="en-GB"/>
           </a:p>
@@ -3784,7 +3788,7 @@
           <a:p>
             <a:r>
               <a:rPr lang="it-IT"/>
-              <a:t>INFDEV026A - G. Costantini, F. Di Giacomo, G. Maggiore</a:t>
+              <a:t>INFDEV036A - G. Costantini, F. Di Giacomo</a:t>
             </a:r>
             <a:endParaRPr lang="en-GB"/>
           </a:p>
@@ -3807,7 +3811,7 @@
           <a:p>
             <a:fld id="{A3AAA307-BC5C-435E-9F75-3D6007B651A5}" type="slidenum">
               <a:rPr lang="en-GB" smtClean="0"/>
-              <a:t>‹#›</a:t>
+              <a:t>‹nr.›</a:t>
             </a:fld>
             <a:endParaRPr lang="en-GB"/>
           </a:p>
@@ -3933,9 +3937,9 @@
           <a:bodyPr/>
           <a:lstStyle/>
           <a:p>
-            <a:fld id="{DBEF859E-FC17-4049-B5D8-0DB1DB648A1C}" type="datetime1">
+            <a:fld id="{40A1D1F7-FFBD-4A39-A77B-F8B8C0DA3A07}" type="datetime1">
               <a:rPr lang="en-GB" smtClean="0"/>
-              <a:t>22/12/2016</a:t>
+              <a:t>08/01/2018</a:t>
             </a:fld>
             <a:endParaRPr lang="en-GB"/>
           </a:p>
@@ -3958,7 +3962,7 @@
           <a:p>
             <a:r>
               <a:rPr lang="it-IT"/>
-              <a:t>INFDEV026A - G. Costantini, F. Di Giacomo, G. Maggiore</a:t>
+              <a:t>INFDEV036A - G. Costantini, F. Di Giacomo</a:t>
             </a:r>
             <a:endParaRPr lang="en-GB"/>
           </a:p>
@@ -3981,7 +3985,7 @@
           <a:p>
             <a:fld id="{A3AAA307-BC5C-435E-9F75-3D6007B651A5}" type="slidenum">
               <a:rPr lang="en-GB" smtClean="0"/>
-              <a:t>‹#›</a:t>
+              <a:t>‹nr.›</a:t>
             </a:fld>
             <a:endParaRPr lang="en-GB"/>
           </a:p>
@@ -4117,9 +4121,9 @@
           <a:bodyPr/>
           <a:lstStyle/>
           <a:p>
-            <a:fld id="{31601F83-63BF-475D-9B29-D444390134B0}" type="datetime1">
+            <a:fld id="{95B89837-2BCB-4582-B249-0AB081EC3780}" type="datetime1">
               <a:rPr lang="en-GB" smtClean="0"/>
-              <a:t>22/12/2016</a:t>
+              <a:t>08/01/2018</a:t>
             </a:fld>
             <a:endParaRPr lang="en-GB"/>
           </a:p>
@@ -4142,7 +4146,7 @@
           <a:p>
             <a:r>
               <a:rPr lang="it-IT"/>
-              <a:t>INFDEV026A - G. Costantini, F. Di Giacomo, G. Maggiore</a:t>
+              <a:t>INFDEV036A - G. Costantini, F. Di Giacomo</a:t>
             </a:r>
             <a:endParaRPr lang="en-GB"/>
           </a:p>
@@ -4165,7 +4169,7 @@
           <a:p>
             <a:fld id="{A3AAA307-BC5C-435E-9F75-3D6007B651A5}" type="slidenum">
               <a:rPr lang="en-GB" smtClean="0"/>
-              <a:t>‹#›</a:t>
+              <a:t>‹nr.›</a:t>
             </a:fld>
             <a:endParaRPr lang="en-GB"/>
           </a:p>
@@ -4291,9 +4295,9 @@
           <a:bodyPr/>
           <a:lstStyle/>
           <a:p>
-            <a:fld id="{0C3CD51F-4875-411B-AE14-AC6BE17149BE}" type="datetime1">
+            <a:fld id="{7D033B6E-D774-4072-ACD1-6D9BA1CF6D8E}" type="datetime1">
               <a:rPr lang="en-GB" smtClean="0"/>
-              <a:t>22/12/2016</a:t>
+              <a:t>08/01/2018</a:t>
             </a:fld>
             <a:endParaRPr lang="en-GB"/>
           </a:p>
@@ -4316,7 +4320,7 @@
           <a:p>
             <a:r>
               <a:rPr lang="it-IT"/>
-              <a:t>INFDEV026A - G. Costantini, F. Di Giacomo, G. Maggiore</a:t>
+              <a:t>INFDEV036A - G. Costantini, F. Di Giacomo</a:t>
             </a:r>
             <a:endParaRPr lang="en-GB"/>
           </a:p>
@@ -4339,7 +4343,7 @@
           <a:p>
             <a:fld id="{A3AAA307-BC5C-435E-9F75-3D6007B651A5}" type="slidenum">
               <a:rPr lang="en-GB" smtClean="0"/>
-              <a:t>‹#›</a:t>
+              <a:t>‹nr.›</a:t>
             </a:fld>
             <a:endParaRPr lang="en-GB"/>
           </a:p>
@@ -4542,9 +4546,9 @@
           <a:bodyPr/>
           <a:lstStyle/>
           <a:p>
-            <a:fld id="{D7A13E29-F9DA-4235-B179-6801D5C335E0}" type="datetime1">
+            <a:fld id="{AC155FA9-9194-47C9-B2A8-16002A514344}" type="datetime1">
               <a:rPr lang="en-GB" smtClean="0"/>
-              <a:t>22/12/2016</a:t>
+              <a:t>08/01/2018</a:t>
             </a:fld>
             <a:endParaRPr lang="en-GB"/>
           </a:p>
@@ -4567,7 +4571,7 @@
           <a:p>
             <a:r>
               <a:rPr lang="it-IT"/>
-              <a:t>INFDEV026A - G. Costantini, F. Di Giacomo, G. Maggiore</a:t>
+              <a:t>INFDEV036A - G. Costantini, F. Di Giacomo</a:t>
             </a:r>
             <a:endParaRPr lang="en-GB"/>
           </a:p>
@@ -4590,7 +4594,7 @@
           <a:p>
             <a:fld id="{A3AAA307-BC5C-435E-9F75-3D6007B651A5}" type="slidenum">
               <a:rPr lang="en-GB" smtClean="0"/>
-              <a:t>‹#›</a:t>
+              <a:t>‹nr.›</a:t>
             </a:fld>
             <a:endParaRPr lang="en-GB"/>
           </a:p>
@@ -4778,9 +4782,9 @@
           <a:bodyPr/>
           <a:lstStyle/>
           <a:p>
-            <a:fld id="{17E7B115-DA76-4A15-B0DB-1E0942A758E6}" type="datetime1">
+            <a:fld id="{7676EAE8-65D2-470A-B32C-8B18D160F3BB}" type="datetime1">
               <a:rPr lang="en-GB" smtClean="0"/>
-              <a:t>22/12/2016</a:t>
+              <a:t>08/01/2018</a:t>
             </a:fld>
             <a:endParaRPr lang="en-GB"/>
           </a:p>
@@ -4803,7 +4807,7 @@
           <a:p>
             <a:r>
               <a:rPr lang="it-IT"/>
-              <a:t>INFDEV026A - G. Costantini, F. Di Giacomo, G. Maggiore</a:t>
+              <a:t>INFDEV036A - G. Costantini, F. Di Giacomo</a:t>
             </a:r>
             <a:endParaRPr lang="en-GB"/>
           </a:p>
@@ -4826,7 +4830,7 @@
           <a:p>
             <a:fld id="{A3AAA307-BC5C-435E-9F75-3D6007B651A5}" type="slidenum">
               <a:rPr lang="en-GB" smtClean="0"/>
-              <a:t>‹#›</a:t>
+              <a:t>‹nr.›</a:t>
             </a:fld>
             <a:endParaRPr lang="en-GB"/>
           </a:p>
@@ -5156,9 +5160,9 @@
           <a:bodyPr/>
           <a:lstStyle/>
           <a:p>
-            <a:fld id="{E9C155A6-10E7-4AE0-A978-61287BEECA4C}" type="datetime1">
+            <a:fld id="{041782B8-51B7-460C-B94D-9C9916AB33A1}" type="datetime1">
               <a:rPr lang="en-GB" smtClean="0"/>
-              <a:t>22/12/2016</a:t>
+              <a:t>08/01/2018</a:t>
             </a:fld>
             <a:endParaRPr lang="en-GB"/>
           </a:p>
@@ -5181,7 +5185,7 @@
           <a:p>
             <a:r>
               <a:rPr lang="it-IT"/>
-              <a:t>INFDEV026A - G. Costantini, F. Di Giacomo, G. Maggiore</a:t>
+              <a:t>INFDEV036A - G. Costantini, F. Di Giacomo</a:t>
             </a:r>
             <a:endParaRPr lang="en-GB"/>
           </a:p>
@@ -5204,7 +5208,7 @@
           <a:p>
             <a:fld id="{A3AAA307-BC5C-435E-9F75-3D6007B651A5}" type="slidenum">
               <a:rPr lang="en-GB" smtClean="0"/>
-              <a:t>‹#›</a:t>
+              <a:t>‹nr.›</a:t>
             </a:fld>
             <a:endParaRPr lang="en-GB"/>
           </a:p>
@@ -5283,9 +5287,9 @@
           <a:bodyPr/>
           <a:lstStyle/>
           <a:p>
-            <a:fld id="{73961DA1-B789-43DA-B41F-367E45E14A87}" type="datetime1">
+            <a:fld id="{AD245535-B537-4C8A-8EA7-13CFE9F7DE98}" type="datetime1">
               <a:rPr lang="en-GB" smtClean="0"/>
-              <a:t>22/12/2016</a:t>
+              <a:t>08/01/2018</a:t>
             </a:fld>
             <a:endParaRPr lang="en-GB"/>
           </a:p>
@@ -5308,7 +5312,7 @@
           <a:p>
             <a:r>
               <a:rPr lang="it-IT"/>
-              <a:t>INFDEV026A - G. Costantini, F. Di Giacomo, G. Maggiore</a:t>
+              <a:t>INFDEV036A - G. Costantini, F. Di Giacomo</a:t>
             </a:r>
             <a:endParaRPr lang="en-GB"/>
           </a:p>
@@ -5331,7 +5335,7 @@
           <a:p>
             <a:fld id="{A3AAA307-BC5C-435E-9F75-3D6007B651A5}" type="slidenum">
               <a:rPr lang="en-GB" smtClean="0"/>
-              <a:t>‹#›</a:t>
+              <a:t>‹nr.›</a:t>
             </a:fld>
             <a:endParaRPr lang="en-GB"/>
           </a:p>
@@ -5382,9 +5386,9 @@
           <a:bodyPr/>
           <a:lstStyle/>
           <a:p>
-            <a:fld id="{DA1BD0E5-CF08-4746-888E-2D733D556074}" type="datetime1">
+            <a:fld id="{9685F6F8-5F91-4EBA-BA59-8510A949205C}" type="datetime1">
               <a:rPr lang="en-GB" smtClean="0"/>
-              <a:t>22/12/2016</a:t>
+              <a:t>08/01/2018</a:t>
             </a:fld>
             <a:endParaRPr lang="en-GB"/>
           </a:p>
@@ -5407,7 +5411,7 @@
           <a:p>
             <a:r>
               <a:rPr lang="it-IT"/>
-              <a:t>INFDEV026A - G. Costantini, F. Di Giacomo, G. Maggiore</a:t>
+              <a:t>INFDEV036A - G. Costantini, F. Di Giacomo</a:t>
             </a:r>
             <a:endParaRPr lang="en-GB"/>
           </a:p>
@@ -5430,7 +5434,7 @@
           <a:p>
             <a:fld id="{A3AAA307-BC5C-435E-9F75-3D6007B651A5}" type="slidenum">
               <a:rPr lang="en-GB" smtClean="0"/>
-              <a:t>‹#›</a:t>
+              <a:t>‹nr.›</a:t>
             </a:fld>
             <a:endParaRPr lang="en-GB"/>
           </a:p>
@@ -5641,9 +5645,9 @@
           <a:bodyPr/>
           <a:lstStyle/>
           <a:p>
-            <a:fld id="{91A550A3-096A-496C-87AD-3A39D20C628E}" type="datetime1">
+            <a:fld id="{81A90BCE-41EF-4FED-A3DF-AB0AEB1504DB}" type="datetime1">
               <a:rPr lang="en-GB" smtClean="0"/>
-              <a:t>22/12/2016</a:t>
+              <a:t>08/01/2018</a:t>
             </a:fld>
             <a:endParaRPr lang="en-GB"/>
           </a:p>
@@ -5666,7 +5670,7 @@
           <a:p>
             <a:r>
               <a:rPr lang="it-IT"/>
-              <a:t>INFDEV026A - G. Costantini, F. Di Giacomo, G. Maggiore</a:t>
+              <a:t>INFDEV036A - G. Costantini, F. Di Giacomo</a:t>
             </a:r>
             <a:endParaRPr lang="en-GB"/>
           </a:p>
@@ -5689,7 +5693,7 @@
           <a:p>
             <a:fld id="{A3AAA307-BC5C-435E-9F75-3D6007B651A5}" type="slidenum">
               <a:rPr lang="en-GB" smtClean="0"/>
-              <a:t>‹#›</a:t>
+              <a:t>‹nr.›</a:t>
             </a:fld>
             <a:endParaRPr lang="en-GB"/>
           </a:p>
@@ -5908,9 +5912,9 @@
           <a:bodyPr/>
           <a:lstStyle/>
           <a:p>
-            <a:fld id="{9A7CFD0D-77B1-493B-A7CA-4E8359C26366}" type="datetime1">
+            <a:fld id="{20393C5B-6138-45F8-9AE4-17C98A6B20F8}" type="datetime1">
               <a:rPr lang="en-GB" smtClean="0"/>
-              <a:t>22/12/2016</a:t>
+              <a:t>08/01/2018</a:t>
             </a:fld>
             <a:endParaRPr lang="en-GB"/>
           </a:p>
@@ -5933,7 +5937,7 @@
           <a:p>
             <a:r>
               <a:rPr lang="it-IT"/>
-              <a:t>INFDEV026A - G. Costantini, F. Di Giacomo, G. Maggiore</a:t>
+              <a:t>INFDEV036A - G. Costantini, F. Di Giacomo</a:t>
             </a:r>
             <a:endParaRPr lang="en-GB"/>
           </a:p>
@@ -5956,7 +5960,7 @@
           <a:p>
             <a:fld id="{A3AAA307-BC5C-435E-9F75-3D6007B651A5}" type="slidenum">
               <a:rPr lang="en-GB" smtClean="0"/>
-              <a:t>‹#›</a:t>
+              <a:t>‹nr.›</a:t>
             </a:fld>
             <a:endParaRPr lang="en-GB"/>
           </a:p>
@@ -6657,9 +6661,9 @@
             </a:lvl1pPr>
           </a:lstStyle>
           <a:p>
-            <a:fld id="{EF7A9A45-2E76-4088-871F-04CACEBEB6E2}" type="datetime1">
+            <a:fld id="{895EA97E-23CE-4203-86C6-375AAD5AB997}" type="datetime1">
               <a:rPr lang="en-GB" smtClean="0"/>
-              <a:t>22/12/2016</a:t>
+              <a:t>08/01/2018</a:t>
             </a:fld>
             <a:endParaRPr lang="en-GB"/>
           </a:p>
@@ -6700,7 +6704,7 @@
           <a:p>
             <a:r>
               <a:rPr lang="it-IT"/>
-              <a:t>INFDEV026A - G. Costantini, F. Di Giacomo, G. Maggiore</a:t>
+              <a:t>INFDEV036A - G. Costantini, F. Di Giacomo</a:t>
             </a:r>
             <a:endParaRPr lang="en-GB"/>
           </a:p>
@@ -6741,7 +6745,7 @@
           <a:p>
             <a:fld id="{A3AAA307-BC5C-435E-9F75-3D6007B651A5}" type="slidenum">
               <a:rPr lang="en-GB" smtClean="0"/>
-              <a:t>‹#›</a:t>
+              <a:t>‹nr.›</a:t>
             </a:fld>
             <a:endParaRPr lang="en-GB"/>
           </a:p>
@@ -7232,22 +7236,14 @@
           <a:p>
             <a:r>
               <a:rPr lang="en-GB" dirty="0"/>
-              <a:t>INFDEV026A - </a:t>
-            </a:r>
-            <a:r>
-              <a:rPr lang="en-GB" dirty="0" err="1"/>
-              <a:t>Algoritmiek</a:t>
-            </a:r>
-            <a:r>
-              <a:rPr lang="en-GB" dirty="0"/>
-              <a:t> </a:t>
+              <a:t>INFDEV036A - Algorithms </a:t>
             </a:r>
             <a:br>
               <a:rPr lang="en-GB" dirty="0"/>
             </a:br>
             <a:r>
               <a:rPr lang="en-GB" dirty="0"/>
-              <a:t>Unit 6</a:t>
+              <a:t>Lesson Unit 6</a:t>
             </a:r>
           </a:p>
         </p:txBody>
@@ -7271,7 +7267,7 @@
           <a:p>
             <a:r>
               <a:rPr lang="en-GB" sz="2000" dirty="0"/>
-              <a:t>G. Costantini, F. Di Giacomo, G. Maggiore</a:t>
+              <a:t>G. Costantini, F. Di Giacomo</a:t>
             </a:r>
           </a:p>
           <a:p>
@@ -7293,17 +7289,7 @@
             </a:r>
             <a:r>
               <a:rPr lang="en-GB" sz="2000" dirty="0"/>
-              <a:t>, </a:t>
-            </a:r>
-            <a:r>
-              <a:rPr lang="en-GB" sz="2000" dirty="0">
-                <a:hlinkClick r:id="rId5"/>
-              </a:rPr>
-              <a:t>maggg@hr.nl</a:t>
-            </a:r>
-            <a:r>
-              <a:rPr lang="en-GB" sz="2000" dirty="0"/>
-              <a:t> – Office H4.204</a:t>
+              <a:t> – Office H4.206</a:t>
             </a:r>
           </a:p>
         </p:txBody>
@@ -7520,7 +7506,7 @@
           <a:p>
             <a:r>
               <a:rPr lang="it-IT"/>
-              <a:t>INFDEV026A - G. Costantini, F. Di Giacomo, G. Maggiore</a:t>
+              <a:t>INFDEV036A - G. Costantini, F. Di Giacomo</a:t>
             </a:r>
             <a:endParaRPr lang="en-GB"/>
           </a:p>
@@ -7607,7 +7593,7 @@
           <a:p>
             <a:r>
               <a:rPr lang="it-IT"/>
-              <a:t>INFDEV026A - G. Costantini, F. Di Giacomo, G. Maggiore</a:t>
+              <a:t>INFDEV036A - G. Costantini, F. Di Giacomo</a:t>
             </a:r>
             <a:endParaRPr lang="en-GB"/>
           </a:p>
@@ -7988,7 +7974,7 @@
           <a:p>
             <a:r>
               <a:rPr lang="it-IT"/>
-              <a:t>INFDEV026A - G. Costantini, F. Di Giacomo, G. Maggiore</a:t>
+              <a:t>INFDEV036A - G. Costantini, F. Di Giacomo</a:t>
             </a:r>
             <a:endParaRPr lang="en-GB"/>
           </a:p>
@@ -8924,7 +8910,7 @@
           <a:p>
             <a:r>
               <a:rPr lang="it-IT"/>
-              <a:t>INFDEV026A - G. Costantini, F. Di Giacomo, G. Maggiore</a:t>
+              <a:t>INFDEV036A - G. Costantini, F. Di Giacomo</a:t>
             </a:r>
             <a:endParaRPr lang="en-GB"/>
           </a:p>
@@ -9055,7 +9041,7 @@
           <a:p>
             <a:r>
               <a:rPr lang="it-IT"/>
-              <a:t>INFDEV026A - G. Costantini, F. Di Giacomo, G. Maggiore</a:t>
+              <a:t>INFDEV036A - G. Costantini, F. Di Giacomo</a:t>
             </a:r>
             <a:endParaRPr lang="en-GB"/>
           </a:p>
@@ -9574,7 +9560,7 @@
           <a:p>
             <a:r>
               <a:rPr lang="it-IT"/>
-              <a:t>INFDEV026A - G. Costantini, F. Di Giacomo, G. Maggiore</a:t>
+              <a:t>INFDEV036A - G. Costantini, F. Di Giacomo</a:t>
             </a:r>
             <a:endParaRPr lang="en-GB"/>
           </a:p>
@@ -10095,7 +10081,7 @@
           <a:p>
             <a:r>
               <a:rPr lang="it-IT"/>
-              <a:t>INFDEV026A - G. Costantini, F. Di Giacomo, G. Maggiore</a:t>
+              <a:t>INFDEV036A - G. Costantini, F. Di Giacomo</a:t>
             </a:r>
             <a:endParaRPr lang="en-GB"/>
           </a:p>
@@ -10377,7 +10363,7 @@
           <a:p>
             <a:r>
               <a:rPr lang="it-IT"/>
-              <a:t>INFDEV026A - G. Costantini, F. Di Giacomo, G. Maggiore</a:t>
+              <a:t>INFDEV036A - G. Costantini, F. Di Giacomo</a:t>
             </a:r>
             <a:endParaRPr lang="en-GB"/>
           </a:p>
@@ -10942,7 +10928,7 @@
           <a:p>
             <a:r>
               <a:rPr lang="it-IT"/>
-              <a:t>INFDEV026A - G. Costantini, F. Di Giacomo, G. Maggiore</a:t>
+              <a:t>INFDEV036A - G. Costantini, F. Di Giacomo</a:t>
             </a:r>
             <a:endParaRPr lang="en-GB"/>
           </a:p>
@@ -11106,10 +11092,10 @@
           <a:lstStyle/>
           <a:p>
             <a:r>
-              <a:rPr lang="it-IT"/>
-              <a:t>INFDEV026A - G. Costantini, F. Di Giacomo, G. Maggiore</a:t>
-            </a:r>
-            <a:endParaRPr lang="en-GB"/>
+              <a:rPr lang="it-IT" dirty="0"/>
+              <a:t>INFDEV036A - G. Costantini, F. Di Giacomo</a:t>
+            </a:r>
+            <a:endParaRPr lang="en-GB" dirty="0"/>
           </a:p>
         </p:txBody>
       </p:sp>
@@ -11552,7 +11538,7 @@
           <a:p>
             <a:r>
               <a:rPr lang="it-IT"/>
-              <a:t>INFDEV026A - G. Costantini, F. Di Giacomo, G. Maggiore</a:t>
+              <a:t>INFDEV036A - G. Costantini, F. Di Giacomo</a:t>
             </a:r>
             <a:endParaRPr lang="en-GB"/>
           </a:p>
@@ -12583,7 +12569,7 @@
           <a:p>
             <a:r>
               <a:rPr lang="it-IT"/>
-              <a:t>INFDEV026A - G. Costantini, F. Di Giacomo, G. Maggiore</a:t>
+              <a:t>INFDEV036A - G. Costantini, F. Di Giacomo</a:t>
             </a:r>
             <a:endParaRPr lang="en-GB"/>
           </a:p>
@@ -12838,7 +12824,7 @@
           <a:p>
             <a:r>
               <a:rPr lang="it-IT"/>
-              <a:t>INFDEV026A - G. Costantini, F. Di Giacomo, G. Maggiore</a:t>
+              <a:t>INFDEV036A - G. Costantini, F. Di Giacomo</a:t>
             </a:r>
             <a:endParaRPr lang="en-GB"/>
           </a:p>
@@ -13659,7 +13645,7 @@
           <a:p>
             <a:r>
               <a:rPr lang="it-IT"/>
-              <a:t>INFDEV026A - G. Costantini, F. Di Giacomo, G. Maggiore</a:t>
+              <a:t>INFDEV036A - G. Costantini, F. Di Giacomo</a:t>
             </a:r>
             <a:endParaRPr lang="en-GB"/>
           </a:p>
@@ -14594,7 +14580,7 @@
           <a:p>
             <a:r>
               <a:rPr lang="it-IT"/>
-              <a:t>INFDEV026A - G. Costantini, F. Di Giacomo, G. Maggiore</a:t>
+              <a:t>INFDEV036A - G. Costantini, F. Di Giacomo</a:t>
             </a:r>
             <a:endParaRPr lang="en-GB"/>
           </a:p>
@@ -15163,7 +15149,7 @@
           <a:p>
             <a:r>
               <a:rPr lang="it-IT"/>
-              <a:t>INFDEV026A - G. Costantini, F. Di Giacomo, G. Maggiore</a:t>
+              <a:t>INFDEV036A - G. Costantini, F. Di Giacomo</a:t>
             </a:r>
             <a:endParaRPr lang="en-GB"/>
           </a:p>
@@ -15407,7 +15393,7 @@
           <a:p>
             <a:r>
               <a:rPr lang="it-IT"/>
-              <a:t>INFDEV026A - G. Costantini, F. Di Giacomo, G. Maggiore</a:t>
+              <a:t>INFDEV036A - G. Costantini, F. Di Giacomo</a:t>
             </a:r>
             <a:endParaRPr lang="en-GB"/>
           </a:p>
@@ -16423,7 +16409,7 @@
           <a:p>
             <a:r>
               <a:rPr lang="it-IT"/>
-              <a:t>INFDEV026A - G. Costantini, F. Di Giacomo, G. Maggiore</a:t>
+              <a:t>INFDEV036A - G. Costantini, F. Di Giacomo</a:t>
             </a:r>
             <a:endParaRPr lang="en-GB"/>
           </a:p>
@@ -16709,7 +16695,7 @@
           <a:p>
             <a:r>
               <a:rPr lang="it-IT"/>
-              <a:t>INFDEV026A - G. Costantini, F. Di Giacomo, G. Maggiore</a:t>
+              <a:t>INFDEV036A - G. Costantini, F. Di Giacomo</a:t>
             </a:r>
             <a:endParaRPr lang="en-GB"/>
           </a:p>
@@ -16862,7 +16848,7 @@
           <a:p>
             <a:r>
               <a:rPr lang="it-IT"/>
-              <a:t>INFDEV026A - G. Costantini, F. Di Giacomo, G. Maggiore</a:t>
+              <a:t>INFDEV036A - G. Costantini, F. Di Giacomo</a:t>
             </a:r>
             <a:endParaRPr lang="en-GB"/>
           </a:p>
@@ -17194,7 +17180,7 @@
           <a:p>
             <a:r>
               <a:rPr lang="it-IT"/>
-              <a:t>INFDEV026A - G. Costantini, F. Di Giacomo, G. Maggiore</a:t>
+              <a:t>INFDEV036A - G. Costantini, F. Di Giacomo</a:t>
             </a:r>
             <a:endParaRPr lang="en-GB"/>
           </a:p>
@@ -17308,7 +17294,7 @@
           <a:p>
             <a:r>
               <a:rPr lang="it-IT"/>
-              <a:t>INFDEV026A - G. Costantini, F. Di Giacomo, G. Maggiore</a:t>
+              <a:t>INFDEV036A - G. Costantini, F. Di Giacomo</a:t>
             </a:r>
             <a:endParaRPr lang="en-GB"/>
           </a:p>
@@ -17547,7 +17533,7 @@
           <a:p>
             <a:r>
               <a:rPr lang="it-IT"/>
-              <a:t>INFDEV026A - G. Costantini, F. Di Giacomo, G. Maggiore</a:t>
+              <a:t>INFDEV036A - G. Costantini, F. Di Giacomo</a:t>
             </a:r>
             <a:endParaRPr lang="en-GB"/>
           </a:p>
@@ -17743,7 +17729,7 @@
           <a:p>
             <a:r>
               <a:rPr lang="it-IT"/>
-              <a:t>INFDEV026A - G. Costantini, F. Di Giacomo, G. Maggiore</a:t>
+              <a:t>INFDEV036A - G. Costantini, F. Di Giacomo</a:t>
             </a:r>
             <a:endParaRPr lang="en-GB"/>
           </a:p>
@@ -17886,170 +17872,157 @@
           </a:p>
         </p:txBody>
       </p:sp>
-      <p:sp>
-        <p:nvSpPr>
-          <p:cNvPr id="3" name="Tijdelijke aanduiding voor inhoud 2"/>
-          <p:cNvSpPr>
-            <a:spLocks noGrp="1"/>
-          </p:cNvSpPr>
-          <p:nvPr>
-            <p:ph idx="1"/>
-          </p:nvPr>
-        </p:nvSpPr>
-        <p:spPr/>
-        <p:txBody>
-          <a:bodyPr/>
-          <a:lstStyle/>
-          <a:p>
-            <a:r>
-              <a:rPr lang="en-GB" b="1" i="1" dirty="0">
-                <a:solidFill>
-                  <a:srgbClr val="FF0000"/>
-                </a:solidFill>
-              </a:rPr>
-              <a:t>GO ON WITH THE ASSIGNMENT!!!</a:t>
-            </a:r>
-          </a:p>
-          <a:p>
-            <a:pPr lvl="1"/>
-            <a:r>
-              <a:rPr lang="en-GB" i="1" dirty="0">
-                <a:solidFill>
-                  <a:schemeClr val="tx1"/>
-                </a:solidFill>
-              </a:rPr>
-              <a:t>Exercise 1 should be </a:t>
-            </a:r>
-            <a:r>
-              <a:rPr lang="en-GB" b="1" i="1" dirty="0">
-                <a:solidFill>
-                  <a:schemeClr val="tx1"/>
-                </a:solidFill>
-              </a:rPr>
-              <a:t>completed</a:t>
-            </a:r>
-          </a:p>
-          <a:p>
-            <a:pPr lvl="1"/>
-            <a:r>
-              <a:rPr lang="en-GB" i="1" dirty="0">
-                <a:solidFill>
-                  <a:schemeClr val="tx1"/>
-                </a:solidFill>
-              </a:rPr>
-              <a:t>Exercise 2 should be </a:t>
-            </a:r>
-            <a:r>
-              <a:rPr lang="en-GB" b="1" i="1" dirty="0">
-                <a:solidFill>
-                  <a:schemeClr val="tx1"/>
-                </a:solidFill>
-              </a:rPr>
-              <a:t>completed (or at a good point)</a:t>
-            </a:r>
-          </a:p>
-          <a:p>
-            <a:pPr lvl="1"/>
-            <a:r>
-              <a:rPr lang="en-GB" i="1" dirty="0">
-                <a:solidFill>
-                  <a:schemeClr val="tx1"/>
-                </a:solidFill>
-              </a:rPr>
-              <a:t>Exercise 3 can be </a:t>
-            </a:r>
-            <a:r>
-              <a:rPr lang="en-GB" b="1" i="1" dirty="0">
-                <a:solidFill>
-                  <a:schemeClr val="tx1"/>
-                </a:solidFill>
-              </a:rPr>
-              <a:t>started</a:t>
-            </a:r>
-          </a:p>
-          <a:p>
-            <a:pPr lvl="1"/>
-            <a:endParaRPr lang="en-GB" b="1" i="1" dirty="0">
-              <a:solidFill>
-                <a:schemeClr val="tx1"/>
-              </a:solidFill>
-            </a:endParaRPr>
-          </a:p>
-          <a:p>
-            <a:r>
-              <a:rPr lang="en-GB" b="1" i="1" dirty="0">
-                <a:solidFill>
-                  <a:srgbClr val="FF0000"/>
-                </a:solidFill>
-              </a:rPr>
-              <a:t>DO THE PROEFTENTAMEN!!!</a:t>
-            </a:r>
-          </a:p>
-          <a:p>
-            <a:pPr lvl="1"/>
-            <a:r>
-              <a:rPr lang="en-GB" i="1" dirty="0">
-                <a:solidFill>
-                  <a:schemeClr val="tx1"/>
-                </a:solidFill>
-              </a:rPr>
-              <a:t>Can be found on N@tschool</a:t>
-            </a:r>
-          </a:p>
-          <a:p>
-            <a:pPr lvl="1"/>
-            <a:r>
-              <a:rPr lang="en-GB" i="1" dirty="0">
-                <a:solidFill>
-                  <a:schemeClr val="tx1"/>
-                </a:solidFill>
-              </a:rPr>
-              <a:t>The solution is in </a:t>
-            </a:r>
-            <a:r>
-              <a:rPr lang="en-GB" i="1">
-                <a:solidFill>
-                  <a:schemeClr val="tx1"/>
-                </a:solidFill>
-              </a:rPr>
-              <a:t>the slides.</a:t>
-            </a:r>
-            <a:endParaRPr lang="en-GB" i="1" dirty="0">
-              <a:solidFill>
-                <a:schemeClr val="tx1"/>
-              </a:solidFill>
-            </a:endParaRPr>
-          </a:p>
-          <a:p>
-            <a:pPr lvl="1"/>
-            <a:r>
-              <a:rPr lang="en-GB" i="1" dirty="0">
-                <a:solidFill>
-                  <a:schemeClr val="tx1"/>
-                </a:solidFill>
-              </a:rPr>
-              <a:t>Note: the general structure of the exam is in the </a:t>
-            </a:r>
-            <a:r>
-              <a:rPr lang="en-GB" i="1" dirty="0" err="1">
-                <a:solidFill>
-                  <a:schemeClr val="tx1"/>
-                </a:solidFill>
-              </a:rPr>
-              <a:t>modulewijzer</a:t>
-            </a:r>
-            <a:r>
-              <a:rPr lang="en-GB" i="1" dirty="0">
-                <a:solidFill>
-                  <a:schemeClr val="tx1"/>
-                </a:solidFill>
-              </a:rPr>
-              <a:t>… take a look at it!</a:t>
-            </a:r>
-            <a:endParaRPr lang="nl-NL" dirty="0"/>
-          </a:p>
-        </p:txBody>
-      </p:sp>
+      <mc:AlternateContent xmlns:mc="http://schemas.openxmlformats.org/markup-compatibility/2006">
+        <mc:Choice xmlns:a14="http://schemas.microsoft.com/office/drawing/2010/main" Requires="a14">
+          <p:sp>
+            <p:nvSpPr>
+              <p:cNvPr id="3" name="Tijdelijke aanduiding voor inhoud 2"/>
+              <p:cNvSpPr>
+                <a:spLocks noGrp="1"/>
+              </p:cNvSpPr>
+              <p:nvPr>
+                <p:ph idx="1"/>
+              </p:nvPr>
+            </p:nvSpPr>
+            <p:spPr/>
+            <p:txBody>
+              <a:bodyPr/>
+              <a:lstStyle/>
+              <a:p>
+                <a:r>
+                  <a:rPr lang="en-GB" dirty="0"/>
+                  <a:t>Study the slides</a:t>
+                </a:r>
+              </a:p>
+              <a:p>
+                <a:r>
+                  <a:rPr lang="en-GB" dirty="0"/>
+                  <a:t>Answer the MC questions on </a:t>
+                </a:r>
+                <a:r>
+                  <a:rPr lang="en-GB" dirty="0" err="1"/>
+                  <a:t>GrandeOmega</a:t>
+                </a:r>
+                <a:endParaRPr lang="en-GB" dirty="0"/>
+              </a:p>
+              <a:p>
+                <a:r>
+                  <a:rPr lang="en-GB" dirty="0"/>
+                  <a:t>Implement</a:t>
+                </a:r>
+                <a14:m>
+                  <m:oMath xmlns:m="http://schemas.openxmlformats.org/officeDocument/2006/math">
+                    <m:r>
+                      <a:rPr lang="nl-NL" b="0" i="0" smtClean="0">
+                        <a:solidFill>
+                          <a:schemeClr val="tx1"/>
+                        </a:solidFill>
+                        <a:latin typeface="Cambria Math" panose="02040503050406030204" pitchFamily="18" charset="0"/>
+                      </a:rPr>
+                      <m:t> </m:t>
+                    </m:r>
+                  </m:oMath>
+                </a14:m>
+                <a:r>
+                  <a:rPr lang="nl-NL" dirty="0"/>
+                  <a:t>Floyd-</a:t>
+                </a:r>
+                <a:r>
+                  <a:rPr lang="nl-NL" dirty="0" err="1"/>
+                  <a:t>Warshall</a:t>
+                </a:r>
+                <a:r>
+                  <a:rPr lang="en-GB" dirty="0"/>
+                  <a:t> algorithm</a:t>
+                </a:r>
+              </a:p>
+              <a:p>
+                <a:r>
+                  <a:rPr lang="en-GB" b="1" i="1" u="sng" dirty="0"/>
+                  <a:t>Do the sample practical assessment</a:t>
+                </a:r>
+                <a:r>
+                  <a:rPr lang="en-GB" dirty="0"/>
+                  <a:t> </a:t>
+                </a:r>
+              </a:p>
+              <a:p>
+                <a:pPr lvl="1"/>
+                <a:r>
+                  <a:rPr lang="en-GB" dirty="0"/>
+                  <a:t>most likely will be published this Friday on </a:t>
+                </a:r>
+                <a:r>
+                  <a:rPr lang="en-GB"/>
+                  <a:t>N@tschool</a:t>
+                </a:r>
+                <a:endParaRPr lang="en-GB" dirty="0"/>
+              </a:p>
+              <a:p>
+                <a:r>
+                  <a:rPr lang="en-GB" dirty="0"/>
+                  <a:t>[optional] Complete third exercise of practical assignment (about graphs)</a:t>
+                </a:r>
+              </a:p>
+              <a:p>
+                <a:endParaRPr lang="en-GB" dirty="0"/>
+              </a:p>
+              <a:p>
+                <a:r>
+                  <a:rPr lang="en-GB" b="1" dirty="0"/>
+                  <a:t>Next week (week 8)</a:t>
+                </a:r>
+              </a:p>
+              <a:p>
+                <a:pPr lvl="1"/>
+                <a:r>
+                  <a:rPr lang="en-GB" dirty="0"/>
+                  <a:t>Available in our offices for doubts both on MC questions and implementations (sample exams/assessments)</a:t>
+                </a:r>
+              </a:p>
+              <a:p>
+                <a:pPr marL="0" indent="0">
+                  <a:buNone/>
+                </a:pPr>
+                <a:endParaRPr lang="nl-NL" dirty="0"/>
+              </a:p>
+            </p:txBody>
+          </p:sp>
+        </mc:Choice>
+        <mc:Fallback>
+          <p:sp>
+            <p:nvSpPr>
+              <p:cNvPr id="3" name="Tijdelijke aanduiding voor inhoud 2"/>
+              <p:cNvSpPr>
+                <a:spLocks noGrp="1" noRot="1" noChangeAspect="1" noMove="1" noResize="1" noEditPoints="1" noAdjustHandles="1" noChangeArrowheads="1" noChangeShapeType="1" noTextEdit="1"/>
+              </p:cNvSpPr>
+              <p:nvPr>
+                <p:ph idx="1"/>
+              </p:nvPr>
+            </p:nvSpPr>
+            <p:spPr>
+              <a:blipFill>
+                <a:blip r:embed="rId2"/>
+                <a:stretch>
+                  <a:fillRect l="-142" t="-942"/>
+                </a:stretch>
+              </a:blipFill>
+            </p:spPr>
+            <p:txBody>
+              <a:bodyPr/>
+              <a:lstStyle/>
+              <a:p>
+                <a:r>
+                  <a:rPr lang="nl-NL">
+                    <a:noFill/>
+                  </a:rPr>
+                  <a:t> </a:t>
+                </a:r>
+              </a:p>
+            </p:txBody>
+          </p:sp>
+        </mc:Fallback>
+      </mc:AlternateContent>
       <p:sp>
         <p:nvSpPr>
           <p:cNvPr id="4" name="Tijdelijke aanduiding voor voettekst 3"/>
@@ -18067,53 +18040,12 @@
           <a:p>
             <a:r>
               <a:rPr lang="it-IT"/>
-              <a:t>INFDEV026A - G. Costantini, F. Di Giacomo, G. Maggiore</a:t>
+              <a:t>INFDEV036A - G. Costantini, F. Di Giacomo</a:t>
             </a:r>
             <a:endParaRPr lang="en-GB"/>
           </a:p>
         </p:txBody>
       </p:sp>
-      <p:pic>
-        <p:nvPicPr>
-          <p:cNvPr id="5" name="Picture 2" descr="http://www.hov-haaksbergen.nl/wp-content/uploads/2014/12/Prettige-feestdagen.jpg"/>
-          <p:cNvPicPr>
-            <a:picLocks noChangeAspect="1" noChangeArrowheads="1"/>
-          </p:cNvPicPr>
-          <p:nvPr/>
-        </p:nvPicPr>
-        <p:blipFill>
-          <a:blip r:embed="rId2">
-            <a:extLst>
-              <a:ext uri="{28A0092B-C50C-407E-A947-70E740481C1C}">
-                <a14:useLocalDpi xmlns:a14="http://schemas.microsoft.com/office/drawing/2010/main" val="0"/>
-              </a:ext>
-            </a:extLst>
-          </a:blip>
-          <a:srcRect/>
-          <a:stretch>
-            <a:fillRect/>
-          </a:stretch>
-        </p:blipFill>
-        <p:spPr bwMode="auto">
-          <a:xfrm>
-            <a:off x="5101387" y="115190"/>
-            <a:ext cx="4172615" cy="2045399"/>
-          </a:xfrm>
-          <a:prstGeom prst="rect">
-            <a:avLst/>
-          </a:prstGeom>
-          <a:noFill/>
-          <a:extLst>
-            <a:ext uri="{909E8E84-426E-40DD-AFC4-6F175D3DCCD1}">
-              <a14:hiddenFill xmlns:a14="http://schemas.microsoft.com/office/drawing/2010/main">
-                <a:solidFill>
-                  <a:srgbClr val="FFFFFF"/>
-                </a:solidFill>
-              </a14:hiddenFill>
-            </a:ext>
-          </a:extLst>
-        </p:spPr>
-      </p:pic>
     </p:spTree>
     <p:extLst>
       <p:ext uri="{BB962C8B-B14F-4D97-AF65-F5344CB8AC3E}">
@@ -18559,7 +18491,7 @@
           <a:p>
             <a:r>
               <a:rPr lang="it-IT"/>
-              <a:t>INFDEV026A - G. Costantini, F. Di Giacomo, G. Maggiore</a:t>
+              <a:t>INFDEV036A - G. Costantini, F. Di Giacomo</a:t>
             </a:r>
             <a:endParaRPr lang="en-GB"/>
           </a:p>
@@ -18704,7 +18636,7 @@
           <a:p>
             <a:r>
               <a:rPr lang="it-IT"/>
-              <a:t>INFDEV026A - G. Costantini, F. Di Giacomo, G. Maggiore</a:t>
+              <a:t>INFDEV036A - G. Costantini, F. Di Giacomo</a:t>
             </a:r>
             <a:endParaRPr lang="en-GB"/>
           </a:p>
@@ -19202,7 +19134,7 @@
           <a:p>
             <a:r>
               <a:rPr lang="it-IT"/>
-              <a:t>INFDEV026A - G. Costantini, F. Di Giacomo, G. Maggiore</a:t>
+              <a:t>INFDEV036A - G. Costantini, F. Di Giacomo</a:t>
             </a:r>
             <a:endParaRPr lang="en-GB"/>
           </a:p>
@@ -20734,7 +20666,7 @@
           <a:p>
             <a:r>
               <a:rPr lang="it-IT"/>
-              <a:t>INFDEV026A - G. Costantini, F. Di Giacomo, G. Maggiore</a:t>
+              <a:t>INFDEV036A - G. Costantini, F. Di Giacomo</a:t>
             </a:r>
             <a:endParaRPr lang="en-GB" dirty="0"/>
           </a:p>
@@ -20893,7 +20825,7 @@
           <a:p>
             <a:r>
               <a:rPr lang="it-IT"/>
-              <a:t>INFDEV026A - G. Costantini, F. Di Giacomo, G. Maggiore</a:t>
+              <a:t>INFDEV036A - G. Costantini, F. Di Giacomo</a:t>
             </a:r>
             <a:endParaRPr lang="en-GB"/>
           </a:p>

--- a/Lesson slides/Unit 6 - Dynamic Programming, Floyd Warshall.pptx
+++ b/Lesson slides/Unit 6 - Dynamic Programming, Floyd Warshall.pptx
@@ -5,7 +5,7 @@
     <p:sldMasterId id="2147483729" r:id="rId1"/>
   </p:sldMasterIdLst>
   <p:notesMasterIdLst>
-    <p:notesMasterId r:id="rId35"/>
+    <p:notesMasterId r:id="rId36"/>
   </p:notesMasterIdLst>
   <p:sldIdLst>
     <p:sldId id="256" r:id="rId2"/>
@@ -41,6 +41,7 @@
     <p:sldId id="290" r:id="rId32"/>
     <p:sldId id="294" r:id="rId33"/>
     <p:sldId id="293" r:id="rId34"/>
+    <p:sldId id="297" r:id="rId35"/>
   </p:sldIdLst>
   <p:sldSz cx="12192000" cy="6858000"/>
   <p:notesSz cx="6858000" cy="9144000"/>
@@ -245,7 +246,7 @@
           <a:p>
             <a:fld id="{F314420D-16BA-4EDC-9A71-800590EAD5A3}" type="datetimeFigureOut">
               <a:rPr lang="en-GB" smtClean="0"/>
-              <a:t>08/01/2018</a:t>
+              <a:t>11/01/2018</a:t>
             </a:fld>
             <a:endParaRPr lang="en-GB"/>
           </a:p>
@@ -2152,7 +2153,7 @@
           <a:p>
             <a:fld id="{5F54186C-4285-4E96-AAD3-9FC3EE60C962}" type="datetime1">
               <a:rPr lang="en-GB" smtClean="0"/>
-              <a:t>08/01/2018</a:t>
+              <a:t>11/01/2018</a:t>
             </a:fld>
             <a:endParaRPr lang="en-GB"/>
           </a:p>
@@ -2407,7 +2408,7 @@
           <a:p>
             <a:fld id="{10D73A51-C85B-4FD5-AEEB-97536787B941}" type="datetime1">
               <a:rPr lang="en-GB" smtClean="0"/>
-              <a:t>08/01/2018</a:t>
+              <a:t>11/01/2018</a:t>
             </a:fld>
             <a:endParaRPr lang="en-GB"/>
           </a:p>
@@ -2725,7 +2726,7 @@
           <a:p>
             <a:fld id="{47B5C26E-7080-4082-812B-EE4F2267B490}" type="datetime1">
               <a:rPr lang="en-GB" smtClean="0"/>
-              <a:t>08/01/2018</a:t>
+              <a:t>11/01/2018</a:t>
             </a:fld>
             <a:endParaRPr lang="en-GB"/>
           </a:p>
@@ -3056,7 +3057,7 @@
           <a:p>
             <a:fld id="{2AC4DC31-A538-448E-A682-11B5A01C7954}" type="datetime1">
               <a:rPr lang="en-GB" smtClean="0"/>
-              <a:t>08/01/2018</a:t>
+              <a:t>11/01/2018</a:t>
             </a:fld>
             <a:endParaRPr lang="en-GB"/>
           </a:p>
@@ -3374,7 +3375,7 @@
           <a:p>
             <a:fld id="{3E5F4AC0-7A60-44B5-A80E-4B808CD9078B}" type="datetime1">
               <a:rPr lang="en-GB" smtClean="0"/>
-              <a:t>08/01/2018</a:t>
+              <a:t>11/01/2018</a:t>
             </a:fld>
             <a:endParaRPr lang="en-GB"/>
           </a:p>
@@ -3765,7 +3766,7 @@
           <a:p>
             <a:fld id="{0CCA1D9B-3BC4-4E2C-98BA-1D4094C6DE0E}" type="datetime1">
               <a:rPr lang="en-GB" smtClean="0"/>
-              <a:t>08/01/2018</a:t>
+              <a:t>11/01/2018</a:t>
             </a:fld>
             <a:endParaRPr lang="en-GB"/>
           </a:p>
@@ -3939,7 +3940,7 @@
           <a:p>
             <a:fld id="{40A1D1F7-FFBD-4A39-A77B-F8B8C0DA3A07}" type="datetime1">
               <a:rPr lang="en-GB" smtClean="0"/>
-              <a:t>08/01/2018</a:t>
+              <a:t>11/01/2018</a:t>
             </a:fld>
             <a:endParaRPr lang="en-GB"/>
           </a:p>
@@ -4123,7 +4124,7 @@
           <a:p>
             <a:fld id="{95B89837-2BCB-4582-B249-0AB081EC3780}" type="datetime1">
               <a:rPr lang="en-GB" smtClean="0"/>
-              <a:t>08/01/2018</a:t>
+              <a:t>11/01/2018</a:t>
             </a:fld>
             <a:endParaRPr lang="en-GB"/>
           </a:p>
@@ -4297,7 +4298,7 @@
           <a:p>
             <a:fld id="{7D033B6E-D774-4072-ACD1-6D9BA1CF6D8E}" type="datetime1">
               <a:rPr lang="en-GB" smtClean="0"/>
-              <a:t>08/01/2018</a:t>
+              <a:t>11/01/2018</a:t>
             </a:fld>
             <a:endParaRPr lang="en-GB"/>
           </a:p>
@@ -4548,7 +4549,7 @@
           <a:p>
             <a:fld id="{AC155FA9-9194-47C9-B2A8-16002A514344}" type="datetime1">
               <a:rPr lang="en-GB" smtClean="0"/>
-              <a:t>08/01/2018</a:t>
+              <a:t>11/01/2018</a:t>
             </a:fld>
             <a:endParaRPr lang="en-GB"/>
           </a:p>
@@ -4784,7 +4785,7 @@
           <a:p>
             <a:fld id="{7676EAE8-65D2-470A-B32C-8B18D160F3BB}" type="datetime1">
               <a:rPr lang="en-GB" smtClean="0"/>
-              <a:t>08/01/2018</a:t>
+              <a:t>11/01/2018</a:t>
             </a:fld>
             <a:endParaRPr lang="en-GB"/>
           </a:p>
@@ -5162,7 +5163,7 @@
           <a:p>
             <a:fld id="{041782B8-51B7-460C-B94D-9C9916AB33A1}" type="datetime1">
               <a:rPr lang="en-GB" smtClean="0"/>
-              <a:t>08/01/2018</a:t>
+              <a:t>11/01/2018</a:t>
             </a:fld>
             <a:endParaRPr lang="en-GB"/>
           </a:p>
@@ -5289,7 +5290,7 @@
           <a:p>
             <a:fld id="{AD245535-B537-4C8A-8EA7-13CFE9F7DE98}" type="datetime1">
               <a:rPr lang="en-GB" smtClean="0"/>
-              <a:t>08/01/2018</a:t>
+              <a:t>11/01/2018</a:t>
             </a:fld>
             <a:endParaRPr lang="en-GB"/>
           </a:p>
@@ -5388,7 +5389,7 @@
           <a:p>
             <a:fld id="{9685F6F8-5F91-4EBA-BA59-8510A949205C}" type="datetime1">
               <a:rPr lang="en-GB" smtClean="0"/>
-              <a:t>08/01/2018</a:t>
+              <a:t>11/01/2018</a:t>
             </a:fld>
             <a:endParaRPr lang="en-GB"/>
           </a:p>
@@ -5647,7 +5648,7 @@
           <a:p>
             <a:fld id="{81A90BCE-41EF-4FED-A3DF-AB0AEB1504DB}" type="datetime1">
               <a:rPr lang="en-GB" smtClean="0"/>
-              <a:t>08/01/2018</a:t>
+              <a:t>11/01/2018</a:t>
             </a:fld>
             <a:endParaRPr lang="en-GB"/>
           </a:p>
@@ -5914,7 +5915,7 @@
           <a:p>
             <a:fld id="{20393C5B-6138-45F8-9AE4-17C98A6B20F8}" type="datetime1">
               <a:rPr lang="en-GB" smtClean="0"/>
-              <a:t>08/01/2018</a:t>
+              <a:t>11/01/2018</a:t>
             </a:fld>
             <a:endParaRPr lang="en-GB"/>
           </a:p>
@@ -6663,7 +6664,7 @@
           <a:p>
             <a:fld id="{895EA97E-23CE-4203-86C6-375AAD5AB997}" type="datetime1">
               <a:rPr lang="en-GB" smtClean="0"/>
-              <a:t>08/01/2018</a:t>
+              <a:t>11/01/2018</a:t>
             </a:fld>
             <a:endParaRPr lang="en-GB"/>
           </a:p>
@@ -17950,13 +17951,8 @@
                 <a:pPr lvl="1"/>
                 <a:r>
                   <a:rPr lang="en-GB" dirty="0"/>
-                  <a:t>most likely will be published this Friday on </a:t>
-                </a:r>
-                <a:r>
-                  <a:rPr lang="en-GB"/>
-                  <a:t>N@tschool</a:t>
-                </a:r>
-                <a:endParaRPr lang="en-GB" dirty="0"/>
+                  <a:t>published this Friday on N@tschool</a:t>
+                </a:r>
               </a:p>
               <a:p>
                 <a:r>
@@ -17977,7 +17973,7 @@
                 <a:pPr lvl="1"/>
                 <a:r>
                   <a:rPr lang="en-GB" dirty="0"/>
-                  <a:t>Available in our offices for doubts both on MC questions and implementations (sample exams/assessments)</a:t>
+                  <a:t>Available for doubts both on MC questions and implementations (sample exams/assessments)</a:t>
                 </a:r>
               </a:p>
               <a:p>
@@ -18050,6 +18046,448 @@
     <p:extLst>
       <p:ext uri="{BB962C8B-B14F-4D97-AF65-F5344CB8AC3E}">
         <p14:creationId xmlns:p14="http://schemas.microsoft.com/office/powerpoint/2010/main" val="156843609"/>
+      </p:ext>
+    </p:extLst>
+  </p:cSld>
+  <p:clrMapOvr>
+    <a:masterClrMapping/>
+  </p:clrMapOvr>
+</p:sld>
+</file>
+
+<file path=ppt/slides/slide34.xml><?xml version="1.0" encoding="utf-8"?>
+<p:sld xmlns:a="http://schemas.openxmlformats.org/drawingml/2006/main" xmlns:r="http://schemas.openxmlformats.org/officeDocument/2006/relationships" xmlns:p="http://schemas.openxmlformats.org/presentationml/2006/main">
+  <p:cSld>
+    <p:spTree>
+      <p:nvGrpSpPr>
+        <p:cNvPr id="1" name=""/>
+        <p:cNvGrpSpPr/>
+        <p:nvPr/>
+      </p:nvGrpSpPr>
+      <p:grpSpPr>
+        <a:xfrm>
+          <a:off x="0" y="0"/>
+          <a:ext cx="0" cy="0"/>
+          <a:chOff x="0" y="0"/>
+          <a:chExt cx="0" cy="0"/>
+        </a:xfrm>
+      </p:grpSpPr>
+      <p:sp>
+        <p:nvSpPr>
+          <p:cNvPr id="2" name="Titel 1">
+            <a:extLst>
+              <a:ext uri="{FF2B5EF4-FFF2-40B4-BE49-F238E27FC236}">
+                <a16:creationId xmlns:a16="http://schemas.microsoft.com/office/drawing/2014/main" id="{30D04533-C3C1-4CC4-A93A-168B178F919A}"/>
+              </a:ext>
+            </a:extLst>
+          </p:cNvPr>
+          <p:cNvSpPr>
+            <a:spLocks noGrp="1"/>
+          </p:cNvSpPr>
+          <p:nvPr>
+            <p:ph type="title"/>
+          </p:nvPr>
+        </p:nvSpPr>
+        <p:spPr/>
+        <p:txBody>
+          <a:bodyPr/>
+          <a:lstStyle/>
+          <a:p>
+            <a:r>
+              <a:rPr lang="nl-NL" dirty="0"/>
+              <a:t>Sample </a:t>
+            </a:r>
+            <a:r>
+              <a:rPr lang="nl-NL" dirty="0" err="1"/>
+              <a:t>written</a:t>
+            </a:r>
+            <a:r>
+              <a:rPr lang="nl-NL" dirty="0"/>
+              <a:t> </a:t>
+            </a:r>
+            <a:r>
+              <a:rPr lang="nl-NL" dirty="0" err="1"/>
+              <a:t>exam</a:t>
+            </a:r>
+            <a:r>
+              <a:rPr lang="nl-NL" dirty="0"/>
+              <a:t> </a:t>
+            </a:r>
+          </a:p>
+        </p:txBody>
+      </p:sp>
+      <p:sp>
+        <p:nvSpPr>
+          <p:cNvPr id="3" name="Tijdelijke aanduiding voor inhoud 2">
+            <a:extLst>
+              <a:ext uri="{FF2B5EF4-FFF2-40B4-BE49-F238E27FC236}">
+                <a16:creationId xmlns:a16="http://schemas.microsoft.com/office/drawing/2014/main" id="{D9E178CE-FF1D-4594-81E2-CD669189DEC3}"/>
+              </a:ext>
+            </a:extLst>
+          </p:cNvPr>
+          <p:cNvSpPr>
+            <a:spLocks noGrp="1"/>
+          </p:cNvSpPr>
+          <p:nvPr>
+            <p:ph idx="1"/>
+          </p:nvPr>
+        </p:nvSpPr>
+        <p:spPr/>
+        <p:txBody>
+          <a:bodyPr>
+            <a:normAutofit lnSpcReduction="10000"/>
+          </a:bodyPr>
+          <a:lstStyle/>
+          <a:p>
+            <a:r>
+              <a:rPr lang="nl-NL" dirty="0"/>
+              <a:t>Open laptop/tablet/smartphone </a:t>
+            </a:r>
+            <a:r>
+              <a:rPr lang="nl-NL" dirty="0" err="1"/>
+              <a:t>and</a:t>
+            </a:r>
+            <a:r>
+              <a:rPr lang="nl-NL" dirty="0"/>
+              <a:t> </a:t>
+            </a:r>
+            <a:r>
+              <a:rPr lang="nl-NL" dirty="0" err="1"/>
+              <a:t>use</a:t>
+            </a:r>
+            <a:r>
+              <a:rPr lang="nl-NL"/>
+              <a:t> Chrome</a:t>
+            </a:r>
+            <a:endParaRPr lang="nl-NL" dirty="0"/>
+          </a:p>
+          <a:p>
+            <a:r>
+              <a:rPr lang="nl-NL" dirty="0"/>
+              <a:t>Login on </a:t>
+            </a:r>
+            <a:r>
+              <a:rPr lang="nl-NL" dirty="0" err="1"/>
+              <a:t>GrandeOmega</a:t>
+            </a:r>
+            <a:endParaRPr lang="nl-NL" dirty="0"/>
+          </a:p>
+          <a:p>
+            <a:r>
+              <a:rPr lang="nl-NL" dirty="0"/>
+              <a:t>Open “Sample </a:t>
+            </a:r>
+            <a:r>
+              <a:rPr lang="nl-NL" dirty="0" err="1"/>
+              <a:t>exam</a:t>
+            </a:r>
+            <a:r>
+              <a:rPr lang="nl-NL" dirty="0"/>
+              <a:t>” </a:t>
+            </a:r>
+            <a:r>
+              <a:rPr lang="nl-NL" dirty="0" err="1"/>
+              <a:t>and</a:t>
+            </a:r>
+            <a:r>
+              <a:rPr lang="nl-NL" dirty="0"/>
+              <a:t> </a:t>
+            </a:r>
+            <a:r>
+              <a:rPr lang="nl-NL" dirty="0" err="1"/>
+              <a:t>wait</a:t>
+            </a:r>
+            <a:r>
+              <a:rPr lang="nl-NL" dirty="0"/>
+              <a:t> </a:t>
+            </a:r>
+            <a:r>
+              <a:rPr lang="nl-NL" dirty="0" err="1"/>
+              <a:t>for</a:t>
+            </a:r>
+            <a:r>
+              <a:rPr lang="nl-NL" dirty="0"/>
+              <a:t> </a:t>
+            </a:r>
+            <a:r>
+              <a:rPr lang="nl-NL" dirty="0" err="1"/>
+              <a:t>authorization</a:t>
+            </a:r>
+            <a:endParaRPr lang="nl-NL" dirty="0"/>
+          </a:p>
+          <a:p>
+            <a:r>
+              <a:rPr lang="nl-NL" dirty="0" err="1"/>
+              <a:t>Try</a:t>
+            </a:r>
+            <a:r>
+              <a:rPr lang="nl-NL" dirty="0"/>
+              <a:t> </a:t>
+            </a:r>
+            <a:r>
+              <a:rPr lang="nl-NL" dirty="0" err="1"/>
+              <a:t>to</a:t>
+            </a:r>
+            <a:r>
+              <a:rPr lang="nl-NL" dirty="0"/>
+              <a:t> make </a:t>
+            </a:r>
+            <a:r>
+              <a:rPr lang="nl-NL" dirty="0" err="1"/>
+              <a:t>it</a:t>
+            </a:r>
+            <a:r>
+              <a:rPr lang="nl-NL" dirty="0"/>
+              <a:t> as </a:t>
+            </a:r>
+            <a:r>
+              <a:rPr lang="nl-NL" dirty="0" err="1"/>
+              <a:t>you</a:t>
+            </a:r>
+            <a:r>
+              <a:rPr lang="nl-NL" dirty="0"/>
+              <a:t> </a:t>
+            </a:r>
+            <a:r>
+              <a:rPr lang="nl-NL" dirty="0" err="1"/>
+              <a:t>would</a:t>
+            </a:r>
+            <a:r>
+              <a:rPr lang="nl-NL" dirty="0"/>
+              <a:t> </a:t>
+            </a:r>
+            <a:r>
+              <a:rPr lang="nl-NL" dirty="0" err="1"/>
+              <a:t>during</a:t>
+            </a:r>
+            <a:r>
+              <a:rPr lang="nl-NL" dirty="0"/>
+              <a:t> </a:t>
+            </a:r>
+            <a:r>
+              <a:rPr lang="nl-NL" dirty="0" err="1"/>
+              <a:t>the</a:t>
+            </a:r>
+            <a:r>
+              <a:rPr lang="nl-NL" dirty="0"/>
+              <a:t> real </a:t>
+            </a:r>
+            <a:r>
+              <a:rPr lang="nl-NL" dirty="0" err="1"/>
+              <a:t>exam</a:t>
+            </a:r>
+            <a:endParaRPr lang="nl-NL" dirty="0"/>
+          </a:p>
+          <a:p>
+            <a:pPr lvl="1"/>
+            <a:r>
+              <a:rPr lang="nl-NL" dirty="0"/>
+              <a:t>without </a:t>
+            </a:r>
+            <a:r>
+              <a:rPr lang="nl-NL" dirty="0" err="1"/>
+              <a:t>looking</a:t>
+            </a:r>
+            <a:r>
+              <a:rPr lang="nl-NL" dirty="0"/>
+              <a:t> at </a:t>
+            </a:r>
+            <a:r>
+              <a:rPr lang="nl-NL" dirty="0" err="1"/>
+              <a:t>the</a:t>
+            </a:r>
+            <a:r>
+              <a:rPr lang="nl-NL" dirty="0"/>
+              <a:t> slides</a:t>
+            </a:r>
+          </a:p>
+          <a:p>
+            <a:pPr lvl="1"/>
+            <a:r>
+              <a:rPr lang="nl-NL" dirty="0"/>
+              <a:t>without </a:t>
+            </a:r>
+            <a:r>
+              <a:rPr lang="nl-NL" dirty="0" err="1"/>
+              <a:t>talking</a:t>
+            </a:r>
+            <a:r>
+              <a:rPr lang="nl-NL" dirty="0"/>
+              <a:t> </a:t>
+            </a:r>
+            <a:r>
+              <a:rPr lang="nl-NL" dirty="0" err="1"/>
+              <a:t>with</a:t>
+            </a:r>
+            <a:r>
+              <a:rPr lang="nl-NL" dirty="0"/>
+              <a:t> </a:t>
+            </a:r>
+            <a:r>
+              <a:rPr lang="nl-NL" dirty="0" err="1"/>
+              <a:t>your</a:t>
+            </a:r>
+            <a:r>
+              <a:rPr lang="nl-NL" dirty="0"/>
+              <a:t> </a:t>
+            </a:r>
+            <a:r>
+              <a:rPr lang="nl-NL" dirty="0" err="1"/>
+              <a:t>friends</a:t>
+            </a:r>
+            <a:endParaRPr lang="nl-NL" dirty="0"/>
+          </a:p>
+          <a:p>
+            <a:endParaRPr lang="nl-NL" dirty="0"/>
+          </a:p>
+          <a:p>
+            <a:r>
+              <a:rPr lang="nl-NL" b="1" dirty="0"/>
+              <a:t>20 </a:t>
+            </a:r>
+            <a:r>
+              <a:rPr lang="nl-NL" b="1" dirty="0" err="1"/>
+              <a:t>questions</a:t>
+            </a:r>
+            <a:r>
+              <a:rPr lang="nl-NL" b="1" dirty="0"/>
+              <a:t> </a:t>
+            </a:r>
+          </a:p>
+          <a:p>
+            <a:r>
+              <a:rPr lang="nl-NL" b="1" dirty="0"/>
+              <a:t>50 minutes</a:t>
+            </a:r>
+          </a:p>
+          <a:p>
+            <a:r>
+              <a:rPr lang="nl-NL" b="1" dirty="0"/>
+              <a:t>Pass</a:t>
+            </a:r>
+            <a:r>
+              <a:rPr lang="nl-NL" dirty="0"/>
+              <a:t> </a:t>
+            </a:r>
+            <a:r>
+              <a:rPr lang="nl-NL" dirty="0" err="1"/>
+              <a:t>if</a:t>
+            </a:r>
+            <a:r>
+              <a:rPr lang="nl-NL" dirty="0"/>
+              <a:t> </a:t>
+            </a:r>
+            <a:r>
+              <a:rPr lang="nl-NL" dirty="0" err="1"/>
+              <a:t>the</a:t>
+            </a:r>
+            <a:r>
+              <a:rPr lang="nl-NL" dirty="0"/>
+              <a:t> </a:t>
+            </a:r>
+            <a:r>
+              <a:rPr lang="nl-NL" dirty="0" err="1"/>
+              <a:t>amount</a:t>
+            </a:r>
+            <a:r>
+              <a:rPr lang="nl-NL" dirty="0"/>
+              <a:t> of correct </a:t>
+            </a:r>
+            <a:r>
+              <a:rPr lang="nl-NL" dirty="0" err="1"/>
+              <a:t>answers</a:t>
+            </a:r>
+            <a:r>
+              <a:rPr lang="nl-NL" dirty="0"/>
+              <a:t> is </a:t>
+            </a:r>
+            <a:r>
+              <a:rPr lang="nl-NL" b="1" dirty="0"/>
+              <a:t>&gt;= 11</a:t>
+            </a:r>
+          </a:p>
+        </p:txBody>
+      </p:sp>
+      <p:sp>
+        <p:nvSpPr>
+          <p:cNvPr id="4" name="Tijdelijke aanduiding voor voettekst 3">
+            <a:extLst>
+              <a:ext uri="{FF2B5EF4-FFF2-40B4-BE49-F238E27FC236}">
+                <a16:creationId xmlns:a16="http://schemas.microsoft.com/office/drawing/2014/main" id="{51A9D26D-24AB-4979-839C-80D6DEAE469A}"/>
+              </a:ext>
+            </a:extLst>
+          </p:cNvPr>
+          <p:cNvSpPr>
+            <a:spLocks noGrp="1"/>
+          </p:cNvSpPr>
+          <p:nvPr>
+            <p:ph type="ftr" sz="quarter" idx="11"/>
+          </p:nvPr>
+        </p:nvSpPr>
+        <p:spPr/>
+        <p:txBody>
+          <a:bodyPr/>
+          <a:lstStyle/>
+          <a:p>
+            <a:r>
+              <a:rPr lang="it-IT"/>
+              <a:t>INFDEV036A - G. Costantini, F. Di Giacomo</a:t>
+            </a:r>
+            <a:endParaRPr lang="en-GB"/>
+          </a:p>
+        </p:txBody>
+      </p:sp>
+      <p:pic>
+        <p:nvPicPr>
+          <p:cNvPr id="1026" name="Picture 2" descr="Image result for ticking clock">
+            <a:extLst>
+              <a:ext uri="{FF2B5EF4-FFF2-40B4-BE49-F238E27FC236}">
+                <a16:creationId xmlns:a16="http://schemas.microsoft.com/office/drawing/2014/main" id="{72C6E1B3-A2DF-4557-8A77-F89DB407D81A}"/>
+              </a:ext>
+            </a:extLst>
+          </p:cNvPr>
+          <p:cNvPicPr>
+            <a:picLocks noChangeAspect="1" noChangeArrowheads="1"/>
+          </p:cNvPicPr>
+          <p:nvPr/>
+        </p:nvPicPr>
+        <p:blipFill>
+          <a:blip r:embed="rId2">
+            <a:extLst>
+              <a:ext uri="{28A0092B-C50C-407E-A947-70E740481C1C}">
+                <a14:useLocalDpi xmlns:a14="http://schemas.microsoft.com/office/drawing/2010/main" val="0"/>
+              </a:ext>
+            </a:extLst>
+          </a:blip>
+          <a:srcRect/>
+          <a:stretch>
+            <a:fillRect/>
+          </a:stretch>
+        </p:blipFill>
+        <p:spPr bwMode="auto">
+          <a:xfrm>
+            <a:off x="6319216" y="4212883"/>
+            <a:ext cx="2176761" cy="1828479"/>
+          </a:xfrm>
+          <a:prstGeom prst="rect">
+            <a:avLst/>
+          </a:prstGeom>
+          <a:noFill/>
+          <a:extLst>
+            <a:ext uri="{909E8E84-426E-40DD-AFC4-6F175D3DCCD1}">
+              <a14:hiddenFill xmlns:a14="http://schemas.microsoft.com/office/drawing/2010/main">
+                <a:solidFill>
+                  <a:srgbClr val="FFFFFF"/>
+                </a:solidFill>
+              </a14:hiddenFill>
+            </a:ext>
+          </a:extLst>
+        </p:spPr>
+      </p:pic>
+    </p:spTree>
+    <p:extLst>
+      <p:ext uri="{BB962C8B-B14F-4D97-AF65-F5344CB8AC3E}">
+        <p14:creationId xmlns:p14="http://schemas.microsoft.com/office/powerpoint/2010/main" val="27933180"/>
       </p:ext>
     </p:extLst>
   </p:cSld>
@@ -18651,7 +19089,7 @@
           <p:nvPr>
             <p:extLst>
               <p:ext uri="{D42A27DB-BD31-4B8C-83A1-F6EECF244321}">
-                <p14:modId xmlns:p14="http://schemas.microsoft.com/office/powerpoint/2010/main" val="993918665"/>
+                <p14:modId xmlns:p14="http://schemas.microsoft.com/office/powerpoint/2010/main" val="2375161136"/>
               </p:ext>
             </p:extLst>
           </p:nvPr>
@@ -18893,7 +19331,7 @@
                             <a:schemeClr val="tx1"/>
                           </a:solidFill>
                         </a:rPr>
-                        <a:t>551</a:t>
+                        <a:t>550</a:t>
                       </a:r>
                       <a:endParaRPr lang="it-IT" dirty="0">
                         <a:solidFill>
@@ -18946,7 +19384,7 @@
                             <a:schemeClr val="tx1"/>
                           </a:solidFill>
                         </a:rPr>
-                        <a:t>3792</a:t>
+                        <a:t>5817</a:t>
                       </a:r>
                       <a:endParaRPr lang="it-IT" dirty="0">
                         <a:solidFill>

--- a/Lesson slides/Unit 6 - Dynamic Programming, Floyd Warshall.pptx
+++ b/Lesson slides/Unit 6 - Dynamic Programming, Floyd Warshall.pptx
@@ -23,23 +23,23 @@
     <p:sldId id="275" r:id="rId14"/>
     <p:sldId id="277" r:id="rId15"/>
     <p:sldId id="278" r:id="rId16"/>
-    <p:sldId id="281" r:id="rId17"/>
-    <p:sldId id="282" r:id="rId18"/>
-    <p:sldId id="283" r:id="rId19"/>
-    <p:sldId id="284" r:id="rId20"/>
-    <p:sldId id="280" r:id="rId21"/>
-    <p:sldId id="285" r:id="rId22"/>
-    <p:sldId id="295" r:id="rId23"/>
-    <p:sldId id="296" r:id="rId24"/>
-    <p:sldId id="279" r:id="rId25"/>
-    <p:sldId id="286" r:id="rId26"/>
-    <p:sldId id="287" r:id="rId27"/>
-    <p:sldId id="288" r:id="rId28"/>
-    <p:sldId id="289" r:id="rId29"/>
-    <p:sldId id="292" r:id="rId30"/>
-    <p:sldId id="291" r:id="rId31"/>
-    <p:sldId id="290" r:id="rId32"/>
-    <p:sldId id="294" r:id="rId33"/>
+    <p:sldId id="289" r:id="rId17"/>
+    <p:sldId id="292" r:id="rId18"/>
+    <p:sldId id="291" r:id="rId19"/>
+    <p:sldId id="290" r:id="rId20"/>
+    <p:sldId id="294" r:id="rId21"/>
+    <p:sldId id="281" r:id="rId22"/>
+    <p:sldId id="282" r:id="rId23"/>
+    <p:sldId id="283" r:id="rId24"/>
+    <p:sldId id="284" r:id="rId25"/>
+    <p:sldId id="280" r:id="rId26"/>
+    <p:sldId id="285" r:id="rId27"/>
+    <p:sldId id="295" r:id="rId28"/>
+    <p:sldId id="296" r:id="rId29"/>
+    <p:sldId id="279" r:id="rId30"/>
+    <p:sldId id="286" r:id="rId31"/>
+    <p:sldId id="287" r:id="rId32"/>
+    <p:sldId id="288" r:id="rId33"/>
     <p:sldId id="293" r:id="rId34"/>
     <p:sldId id="297" r:id="rId35"/>
   </p:sldIdLst>
@@ -246,7 +246,7 @@
           <a:p>
             <a:fld id="{F314420D-16BA-4EDC-9A71-800590EAD5A3}" type="datetimeFigureOut">
               <a:rPr lang="en-GB" smtClean="0"/>
-              <a:t>11/01/2018</a:t>
+              <a:t>12/01/2018</a:t>
             </a:fld>
             <a:endParaRPr lang="en-GB"/>
           </a:p>
@@ -727,67 +727,42 @@
           <a:lstStyle/>
           <a:p>
             <a:r>
-              <a:rPr lang="en-US" b="1" dirty="0"/>
-              <a:t>procedure</a:t>
-            </a:r>
-            <a:r>
-              <a:rPr lang="en-US" dirty="0"/>
-              <a:t> Path(u, v) </a:t>
-            </a:r>
-            <a:r>
-              <a:rPr lang="en-US" b="1" dirty="0"/>
-              <a:t>if</a:t>
-            </a:r>
-            <a:r>
-              <a:rPr lang="en-US" dirty="0"/>
-              <a:t> next[u][v] = null </a:t>
-            </a:r>
-            <a:r>
-              <a:rPr lang="en-US" b="1" dirty="0"/>
-              <a:t>then</a:t>
-            </a:r>
-            <a:r>
-              <a:rPr lang="en-US" dirty="0"/>
-              <a:t> </a:t>
-            </a:r>
-            <a:r>
-              <a:rPr lang="en-US" b="1" dirty="0"/>
-              <a:t>return</a:t>
-            </a:r>
-            <a:r>
-              <a:rPr lang="en-US" dirty="0"/>
-              <a:t> [] path = [u] </a:t>
-            </a:r>
-            <a:r>
-              <a:rPr lang="en-US" b="1" dirty="0"/>
-              <a:t>while u ≠ v</a:t>
-            </a:r>
-            <a:r>
-              <a:rPr lang="en-US" dirty="0"/>
-              <a:t> u ← next[u][v] </a:t>
-            </a:r>
-            <a:r>
-              <a:rPr lang="en-US" dirty="0" err="1"/>
-              <a:t>path.append</a:t>
-            </a:r>
-            <a:r>
-              <a:rPr lang="en-US" dirty="0"/>
-              <a:t>(u) </a:t>
-            </a:r>
-            <a:r>
-              <a:rPr lang="en-US" b="1" dirty="0"/>
-              <a:t>return</a:t>
-            </a:r>
-            <a:r>
-              <a:rPr lang="en-US" dirty="0"/>
-              <a:t> path</a:t>
-            </a:r>
-          </a:p>
-          <a:p>
-            <a:r>
-              <a:rPr lang="nl-NL" dirty="0"/>
-              <a:t>https://en.wikipedia.org/wiki/Floyd%E2%80%93Warshall_algorithm#Path_reconstruction </a:t>
-            </a:r>
+              <a:rPr lang="en-US" sz="1200" b="0" i="0" kern="1200" dirty="0">
+                <a:solidFill>
+                  <a:schemeClr val="tx1"/>
+                </a:solidFill>
+                <a:effectLst/>
+                <a:latin typeface="+mn-lt"/>
+                <a:ea typeface="+mn-ea"/>
+                <a:cs typeface="+mn-cs"/>
+              </a:rPr>
+              <a:t>Prior to the first iteration of the outer loop, labeled </a:t>
+            </a:r>
+            <a:r>
+              <a:rPr lang="en-US" sz="1200" b="0" i="1" kern="1200" dirty="0">
+                <a:solidFill>
+                  <a:schemeClr val="tx1"/>
+                </a:solidFill>
+                <a:effectLst/>
+                <a:latin typeface="+mn-lt"/>
+                <a:ea typeface="+mn-ea"/>
+                <a:cs typeface="+mn-cs"/>
+              </a:rPr>
+              <a:t>k</a:t>
+            </a:r>
+            <a:r>
+              <a:rPr lang="en-US" sz="1200" b="0" i="0" kern="1200" dirty="0">
+                <a:solidFill>
+                  <a:schemeClr val="tx1"/>
+                </a:solidFill>
+                <a:effectLst/>
+                <a:latin typeface="+mn-lt"/>
+                <a:ea typeface="+mn-ea"/>
+                <a:cs typeface="+mn-cs"/>
+              </a:rPr>
+              <a:t>=0 above, the only known paths correspond to the single edges in the graph. At k=1, paths that go through the vertex 1 are found: in particular, the path 2→1→3 is found, replacing the path 2→3 which has fewer edges but is longer. At k=2, paths going through the vertices {1,2} are found. The red and blue boxes show how the path 4→2→1→3 is assembled from the two known paths 4→2 and 2→1→3 encountered in previous iterations, with 2 in the intersection. The path 4→2→3 is not considered, because 2→1→3 is the shortest path encountered so far from 2 to 3. At k=3, paths going through the vertices {1,2,3} are found. Finally, at k=4, all shortest paths are found.</a:t>
+            </a:r>
+            <a:endParaRPr lang="nl-NL" dirty="0"/>
           </a:p>
         </p:txBody>
       </p:sp>
@@ -808,7 +783,7 @@
           <a:p>
             <a:fld id="{29573B9A-66FB-4A63-BCD5-E140B9429FD2}" type="slidenum">
               <a:rPr lang="en-GB" smtClean="0"/>
-              <a:t>26</a:t>
+              <a:t>16</a:t>
             </a:fld>
             <a:endParaRPr lang="en-GB"/>
           </a:p>
@@ -817,7 +792,7 @@
     </p:spTree>
     <p:extLst>
       <p:ext uri="{BB962C8B-B14F-4D97-AF65-F5344CB8AC3E}">
-        <p14:creationId xmlns:p14="http://schemas.microsoft.com/office/powerpoint/2010/main" val="1992112635"/>
+        <p14:creationId xmlns:p14="http://schemas.microsoft.com/office/powerpoint/2010/main" val="34234943"/>
       </p:ext>
     </p:extLst>
   </p:cSld>
@@ -928,7 +903,7 @@
           <a:p>
             <a:fld id="{29573B9A-66FB-4A63-BCD5-E140B9429FD2}" type="slidenum">
               <a:rPr lang="en-GB" smtClean="0"/>
-              <a:t>28</a:t>
+              <a:t>17</a:t>
             </a:fld>
             <a:endParaRPr lang="en-GB"/>
           </a:p>
@@ -937,7 +912,7 @@
     </p:spTree>
     <p:extLst>
       <p:ext uri="{BB962C8B-B14F-4D97-AF65-F5344CB8AC3E}">
-        <p14:creationId xmlns:p14="http://schemas.microsoft.com/office/powerpoint/2010/main" val="34234943"/>
+        <p14:creationId xmlns:p14="http://schemas.microsoft.com/office/powerpoint/2010/main" val="4159984285"/>
       </p:ext>
     </p:extLst>
   </p:cSld>
@@ -1048,7 +1023,7 @@
           <a:p>
             <a:fld id="{29573B9A-66FB-4A63-BCD5-E140B9429FD2}" type="slidenum">
               <a:rPr lang="en-GB" smtClean="0"/>
-              <a:t>29</a:t>
+              <a:t>18</a:t>
             </a:fld>
             <a:endParaRPr lang="en-GB"/>
           </a:p>
@@ -1057,7 +1032,7 @@
     </p:spTree>
     <p:extLst>
       <p:ext uri="{BB962C8B-B14F-4D97-AF65-F5344CB8AC3E}">
-        <p14:creationId xmlns:p14="http://schemas.microsoft.com/office/powerpoint/2010/main" val="4159984285"/>
+        <p14:creationId xmlns:p14="http://schemas.microsoft.com/office/powerpoint/2010/main" val="4210075444"/>
       </p:ext>
     </p:extLst>
   </p:cSld>
@@ -1168,7 +1143,7 @@
           <a:p>
             <a:fld id="{29573B9A-66FB-4A63-BCD5-E140B9429FD2}" type="slidenum">
               <a:rPr lang="en-GB" smtClean="0"/>
-              <a:t>30</a:t>
+              <a:t>19</a:t>
             </a:fld>
             <a:endParaRPr lang="en-GB"/>
           </a:p>
@@ -1177,7 +1152,7 @@
     </p:spTree>
     <p:extLst>
       <p:ext uri="{BB962C8B-B14F-4D97-AF65-F5344CB8AC3E}">
-        <p14:creationId xmlns:p14="http://schemas.microsoft.com/office/powerpoint/2010/main" val="4210075444"/>
+        <p14:creationId xmlns:p14="http://schemas.microsoft.com/office/powerpoint/2010/main" val="360051959"/>
       </p:ext>
     </p:extLst>
   </p:cSld>
@@ -1288,7 +1263,7 @@
           <a:p>
             <a:fld id="{29573B9A-66FB-4A63-BCD5-E140B9429FD2}" type="slidenum">
               <a:rPr lang="en-GB" smtClean="0"/>
-              <a:t>31</a:t>
+              <a:t>20</a:t>
             </a:fld>
             <a:endParaRPr lang="en-GB"/>
           </a:p>
@@ -1297,7 +1272,7 @@
     </p:spTree>
     <p:extLst>
       <p:ext uri="{BB962C8B-B14F-4D97-AF65-F5344CB8AC3E}">
-        <p14:creationId xmlns:p14="http://schemas.microsoft.com/office/powerpoint/2010/main" val="360051959"/>
+        <p14:creationId xmlns:p14="http://schemas.microsoft.com/office/powerpoint/2010/main" val="1985427450"/>
       </p:ext>
     </p:extLst>
   </p:cSld>
@@ -1352,42 +1327,67 @@
           <a:lstStyle/>
           <a:p>
             <a:r>
-              <a:rPr lang="en-US" sz="1200" b="0" i="0" kern="1200" dirty="0">
-                <a:solidFill>
-                  <a:schemeClr val="tx1"/>
-                </a:solidFill>
-                <a:effectLst/>
-                <a:latin typeface="+mn-lt"/>
-                <a:ea typeface="+mn-ea"/>
-                <a:cs typeface="+mn-cs"/>
-              </a:rPr>
-              <a:t>Prior to the first iteration of the outer loop, labeled </a:t>
-            </a:r>
-            <a:r>
-              <a:rPr lang="en-US" sz="1200" b="0" i="1" kern="1200" dirty="0">
-                <a:solidFill>
-                  <a:schemeClr val="tx1"/>
-                </a:solidFill>
-                <a:effectLst/>
-                <a:latin typeface="+mn-lt"/>
-                <a:ea typeface="+mn-ea"/>
-                <a:cs typeface="+mn-cs"/>
-              </a:rPr>
-              <a:t>k</a:t>
-            </a:r>
-            <a:r>
-              <a:rPr lang="en-US" sz="1200" b="0" i="0" kern="1200" dirty="0">
-                <a:solidFill>
-                  <a:schemeClr val="tx1"/>
-                </a:solidFill>
-                <a:effectLst/>
-                <a:latin typeface="+mn-lt"/>
-                <a:ea typeface="+mn-ea"/>
-                <a:cs typeface="+mn-cs"/>
-              </a:rPr>
-              <a:t>=0 above, the only known paths correspond to the single edges in the graph. At k=1, paths that go through the vertex 1 are found: in particular, the path 2→1→3 is found, replacing the path 2→3 which has fewer edges but is longer. At k=2, paths going through the vertices {1,2} are found. The red and blue boxes show how the path 4→2→1→3 is assembled from the two known paths 4→2 and 2→1→3 encountered in previous iterations, with 2 in the intersection. The path 4→2→3 is not considered, because 2→1→3 is the shortest path encountered so far from 2 to 3. At k=3, paths going through the vertices {1,2,3} are found. Finally, at k=4, all shortest paths are found.</a:t>
-            </a:r>
-            <a:endParaRPr lang="nl-NL" dirty="0"/>
+              <a:rPr lang="en-US" b="1" dirty="0"/>
+              <a:t>procedure</a:t>
+            </a:r>
+            <a:r>
+              <a:rPr lang="en-US" dirty="0"/>
+              <a:t> Path(u, v) </a:t>
+            </a:r>
+            <a:r>
+              <a:rPr lang="en-US" b="1" dirty="0"/>
+              <a:t>if</a:t>
+            </a:r>
+            <a:r>
+              <a:rPr lang="en-US" dirty="0"/>
+              <a:t> next[u][v] = null </a:t>
+            </a:r>
+            <a:r>
+              <a:rPr lang="en-US" b="1" dirty="0"/>
+              <a:t>then</a:t>
+            </a:r>
+            <a:r>
+              <a:rPr lang="en-US" dirty="0"/>
+              <a:t> </a:t>
+            </a:r>
+            <a:r>
+              <a:rPr lang="en-US" b="1" dirty="0"/>
+              <a:t>return</a:t>
+            </a:r>
+            <a:r>
+              <a:rPr lang="en-US" dirty="0"/>
+              <a:t> [] path = [u] </a:t>
+            </a:r>
+            <a:r>
+              <a:rPr lang="en-US" b="1" dirty="0"/>
+              <a:t>while u ≠ v</a:t>
+            </a:r>
+            <a:r>
+              <a:rPr lang="en-US" dirty="0"/>
+              <a:t> u ← next[u][v] </a:t>
+            </a:r>
+            <a:r>
+              <a:rPr lang="en-US" dirty="0" err="1"/>
+              <a:t>path.append</a:t>
+            </a:r>
+            <a:r>
+              <a:rPr lang="en-US" dirty="0"/>
+              <a:t>(u) </a:t>
+            </a:r>
+            <a:r>
+              <a:rPr lang="en-US" b="1" dirty="0"/>
+              <a:t>return</a:t>
+            </a:r>
+            <a:r>
+              <a:rPr lang="en-US" dirty="0"/>
+              <a:t> path</a:t>
+            </a:r>
+          </a:p>
+          <a:p>
+            <a:r>
+              <a:rPr lang="nl-NL" dirty="0"/>
+              <a:t>https://en.wikipedia.org/wiki/Floyd%E2%80%93Warshall_algorithm#Path_reconstruction </a:t>
+            </a:r>
           </a:p>
         </p:txBody>
       </p:sp>
@@ -1408,7 +1408,7 @@
           <a:p>
             <a:fld id="{29573B9A-66FB-4A63-BCD5-E140B9429FD2}" type="slidenum">
               <a:rPr lang="en-GB" smtClean="0"/>
-              <a:t>32</a:t>
+              <a:t>31</a:t>
             </a:fld>
             <a:endParaRPr lang="en-GB"/>
           </a:p>
@@ -1417,7 +1417,7 @@
     </p:spTree>
     <p:extLst>
       <p:ext uri="{BB962C8B-B14F-4D97-AF65-F5344CB8AC3E}">
-        <p14:creationId xmlns:p14="http://schemas.microsoft.com/office/powerpoint/2010/main" val="1985427450"/>
+        <p14:creationId xmlns:p14="http://schemas.microsoft.com/office/powerpoint/2010/main" val="1992112635"/>
       </p:ext>
     </p:extLst>
   </p:cSld>
@@ -2153,7 +2153,7 @@
           <a:p>
             <a:fld id="{5F54186C-4285-4E96-AAD3-9FC3EE60C962}" type="datetime1">
               <a:rPr lang="en-GB" smtClean="0"/>
-              <a:t>11/01/2018</a:t>
+              <a:t>12/01/2018</a:t>
             </a:fld>
             <a:endParaRPr lang="en-GB"/>
           </a:p>
@@ -2408,7 +2408,7 @@
           <a:p>
             <a:fld id="{10D73A51-C85B-4FD5-AEEB-97536787B941}" type="datetime1">
               <a:rPr lang="en-GB" smtClean="0"/>
-              <a:t>11/01/2018</a:t>
+              <a:t>12/01/2018</a:t>
             </a:fld>
             <a:endParaRPr lang="en-GB"/>
           </a:p>
@@ -2726,7 +2726,7 @@
           <a:p>
             <a:fld id="{47B5C26E-7080-4082-812B-EE4F2267B490}" type="datetime1">
               <a:rPr lang="en-GB" smtClean="0"/>
-              <a:t>11/01/2018</a:t>
+              <a:t>12/01/2018</a:t>
             </a:fld>
             <a:endParaRPr lang="en-GB"/>
           </a:p>
@@ -3057,7 +3057,7 @@
           <a:p>
             <a:fld id="{2AC4DC31-A538-448E-A682-11B5A01C7954}" type="datetime1">
               <a:rPr lang="en-GB" smtClean="0"/>
-              <a:t>11/01/2018</a:t>
+              <a:t>12/01/2018</a:t>
             </a:fld>
             <a:endParaRPr lang="en-GB"/>
           </a:p>
@@ -3375,7 +3375,7 @@
           <a:p>
             <a:fld id="{3E5F4AC0-7A60-44B5-A80E-4B808CD9078B}" type="datetime1">
               <a:rPr lang="en-GB" smtClean="0"/>
-              <a:t>11/01/2018</a:t>
+              <a:t>12/01/2018</a:t>
             </a:fld>
             <a:endParaRPr lang="en-GB"/>
           </a:p>
@@ -3766,7 +3766,7 @@
           <a:p>
             <a:fld id="{0CCA1D9B-3BC4-4E2C-98BA-1D4094C6DE0E}" type="datetime1">
               <a:rPr lang="en-GB" smtClean="0"/>
-              <a:t>11/01/2018</a:t>
+              <a:t>12/01/2018</a:t>
             </a:fld>
             <a:endParaRPr lang="en-GB"/>
           </a:p>
@@ -3940,7 +3940,7 @@
           <a:p>
             <a:fld id="{40A1D1F7-FFBD-4A39-A77B-F8B8C0DA3A07}" type="datetime1">
               <a:rPr lang="en-GB" smtClean="0"/>
-              <a:t>11/01/2018</a:t>
+              <a:t>12/01/2018</a:t>
             </a:fld>
             <a:endParaRPr lang="en-GB"/>
           </a:p>
@@ -4124,7 +4124,7 @@
           <a:p>
             <a:fld id="{95B89837-2BCB-4582-B249-0AB081EC3780}" type="datetime1">
               <a:rPr lang="en-GB" smtClean="0"/>
-              <a:t>11/01/2018</a:t>
+              <a:t>12/01/2018</a:t>
             </a:fld>
             <a:endParaRPr lang="en-GB"/>
           </a:p>
@@ -4298,7 +4298,7 @@
           <a:p>
             <a:fld id="{7D033B6E-D774-4072-ACD1-6D9BA1CF6D8E}" type="datetime1">
               <a:rPr lang="en-GB" smtClean="0"/>
-              <a:t>11/01/2018</a:t>
+              <a:t>12/01/2018</a:t>
             </a:fld>
             <a:endParaRPr lang="en-GB"/>
           </a:p>
@@ -4549,7 +4549,7 @@
           <a:p>
             <a:fld id="{AC155FA9-9194-47C9-B2A8-16002A514344}" type="datetime1">
               <a:rPr lang="en-GB" smtClean="0"/>
-              <a:t>11/01/2018</a:t>
+              <a:t>12/01/2018</a:t>
             </a:fld>
             <a:endParaRPr lang="en-GB"/>
           </a:p>
@@ -4785,7 +4785,7 @@
           <a:p>
             <a:fld id="{7676EAE8-65D2-470A-B32C-8B18D160F3BB}" type="datetime1">
               <a:rPr lang="en-GB" smtClean="0"/>
-              <a:t>11/01/2018</a:t>
+              <a:t>12/01/2018</a:t>
             </a:fld>
             <a:endParaRPr lang="en-GB"/>
           </a:p>
@@ -5163,7 +5163,7 @@
           <a:p>
             <a:fld id="{041782B8-51B7-460C-B94D-9C9916AB33A1}" type="datetime1">
               <a:rPr lang="en-GB" smtClean="0"/>
-              <a:t>11/01/2018</a:t>
+              <a:t>12/01/2018</a:t>
             </a:fld>
             <a:endParaRPr lang="en-GB"/>
           </a:p>
@@ -5290,7 +5290,7 @@
           <a:p>
             <a:fld id="{AD245535-B537-4C8A-8EA7-13CFE9F7DE98}" type="datetime1">
               <a:rPr lang="en-GB" smtClean="0"/>
-              <a:t>11/01/2018</a:t>
+              <a:t>12/01/2018</a:t>
             </a:fld>
             <a:endParaRPr lang="en-GB"/>
           </a:p>
@@ -5389,7 +5389,7 @@
           <a:p>
             <a:fld id="{9685F6F8-5F91-4EBA-BA59-8510A949205C}" type="datetime1">
               <a:rPr lang="en-GB" smtClean="0"/>
-              <a:t>11/01/2018</a:t>
+              <a:t>12/01/2018</a:t>
             </a:fld>
             <a:endParaRPr lang="en-GB"/>
           </a:p>
@@ -5648,7 +5648,7 @@
           <a:p>
             <a:fld id="{81A90BCE-41EF-4FED-A3DF-AB0AEB1504DB}" type="datetime1">
               <a:rPr lang="en-GB" smtClean="0"/>
-              <a:t>11/01/2018</a:t>
+              <a:t>12/01/2018</a:t>
             </a:fld>
             <a:endParaRPr lang="en-GB"/>
           </a:p>
@@ -5915,7 +5915,7 @@
           <a:p>
             <a:fld id="{20393C5B-6138-45F8-9AE4-17C98A6B20F8}" type="datetime1">
               <a:rPr lang="en-GB" smtClean="0"/>
-              <a:t>11/01/2018</a:t>
+              <a:t>12/01/2018</a:t>
             </a:fld>
             <a:endParaRPr lang="en-GB"/>
           </a:p>
@@ -6664,7 +6664,7 @@
           <a:p>
             <a:fld id="{895EA97E-23CE-4203-86C6-375AAD5AB997}" type="datetime1">
               <a:rPr lang="en-GB" smtClean="0"/>
-              <a:t>11/01/2018</a:t>
+              <a:t>12/01/2018</a:t>
             </a:fld>
             <a:endParaRPr lang="en-GB"/>
           </a:p>
@@ -8478,6 +8478,115 @@
   <p:clrMapOvr>
     <a:masterClrMapping/>
   </p:clrMapOvr>
+  <p:timing>
+    <p:tnLst>
+      <p:par>
+        <p:cTn id="1" dur="indefinite" restart="never" nodeType="tmRoot">
+          <p:childTnLst>
+            <p:seq concurrent="1" nextAc="seek">
+              <p:cTn id="2" dur="indefinite" nodeType="mainSeq">
+                <p:childTnLst>
+                  <p:par>
+                    <p:cTn id="3" fill="hold">
+                      <p:stCondLst>
+                        <p:cond delay="indefinite"/>
+                      </p:stCondLst>
+                      <p:childTnLst>
+                        <p:par>
+                          <p:cTn id="4" fill="hold">
+                            <p:stCondLst>
+                              <p:cond delay="0"/>
+                            </p:stCondLst>
+                            <p:childTnLst>
+                              <p:par>
+                                <p:cTn id="5" presetID="1" presetClass="entr" presetSubtype="0" fill="hold" nodeType="clickEffect">
+                                  <p:stCondLst>
+                                    <p:cond delay="0"/>
+                                  </p:stCondLst>
+                                  <p:childTnLst>
+                                    <p:set>
+                                      <p:cBhvr>
+                                        <p:cTn id="6" dur="1" fill="hold">
+                                          <p:stCondLst>
+                                            <p:cond delay="0"/>
+                                          </p:stCondLst>
+                                        </p:cTn>
+                                        <p:tgtEl>
+                                          <p:spTgt spid="5">
+                                            <p:txEl>
+                                              <p:pRg st="3" end="3"/>
+                                            </p:txEl>
+                                          </p:spTgt>
+                                        </p:tgtEl>
+                                        <p:attrNameLst>
+                                          <p:attrName>style.visibility</p:attrName>
+                                        </p:attrNameLst>
+                                      </p:cBhvr>
+                                      <p:to>
+                                        <p:strVal val="visible"/>
+                                      </p:to>
+                                    </p:set>
+                                  </p:childTnLst>
+                                </p:cTn>
+                              </p:par>
+                              <p:par>
+                                <p:cTn id="7" presetID="1" presetClass="entr" presetSubtype="0" fill="hold" grpId="0" nodeType="withEffect">
+                                  <p:stCondLst>
+                                    <p:cond delay="0"/>
+                                  </p:stCondLst>
+                                  <p:childTnLst>
+                                    <p:set>
+                                      <p:cBhvr>
+                                        <p:cTn id="8" dur="1" fill="hold">
+                                          <p:stCondLst>
+                                            <p:cond delay="0"/>
+                                          </p:stCondLst>
+                                        </p:cTn>
+                                        <p:tgtEl>
+                                          <p:spTgt spid="3"/>
+                                        </p:tgtEl>
+                                        <p:attrNameLst>
+                                          <p:attrName>style.visibility</p:attrName>
+                                        </p:attrNameLst>
+                                      </p:cBhvr>
+                                      <p:to>
+                                        <p:strVal val="visible"/>
+                                      </p:to>
+                                    </p:set>
+                                  </p:childTnLst>
+                                </p:cTn>
+                              </p:par>
+                            </p:childTnLst>
+                          </p:cTn>
+                        </p:par>
+                      </p:childTnLst>
+                    </p:cTn>
+                  </p:par>
+                </p:childTnLst>
+              </p:cTn>
+              <p:prevCondLst>
+                <p:cond evt="onPrev" delay="0">
+                  <p:tgtEl>
+                    <p:sldTgt/>
+                  </p:tgtEl>
+                </p:cond>
+              </p:prevCondLst>
+              <p:nextCondLst>
+                <p:cond evt="onNext" delay="0">
+                  <p:tgtEl>
+                    <p:sldTgt/>
+                  </p:tgtEl>
+                </p:cond>
+              </p:nextCondLst>
+            </p:seq>
+          </p:childTnLst>
+        </p:cTn>
+      </p:par>
+    </p:tnLst>
+    <p:bldLst>
+      <p:bldP spid="3" grpId="0"/>
+    </p:bldLst>
+  </p:timing>
 </p:sld>
 </file>
 
@@ -9062,6 +9171,1153 @@
 </file>
 
 <file path=ppt/slides/slide16.xml><?xml version="1.0" encoding="utf-8"?>
+<p:sld xmlns:a="http://schemas.openxmlformats.org/drawingml/2006/main" xmlns:r="http://schemas.openxmlformats.org/officeDocument/2006/relationships" xmlns:p="http://schemas.openxmlformats.org/presentationml/2006/main">
+  <p:cSld>
+    <p:spTree>
+      <p:nvGrpSpPr>
+        <p:cNvPr id="1" name=""/>
+        <p:cNvGrpSpPr/>
+        <p:nvPr/>
+      </p:nvGrpSpPr>
+      <p:grpSpPr>
+        <a:xfrm>
+          <a:off x="0" y="0"/>
+          <a:ext cx="0" cy="0"/>
+          <a:chOff x="0" y="0"/>
+          <a:chExt cx="0" cy="0"/>
+        </a:xfrm>
+      </p:grpSpPr>
+      <p:sp>
+        <p:nvSpPr>
+          <p:cNvPr id="2" name="Titel 1"/>
+          <p:cNvSpPr>
+            <a:spLocks noGrp="1"/>
+          </p:cNvSpPr>
+          <p:nvPr>
+            <p:ph type="title"/>
+          </p:nvPr>
+        </p:nvSpPr>
+        <p:spPr/>
+        <p:txBody>
+          <a:bodyPr/>
+          <a:lstStyle/>
+          <a:p>
+            <a:r>
+              <a:rPr lang="nl-NL" dirty="0"/>
+              <a:t>Floyd-</a:t>
+            </a:r>
+            <a:r>
+              <a:rPr lang="nl-NL" dirty="0" err="1"/>
+              <a:t>Warshall</a:t>
+            </a:r>
+            <a:r>
+              <a:rPr lang="nl-NL" dirty="0"/>
+              <a:t> </a:t>
+            </a:r>
+            <a:r>
+              <a:rPr lang="nl-NL" dirty="0" err="1"/>
+              <a:t>algorithm</a:t>
+            </a:r>
+            <a:endParaRPr lang="nl-NL" dirty="0"/>
+          </a:p>
+        </p:txBody>
+      </p:sp>
+      <p:sp>
+        <p:nvSpPr>
+          <p:cNvPr id="3" name="Tijdelijke aanduiding voor inhoud 2"/>
+          <p:cNvSpPr>
+            <a:spLocks noGrp="1"/>
+          </p:cNvSpPr>
+          <p:nvPr>
+            <p:ph idx="1"/>
+          </p:nvPr>
+        </p:nvSpPr>
+        <p:spPr/>
+        <p:txBody>
+          <a:bodyPr/>
+          <a:lstStyle/>
+          <a:p>
+            <a:r>
+              <a:rPr lang="nl-NL" dirty="0" err="1"/>
+              <a:t>Example</a:t>
+            </a:r>
+            <a:r>
+              <a:rPr lang="nl-NL" dirty="0"/>
+              <a:t> </a:t>
+            </a:r>
+          </a:p>
+        </p:txBody>
+      </p:sp>
+      <p:sp>
+        <p:nvSpPr>
+          <p:cNvPr id="4" name="Tijdelijke aanduiding voor voettekst 3"/>
+          <p:cNvSpPr>
+            <a:spLocks noGrp="1"/>
+          </p:cNvSpPr>
+          <p:nvPr>
+            <p:ph type="ftr" sz="quarter" idx="11"/>
+          </p:nvPr>
+        </p:nvSpPr>
+        <p:spPr/>
+        <p:txBody>
+          <a:bodyPr/>
+          <a:lstStyle/>
+          <a:p>
+            <a:r>
+              <a:rPr lang="it-IT"/>
+              <a:t>INFDEV036A - G. Costantini, F. Di Giacomo</a:t>
+            </a:r>
+            <a:endParaRPr lang="en-GB"/>
+          </a:p>
+        </p:txBody>
+      </p:sp>
+      <p:pic>
+        <p:nvPicPr>
+          <p:cNvPr id="2050" name="Picture 2" descr="Floyd-Warshall example.svg"/>
+          <p:cNvPicPr>
+            <a:picLocks noChangeAspect="1" noChangeArrowheads="1"/>
+          </p:cNvPicPr>
+          <p:nvPr/>
+        </p:nvPicPr>
+        <p:blipFill rotWithShape="1">
+          <a:blip r:embed="rId3">
+            <a:extLst>
+              <a:ext uri="{28A0092B-C50C-407E-A947-70E740481C1C}">
+                <a14:useLocalDpi xmlns:a14="http://schemas.microsoft.com/office/drawing/2010/main" val="0"/>
+              </a:ext>
+            </a:extLst>
+          </a:blip>
+          <a:srcRect r="63903"/>
+          <a:stretch/>
+        </p:blipFill>
+        <p:spPr bwMode="auto">
+          <a:xfrm>
+            <a:off x="354155" y="2525714"/>
+            <a:ext cx="3466731" cy="3880773"/>
+          </a:xfrm>
+          <a:prstGeom prst="rect">
+            <a:avLst/>
+          </a:prstGeom>
+          <a:noFill/>
+          <a:extLst>
+            <a:ext uri="{909E8E84-426E-40DD-AFC4-6F175D3DCCD1}">
+              <a14:hiddenFill xmlns:a14="http://schemas.microsoft.com/office/drawing/2010/main">
+                <a:solidFill>
+                  <a:srgbClr val="FFFFFF"/>
+                </a:solidFill>
+              </a14:hiddenFill>
+            </a:ext>
+          </a:extLst>
+        </p:spPr>
+      </p:pic>
+    </p:spTree>
+    <p:extLst>
+      <p:ext uri="{BB962C8B-B14F-4D97-AF65-F5344CB8AC3E}">
+        <p14:creationId xmlns:p14="http://schemas.microsoft.com/office/powerpoint/2010/main" val="2023180510"/>
+      </p:ext>
+    </p:extLst>
+  </p:cSld>
+  <p:clrMapOvr>
+    <a:masterClrMapping/>
+  </p:clrMapOvr>
+</p:sld>
+</file>
+
+<file path=ppt/slides/slide17.xml><?xml version="1.0" encoding="utf-8"?>
+<p:sld xmlns:a="http://schemas.openxmlformats.org/drawingml/2006/main" xmlns:r="http://schemas.openxmlformats.org/officeDocument/2006/relationships" xmlns:p="http://schemas.openxmlformats.org/presentationml/2006/main">
+  <p:cSld>
+    <p:spTree>
+      <p:nvGrpSpPr>
+        <p:cNvPr id="1" name=""/>
+        <p:cNvGrpSpPr/>
+        <p:nvPr/>
+      </p:nvGrpSpPr>
+      <p:grpSpPr>
+        <a:xfrm>
+          <a:off x="0" y="0"/>
+          <a:ext cx="0" cy="0"/>
+          <a:chOff x="0" y="0"/>
+          <a:chExt cx="0" cy="0"/>
+        </a:xfrm>
+      </p:grpSpPr>
+      <p:sp>
+        <p:nvSpPr>
+          <p:cNvPr id="2" name="Titel 1"/>
+          <p:cNvSpPr>
+            <a:spLocks noGrp="1"/>
+          </p:cNvSpPr>
+          <p:nvPr>
+            <p:ph type="title"/>
+          </p:nvPr>
+        </p:nvSpPr>
+        <p:spPr/>
+        <p:txBody>
+          <a:bodyPr/>
+          <a:lstStyle/>
+          <a:p>
+            <a:r>
+              <a:rPr lang="nl-NL" dirty="0"/>
+              <a:t>Floyd-</a:t>
+            </a:r>
+            <a:r>
+              <a:rPr lang="nl-NL" dirty="0" err="1"/>
+              <a:t>Warshall</a:t>
+            </a:r>
+            <a:r>
+              <a:rPr lang="nl-NL" dirty="0"/>
+              <a:t> </a:t>
+            </a:r>
+            <a:r>
+              <a:rPr lang="nl-NL" dirty="0" err="1"/>
+              <a:t>algorithm</a:t>
+            </a:r>
+            <a:endParaRPr lang="nl-NL" dirty="0"/>
+          </a:p>
+        </p:txBody>
+      </p:sp>
+      <p:sp>
+        <p:nvSpPr>
+          <p:cNvPr id="3" name="Tijdelijke aanduiding voor inhoud 2"/>
+          <p:cNvSpPr>
+            <a:spLocks noGrp="1"/>
+          </p:cNvSpPr>
+          <p:nvPr>
+            <p:ph idx="1"/>
+          </p:nvPr>
+        </p:nvSpPr>
+        <p:spPr/>
+        <p:txBody>
+          <a:bodyPr/>
+          <a:lstStyle/>
+          <a:p>
+            <a:r>
+              <a:rPr lang="nl-NL" dirty="0" err="1"/>
+              <a:t>Example</a:t>
+            </a:r>
+            <a:r>
+              <a:rPr lang="nl-NL" dirty="0"/>
+              <a:t> </a:t>
+            </a:r>
+          </a:p>
+        </p:txBody>
+      </p:sp>
+      <p:sp>
+        <p:nvSpPr>
+          <p:cNvPr id="4" name="Tijdelijke aanduiding voor voettekst 3"/>
+          <p:cNvSpPr>
+            <a:spLocks noGrp="1"/>
+          </p:cNvSpPr>
+          <p:nvPr>
+            <p:ph type="ftr" sz="quarter" idx="11"/>
+          </p:nvPr>
+        </p:nvSpPr>
+        <p:spPr/>
+        <p:txBody>
+          <a:bodyPr/>
+          <a:lstStyle/>
+          <a:p>
+            <a:r>
+              <a:rPr lang="it-IT"/>
+              <a:t>INFDEV036A - G. Costantini, F. Di Giacomo</a:t>
+            </a:r>
+            <a:endParaRPr lang="en-GB"/>
+          </a:p>
+        </p:txBody>
+      </p:sp>
+      <p:pic>
+        <p:nvPicPr>
+          <p:cNvPr id="2050" name="Picture 2" descr="Floyd-Warshall example.svg"/>
+          <p:cNvPicPr>
+            <a:picLocks noChangeAspect="1" noChangeArrowheads="1"/>
+          </p:cNvPicPr>
+          <p:nvPr/>
+        </p:nvPicPr>
+        <p:blipFill rotWithShape="1">
+          <a:blip r:embed="rId3">
+            <a:extLst>
+              <a:ext uri="{28A0092B-C50C-407E-A947-70E740481C1C}">
+                <a14:useLocalDpi xmlns:a14="http://schemas.microsoft.com/office/drawing/2010/main" val="0"/>
+              </a:ext>
+            </a:extLst>
+          </a:blip>
+          <a:srcRect r="31713"/>
+          <a:stretch/>
+        </p:blipFill>
+        <p:spPr bwMode="auto">
+          <a:xfrm>
+            <a:off x="354156" y="2525714"/>
+            <a:ext cx="6558274" cy="3880773"/>
+          </a:xfrm>
+          <a:prstGeom prst="rect">
+            <a:avLst/>
+          </a:prstGeom>
+          <a:noFill/>
+          <a:extLst>
+            <a:ext uri="{909E8E84-426E-40DD-AFC4-6F175D3DCCD1}">
+              <a14:hiddenFill xmlns:a14="http://schemas.microsoft.com/office/drawing/2010/main">
+                <a:solidFill>
+                  <a:srgbClr val="FFFFFF"/>
+                </a:solidFill>
+              </a14:hiddenFill>
+            </a:ext>
+          </a:extLst>
+        </p:spPr>
+      </p:pic>
+      <p:sp>
+        <p:nvSpPr>
+          <p:cNvPr id="5" name="Rechthoek 4"/>
+          <p:cNvSpPr/>
+          <p:nvPr/>
+        </p:nvSpPr>
+        <p:spPr>
+          <a:xfrm>
+            <a:off x="3788229" y="3461657"/>
+            <a:ext cx="3186717" cy="2944830"/>
+          </a:xfrm>
+          <a:prstGeom prst="rect">
+            <a:avLst/>
+          </a:prstGeom>
+          <a:ln>
+            <a:solidFill>
+              <a:schemeClr val="bg1"/>
+            </a:solidFill>
+          </a:ln>
+        </p:spPr>
+        <p:style>
+          <a:lnRef idx="2">
+            <a:schemeClr val="accent6"/>
+          </a:lnRef>
+          <a:fillRef idx="1">
+            <a:schemeClr val="lt1"/>
+          </a:fillRef>
+          <a:effectRef idx="0">
+            <a:schemeClr val="accent6"/>
+          </a:effectRef>
+          <a:fontRef idx="minor">
+            <a:schemeClr val="dk1"/>
+          </a:fontRef>
+        </p:style>
+        <p:txBody>
+          <a:bodyPr rtlCol="0" anchor="ctr"/>
+          <a:lstStyle/>
+          <a:p>
+            <a:pPr algn="ctr"/>
+            <a:endParaRPr lang="nl-NL"/>
+          </a:p>
+        </p:txBody>
+      </p:sp>
+    </p:spTree>
+    <p:extLst>
+      <p:ext uri="{BB962C8B-B14F-4D97-AF65-F5344CB8AC3E}">
+        <p14:creationId xmlns:p14="http://schemas.microsoft.com/office/powerpoint/2010/main" val="641237942"/>
+      </p:ext>
+    </p:extLst>
+  </p:cSld>
+  <p:clrMapOvr>
+    <a:masterClrMapping/>
+  </p:clrMapOvr>
+</p:sld>
+</file>
+
+<file path=ppt/slides/slide18.xml><?xml version="1.0" encoding="utf-8"?>
+<p:sld xmlns:a="http://schemas.openxmlformats.org/drawingml/2006/main" xmlns:r="http://schemas.openxmlformats.org/officeDocument/2006/relationships" xmlns:p="http://schemas.openxmlformats.org/presentationml/2006/main">
+  <p:cSld>
+    <p:spTree>
+      <p:nvGrpSpPr>
+        <p:cNvPr id="1" name=""/>
+        <p:cNvGrpSpPr/>
+        <p:nvPr/>
+      </p:nvGrpSpPr>
+      <p:grpSpPr>
+        <a:xfrm>
+          <a:off x="0" y="0"/>
+          <a:ext cx="0" cy="0"/>
+          <a:chOff x="0" y="0"/>
+          <a:chExt cx="0" cy="0"/>
+        </a:xfrm>
+      </p:grpSpPr>
+      <p:sp>
+        <p:nvSpPr>
+          <p:cNvPr id="2" name="Titel 1"/>
+          <p:cNvSpPr>
+            <a:spLocks noGrp="1"/>
+          </p:cNvSpPr>
+          <p:nvPr>
+            <p:ph type="title"/>
+          </p:nvPr>
+        </p:nvSpPr>
+        <p:spPr/>
+        <p:txBody>
+          <a:bodyPr/>
+          <a:lstStyle/>
+          <a:p>
+            <a:r>
+              <a:rPr lang="nl-NL" dirty="0"/>
+              <a:t>Floyd-</a:t>
+            </a:r>
+            <a:r>
+              <a:rPr lang="nl-NL" dirty="0" err="1"/>
+              <a:t>Warshall</a:t>
+            </a:r>
+            <a:r>
+              <a:rPr lang="nl-NL" dirty="0"/>
+              <a:t> </a:t>
+            </a:r>
+            <a:r>
+              <a:rPr lang="nl-NL" dirty="0" err="1"/>
+              <a:t>algorithm</a:t>
+            </a:r>
+            <a:endParaRPr lang="nl-NL" dirty="0"/>
+          </a:p>
+        </p:txBody>
+      </p:sp>
+      <p:sp>
+        <p:nvSpPr>
+          <p:cNvPr id="3" name="Tijdelijke aanduiding voor inhoud 2"/>
+          <p:cNvSpPr>
+            <a:spLocks noGrp="1"/>
+          </p:cNvSpPr>
+          <p:nvPr>
+            <p:ph idx="1"/>
+          </p:nvPr>
+        </p:nvSpPr>
+        <p:spPr/>
+        <p:txBody>
+          <a:bodyPr/>
+          <a:lstStyle/>
+          <a:p>
+            <a:r>
+              <a:rPr lang="nl-NL" dirty="0" err="1"/>
+              <a:t>Example</a:t>
+            </a:r>
+            <a:r>
+              <a:rPr lang="nl-NL" dirty="0"/>
+              <a:t> </a:t>
+            </a:r>
+          </a:p>
+        </p:txBody>
+      </p:sp>
+      <p:sp>
+        <p:nvSpPr>
+          <p:cNvPr id="4" name="Tijdelijke aanduiding voor voettekst 3"/>
+          <p:cNvSpPr>
+            <a:spLocks noGrp="1"/>
+          </p:cNvSpPr>
+          <p:nvPr>
+            <p:ph type="ftr" sz="quarter" idx="11"/>
+          </p:nvPr>
+        </p:nvSpPr>
+        <p:spPr/>
+        <p:txBody>
+          <a:bodyPr/>
+          <a:lstStyle/>
+          <a:p>
+            <a:r>
+              <a:rPr lang="it-IT"/>
+              <a:t>INFDEV036A - G. Costantini, F. Di Giacomo</a:t>
+            </a:r>
+            <a:endParaRPr lang="en-GB"/>
+          </a:p>
+        </p:txBody>
+      </p:sp>
+      <p:pic>
+        <p:nvPicPr>
+          <p:cNvPr id="2050" name="Picture 2" descr="Floyd-Warshall example.svg"/>
+          <p:cNvPicPr>
+            <a:picLocks noChangeAspect="1" noChangeArrowheads="1"/>
+          </p:cNvPicPr>
+          <p:nvPr/>
+        </p:nvPicPr>
+        <p:blipFill rotWithShape="1">
+          <a:blip r:embed="rId3">
+            <a:extLst>
+              <a:ext uri="{28A0092B-C50C-407E-A947-70E740481C1C}">
+                <a14:useLocalDpi xmlns:a14="http://schemas.microsoft.com/office/drawing/2010/main" val="0"/>
+              </a:ext>
+            </a:extLst>
+          </a:blip>
+          <a:srcRect r="31600"/>
+          <a:stretch/>
+        </p:blipFill>
+        <p:spPr bwMode="auto">
+          <a:xfrm>
+            <a:off x="354155" y="2525714"/>
+            <a:ext cx="6569159" cy="3880773"/>
+          </a:xfrm>
+          <a:prstGeom prst="rect">
+            <a:avLst/>
+          </a:prstGeom>
+          <a:noFill/>
+          <a:extLst>
+            <a:ext uri="{909E8E84-426E-40DD-AFC4-6F175D3DCCD1}">
+              <a14:hiddenFill xmlns:a14="http://schemas.microsoft.com/office/drawing/2010/main">
+                <a:solidFill>
+                  <a:srgbClr val="FFFFFF"/>
+                </a:solidFill>
+              </a14:hiddenFill>
+            </a:ext>
+          </a:extLst>
+        </p:spPr>
+      </p:pic>
+      <p:sp>
+        <p:nvSpPr>
+          <p:cNvPr id="5" name="Rechthoek 4"/>
+          <p:cNvSpPr/>
+          <p:nvPr/>
+        </p:nvSpPr>
+        <p:spPr>
+          <a:xfrm>
+            <a:off x="2220686" y="3929743"/>
+            <a:ext cx="1360714" cy="533400"/>
+          </a:xfrm>
+          <a:prstGeom prst="rect">
+            <a:avLst/>
+          </a:prstGeom>
+          <a:ln>
+            <a:solidFill>
+              <a:schemeClr val="bg1"/>
+            </a:solidFill>
+          </a:ln>
+        </p:spPr>
+        <p:style>
+          <a:lnRef idx="2">
+            <a:schemeClr val="accent6"/>
+          </a:lnRef>
+          <a:fillRef idx="1">
+            <a:schemeClr val="lt1"/>
+          </a:fillRef>
+          <a:effectRef idx="0">
+            <a:schemeClr val="accent6"/>
+          </a:effectRef>
+          <a:fontRef idx="minor">
+            <a:schemeClr val="dk1"/>
+          </a:fontRef>
+        </p:style>
+        <p:txBody>
+          <a:bodyPr rtlCol="0" anchor="ctr"/>
+          <a:lstStyle/>
+          <a:p>
+            <a:pPr algn="ctr"/>
+            <a:endParaRPr lang="nl-NL"/>
+          </a:p>
+        </p:txBody>
+      </p:sp>
+      <p:sp>
+        <p:nvSpPr>
+          <p:cNvPr id="6" name="Rechthoek 5"/>
+          <p:cNvSpPr/>
+          <p:nvPr/>
+        </p:nvSpPr>
+        <p:spPr>
+          <a:xfrm>
+            <a:off x="3831771" y="4942114"/>
+            <a:ext cx="2939143" cy="1464373"/>
+          </a:xfrm>
+          <a:prstGeom prst="rect">
+            <a:avLst/>
+          </a:prstGeom>
+          <a:ln>
+            <a:solidFill>
+              <a:schemeClr val="bg1"/>
+            </a:solidFill>
+          </a:ln>
+        </p:spPr>
+        <p:style>
+          <a:lnRef idx="2">
+            <a:schemeClr val="accent6"/>
+          </a:lnRef>
+          <a:fillRef idx="1">
+            <a:schemeClr val="lt1"/>
+          </a:fillRef>
+          <a:effectRef idx="0">
+            <a:schemeClr val="accent6"/>
+          </a:effectRef>
+          <a:fontRef idx="minor">
+            <a:schemeClr val="dk1"/>
+          </a:fontRef>
+        </p:style>
+        <p:txBody>
+          <a:bodyPr rtlCol="0" anchor="ctr"/>
+          <a:lstStyle/>
+          <a:p>
+            <a:pPr algn="ctr"/>
+            <a:endParaRPr lang="nl-NL"/>
+          </a:p>
+        </p:txBody>
+      </p:sp>
+    </p:spTree>
+    <p:extLst>
+      <p:ext uri="{BB962C8B-B14F-4D97-AF65-F5344CB8AC3E}">
+        <p14:creationId xmlns:p14="http://schemas.microsoft.com/office/powerpoint/2010/main" val="1746263092"/>
+      </p:ext>
+    </p:extLst>
+  </p:cSld>
+  <p:clrMapOvr>
+    <a:masterClrMapping/>
+  </p:clrMapOvr>
+</p:sld>
+</file>
+
+<file path=ppt/slides/slide19.xml><?xml version="1.0" encoding="utf-8"?>
+<p:sld xmlns:a="http://schemas.openxmlformats.org/drawingml/2006/main" xmlns:r="http://schemas.openxmlformats.org/officeDocument/2006/relationships" xmlns:p="http://schemas.openxmlformats.org/presentationml/2006/main">
+  <p:cSld>
+    <p:spTree>
+      <p:nvGrpSpPr>
+        <p:cNvPr id="1" name=""/>
+        <p:cNvGrpSpPr/>
+        <p:nvPr/>
+      </p:nvGrpSpPr>
+      <p:grpSpPr>
+        <a:xfrm>
+          <a:off x="0" y="0"/>
+          <a:ext cx="0" cy="0"/>
+          <a:chOff x="0" y="0"/>
+          <a:chExt cx="0" cy="0"/>
+        </a:xfrm>
+      </p:grpSpPr>
+      <p:sp>
+        <p:nvSpPr>
+          <p:cNvPr id="2" name="Titel 1"/>
+          <p:cNvSpPr>
+            <a:spLocks noGrp="1"/>
+          </p:cNvSpPr>
+          <p:nvPr>
+            <p:ph type="title"/>
+          </p:nvPr>
+        </p:nvSpPr>
+        <p:spPr/>
+        <p:txBody>
+          <a:bodyPr/>
+          <a:lstStyle/>
+          <a:p>
+            <a:r>
+              <a:rPr lang="nl-NL" dirty="0"/>
+              <a:t>Floyd-</a:t>
+            </a:r>
+            <a:r>
+              <a:rPr lang="nl-NL" dirty="0" err="1"/>
+              <a:t>Warshall</a:t>
+            </a:r>
+            <a:r>
+              <a:rPr lang="nl-NL" dirty="0"/>
+              <a:t> </a:t>
+            </a:r>
+            <a:r>
+              <a:rPr lang="nl-NL" dirty="0" err="1"/>
+              <a:t>algorithm</a:t>
+            </a:r>
+            <a:endParaRPr lang="nl-NL" dirty="0"/>
+          </a:p>
+        </p:txBody>
+      </p:sp>
+      <p:sp>
+        <p:nvSpPr>
+          <p:cNvPr id="3" name="Tijdelijke aanduiding voor inhoud 2"/>
+          <p:cNvSpPr>
+            <a:spLocks noGrp="1"/>
+          </p:cNvSpPr>
+          <p:nvPr>
+            <p:ph idx="1"/>
+          </p:nvPr>
+        </p:nvSpPr>
+        <p:spPr/>
+        <p:txBody>
+          <a:bodyPr/>
+          <a:lstStyle/>
+          <a:p>
+            <a:r>
+              <a:rPr lang="nl-NL" dirty="0" err="1"/>
+              <a:t>Example</a:t>
+            </a:r>
+            <a:r>
+              <a:rPr lang="nl-NL" dirty="0"/>
+              <a:t> </a:t>
+            </a:r>
+          </a:p>
+        </p:txBody>
+      </p:sp>
+      <p:sp>
+        <p:nvSpPr>
+          <p:cNvPr id="4" name="Tijdelijke aanduiding voor voettekst 3"/>
+          <p:cNvSpPr>
+            <a:spLocks noGrp="1"/>
+          </p:cNvSpPr>
+          <p:nvPr>
+            <p:ph type="ftr" sz="quarter" idx="11"/>
+          </p:nvPr>
+        </p:nvSpPr>
+        <p:spPr/>
+        <p:txBody>
+          <a:bodyPr/>
+          <a:lstStyle/>
+          <a:p>
+            <a:r>
+              <a:rPr lang="it-IT"/>
+              <a:t>INFDEV036A - G. Costantini, F. Di Giacomo</a:t>
+            </a:r>
+            <a:endParaRPr lang="en-GB"/>
+          </a:p>
+        </p:txBody>
+      </p:sp>
+      <p:pic>
+        <p:nvPicPr>
+          <p:cNvPr id="2050" name="Picture 2" descr="Floyd-Warshall example.svg"/>
+          <p:cNvPicPr>
+            <a:picLocks noChangeAspect="1" noChangeArrowheads="1"/>
+          </p:cNvPicPr>
+          <p:nvPr/>
+        </p:nvPicPr>
+        <p:blipFill rotWithShape="1">
+          <a:blip r:embed="rId3">
+            <a:extLst>
+              <a:ext uri="{28A0092B-C50C-407E-A947-70E740481C1C}">
+                <a14:useLocalDpi xmlns:a14="http://schemas.microsoft.com/office/drawing/2010/main" val="0"/>
+              </a:ext>
+            </a:extLst>
+          </a:blip>
+          <a:srcRect r="32280"/>
+          <a:stretch/>
+        </p:blipFill>
+        <p:spPr bwMode="auto">
+          <a:xfrm>
+            <a:off x="354155" y="2525714"/>
+            <a:ext cx="6503845" cy="3880773"/>
+          </a:xfrm>
+          <a:prstGeom prst="rect">
+            <a:avLst/>
+          </a:prstGeom>
+          <a:noFill/>
+          <a:extLst>
+            <a:ext uri="{909E8E84-426E-40DD-AFC4-6F175D3DCCD1}">
+              <a14:hiddenFill xmlns:a14="http://schemas.microsoft.com/office/drawing/2010/main">
+                <a:solidFill>
+                  <a:srgbClr val="FFFFFF"/>
+                </a:solidFill>
+              </a14:hiddenFill>
+            </a:ext>
+          </a:extLst>
+        </p:spPr>
+      </p:pic>
+      <p:sp>
+        <p:nvSpPr>
+          <p:cNvPr id="6" name="Rechthoek 5"/>
+          <p:cNvSpPr/>
+          <p:nvPr/>
+        </p:nvSpPr>
+        <p:spPr>
+          <a:xfrm>
+            <a:off x="2220686" y="3929743"/>
+            <a:ext cx="1360714" cy="533400"/>
+          </a:xfrm>
+          <a:prstGeom prst="rect">
+            <a:avLst/>
+          </a:prstGeom>
+          <a:ln>
+            <a:solidFill>
+              <a:schemeClr val="bg1"/>
+            </a:solidFill>
+          </a:ln>
+        </p:spPr>
+        <p:style>
+          <a:lnRef idx="2">
+            <a:schemeClr val="accent6"/>
+          </a:lnRef>
+          <a:fillRef idx="1">
+            <a:schemeClr val="lt1"/>
+          </a:fillRef>
+          <a:effectRef idx="0">
+            <a:schemeClr val="accent6"/>
+          </a:effectRef>
+          <a:fontRef idx="minor">
+            <a:schemeClr val="dk1"/>
+          </a:fontRef>
+        </p:style>
+        <p:txBody>
+          <a:bodyPr rtlCol="0" anchor="ctr"/>
+          <a:lstStyle/>
+          <a:p>
+            <a:pPr algn="ctr"/>
+            <a:endParaRPr lang="nl-NL"/>
+          </a:p>
+        </p:txBody>
+      </p:sp>
+    </p:spTree>
+    <p:extLst>
+      <p:ext uri="{BB962C8B-B14F-4D97-AF65-F5344CB8AC3E}">
+        <p14:creationId xmlns:p14="http://schemas.microsoft.com/office/powerpoint/2010/main" val="3512377196"/>
+      </p:ext>
+    </p:extLst>
+  </p:cSld>
+  <p:clrMapOvr>
+    <a:masterClrMapping/>
+  </p:clrMapOvr>
+</p:sld>
+</file>
+
+<file path=ppt/slides/slide2.xml><?xml version="1.0" encoding="utf-8"?>
+<p:sld xmlns:a="http://schemas.openxmlformats.org/drawingml/2006/main" xmlns:r="http://schemas.openxmlformats.org/officeDocument/2006/relationships" xmlns:p="http://schemas.openxmlformats.org/presentationml/2006/main">
+  <p:cSld>
+    <p:spTree>
+      <p:nvGrpSpPr>
+        <p:cNvPr id="1" name=""/>
+        <p:cNvGrpSpPr/>
+        <p:nvPr/>
+      </p:nvGrpSpPr>
+      <p:grpSpPr>
+        <a:xfrm>
+          <a:off x="0" y="0"/>
+          <a:ext cx="0" cy="0"/>
+          <a:chOff x="0" y="0"/>
+          <a:chExt cx="0" cy="0"/>
+        </a:xfrm>
+      </p:grpSpPr>
+      <p:sp>
+        <p:nvSpPr>
+          <p:cNvPr id="2" name="Title 1"/>
+          <p:cNvSpPr>
+            <a:spLocks noGrp="1"/>
+          </p:cNvSpPr>
+          <p:nvPr>
+            <p:ph type="title"/>
+          </p:nvPr>
+        </p:nvSpPr>
+        <p:spPr/>
+        <p:txBody>
+          <a:bodyPr/>
+          <a:lstStyle/>
+          <a:p>
+            <a:r>
+              <a:rPr lang="en-GB" dirty="0"/>
+              <a:t>Today</a:t>
+            </a:r>
+          </a:p>
+        </p:txBody>
+      </p:sp>
+      <p:sp>
+        <p:nvSpPr>
+          <p:cNvPr id="3" name="Content Placeholder 2"/>
+          <p:cNvSpPr>
+            <a:spLocks noGrp="1"/>
+          </p:cNvSpPr>
+          <p:nvPr>
+            <p:ph idx="1"/>
+          </p:nvPr>
+        </p:nvSpPr>
+        <p:spPr/>
+        <p:txBody>
+          <a:bodyPr/>
+          <a:lstStyle/>
+          <a:p>
+            <a:r>
+              <a:rPr lang="en-GB" strike="sngStrike" dirty="0">
+                <a:solidFill>
+                  <a:schemeClr val="tx1"/>
+                </a:solidFill>
+              </a:rPr>
+              <a:t>Why is my code slow? </a:t>
+            </a:r>
+          </a:p>
+          <a:p>
+            <a:pPr lvl="1"/>
+            <a:r>
+              <a:rPr lang="en-GB" b="1" strike="sngStrike" dirty="0"/>
+              <a:t>Empirical and complexity analysis</a:t>
+            </a:r>
+          </a:p>
+          <a:p>
+            <a:r>
+              <a:rPr lang="en-GB" strike="sngStrike" dirty="0">
+                <a:solidFill>
+                  <a:schemeClr val="tx1"/>
+                </a:solidFill>
+              </a:rPr>
+              <a:t>How do I order my data?</a:t>
+            </a:r>
+          </a:p>
+          <a:p>
+            <a:pPr lvl="1"/>
+            <a:r>
+              <a:rPr lang="en-GB" b="1" strike="sngStrike" dirty="0"/>
+              <a:t>Sorting algorithms</a:t>
+            </a:r>
+          </a:p>
+          <a:p>
+            <a:r>
+              <a:rPr lang="en-GB" strike="sngStrike" dirty="0"/>
+              <a:t>How do I structure my data?</a:t>
+            </a:r>
+          </a:p>
+          <a:p>
+            <a:pPr lvl="1"/>
+            <a:r>
+              <a:rPr lang="en-GB" b="1" strike="sngStrike" dirty="0"/>
+              <a:t>Linear, tabular, recursive data structures</a:t>
+            </a:r>
+          </a:p>
+          <a:p>
+            <a:r>
+              <a:rPr lang="en-GB" dirty="0">
+                <a:solidFill>
+                  <a:schemeClr val="accent1"/>
+                </a:solidFill>
+              </a:rPr>
+              <a:t>How do I represent relationship networks?</a:t>
+            </a:r>
+          </a:p>
+          <a:p>
+            <a:pPr lvl="1"/>
+            <a:r>
+              <a:rPr lang="en-GB" b="1" dirty="0">
+                <a:solidFill>
+                  <a:schemeClr val="accent1"/>
+                </a:solidFill>
+              </a:rPr>
+              <a:t>Graphs</a:t>
+            </a:r>
+          </a:p>
+          <a:p>
+            <a:endParaRPr lang="en-GB" b="1" dirty="0"/>
+          </a:p>
+          <a:p>
+            <a:endParaRPr lang="en-GB" dirty="0"/>
+          </a:p>
+        </p:txBody>
+      </p:sp>
+      <p:sp>
+        <p:nvSpPr>
+          <p:cNvPr id="4" name="Footer Placeholder 3"/>
+          <p:cNvSpPr>
+            <a:spLocks noGrp="1"/>
+          </p:cNvSpPr>
+          <p:nvPr>
+            <p:ph type="ftr" sz="quarter" idx="11"/>
+          </p:nvPr>
+        </p:nvSpPr>
+        <p:spPr/>
+        <p:txBody>
+          <a:bodyPr/>
+          <a:lstStyle/>
+          <a:p>
+            <a:r>
+              <a:rPr lang="it-IT" dirty="0"/>
+              <a:t>INFDEV036A - G. Costantini, F. Di Giacomo</a:t>
+            </a:r>
+            <a:endParaRPr lang="en-GB" dirty="0"/>
+          </a:p>
+        </p:txBody>
+      </p:sp>
+    </p:spTree>
+    <p:extLst>
+      <p:ext uri="{BB962C8B-B14F-4D97-AF65-F5344CB8AC3E}">
+        <p14:creationId xmlns:p14="http://schemas.microsoft.com/office/powerpoint/2010/main" val="3005854515"/>
+      </p:ext>
+    </p:extLst>
+  </p:cSld>
+  <p:clrMapOvr>
+    <a:masterClrMapping/>
+  </p:clrMapOvr>
+</p:sld>
+</file>
+
+<file path=ppt/slides/slide20.xml><?xml version="1.0" encoding="utf-8"?>
+<p:sld xmlns:a="http://schemas.openxmlformats.org/drawingml/2006/main" xmlns:r="http://schemas.openxmlformats.org/officeDocument/2006/relationships" xmlns:p="http://schemas.openxmlformats.org/presentationml/2006/main">
+  <p:cSld>
+    <p:spTree>
+      <p:nvGrpSpPr>
+        <p:cNvPr id="1" name=""/>
+        <p:cNvGrpSpPr/>
+        <p:nvPr/>
+      </p:nvGrpSpPr>
+      <p:grpSpPr>
+        <a:xfrm>
+          <a:off x="0" y="0"/>
+          <a:ext cx="0" cy="0"/>
+          <a:chOff x="0" y="0"/>
+          <a:chExt cx="0" cy="0"/>
+        </a:xfrm>
+      </p:grpSpPr>
+      <p:sp>
+        <p:nvSpPr>
+          <p:cNvPr id="2" name="Titel 1"/>
+          <p:cNvSpPr>
+            <a:spLocks noGrp="1"/>
+          </p:cNvSpPr>
+          <p:nvPr>
+            <p:ph type="title"/>
+          </p:nvPr>
+        </p:nvSpPr>
+        <p:spPr/>
+        <p:txBody>
+          <a:bodyPr/>
+          <a:lstStyle/>
+          <a:p>
+            <a:r>
+              <a:rPr lang="nl-NL" dirty="0"/>
+              <a:t>Floyd-</a:t>
+            </a:r>
+            <a:r>
+              <a:rPr lang="nl-NL" dirty="0" err="1"/>
+              <a:t>Warshall</a:t>
+            </a:r>
+            <a:r>
+              <a:rPr lang="nl-NL" dirty="0"/>
+              <a:t> </a:t>
+            </a:r>
+            <a:r>
+              <a:rPr lang="nl-NL" dirty="0" err="1"/>
+              <a:t>algorithm</a:t>
+            </a:r>
+            <a:endParaRPr lang="nl-NL" dirty="0"/>
+          </a:p>
+        </p:txBody>
+      </p:sp>
+      <p:sp>
+        <p:nvSpPr>
+          <p:cNvPr id="3" name="Tijdelijke aanduiding voor inhoud 2"/>
+          <p:cNvSpPr>
+            <a:spLocks noGrp="1"/>
+          </p:cNvSpPr>
+          <p:nvPr>
+            <p:ph idx="1"/>
+          </p:nvPr>
+        </p:nvSpPr>
+        <p:spPr/>
+        <p:txBody>
+          <a:bodyPr/>
+          <a:lstStyle/>
+          <a:p>
+            <a:r>
+              <a:rPr lang="nl-NL" dirty="0" err="1"/>
+              <a:t>Example</a:t>
+            </a:r>
+            <a:r>
+              <a:rPr lang="nl-NL" dirty="0"/>
+              <a:t> </a:t>
+            </a:r>
+          </a:p>
+        </p:txBody>
+      </p:sp>
+      <p:sp>
+        <p:nvSpPr>
+          <p:cNvPr id="4" name="Tijdelijke aanduiding voor voettekst 3"/>
+          <p:cNvSpPr>
+            <a:spLocks noGrp="1"/>
+          </p:cNvSpPr>
+          <p:nvPr>
+            <p:ph type="ftr" sz="quarter" idx="11"/>
+          </p:nvPr>
+        </p:nvSpPr>
+        <p:spPr/>
+        <p:txBody>
+          <a:bodyPr/>
+          <a:lstStyle/>
+          <a:p>
+            <a:r>
+              <a:rPr lang="it-IT"/>
+              <a:t>INFDEV036A - G. Costantini, F. Di Giacomo</a:t>
+            </a:r>
+            <a:endParaRPr lang="en-GB"/>
+          </a:p>
+        </p:txBody>
+      </p:sp>
+      <p:pic>
+        <p:nvPicPr>
+          <p:cNvPr id="2050" name="Picture 2" descr="Floyd-Warshall example.svg"/>
+          <p:cNvPicPr>
+            <a:picLocks noChangeAspect="1" noChangeArrowheads="1"/>
+          </p:cNvPicPr>
+          <p:nvPr/>
+        </p:nvPicPr>
+        <p:blipFill>
+          <a:blip r:embed="rId3">
+            <a:extLst>
+              <a:ext uri="{28A0092B-C50C-407E-A947-70E740481C1C}">
+                <a14:useLocalDpi xmlns:a14="http://schemas.microsoft.com/office/drawing/2010/main" val="0"/>
+              </a:ext>
+            </a:extLst>
+          </a:blip>
+          <a:srcRect/>
+          <a:stretch>
+            <a:fillRect/>
+          </a:stretch>
+        </p:blipFill>
+        <p:spPr bwMode="auto">
+          <a:xfrm>
+            <a:off x="354155" y="2525714"/>
+            <a:ext cx="9604005" cy="3880773"/>
+          </a:xfrm>
+          <a:prstGeom prst="rect">
+            <a:avLst/>
+          </a:prstGeom>
+          <a:noFill/>
+          <a:extLst>
+            <a:ext uri="{909E8E84-426E-40DD-AFC4-6F175D3DCCD1}">
+              <a14:hiddenFill xmlns:a14="http://schemas.microsoft.com/office/drawing/2010/main">
+                <a:solidFill>
+                  <a:srgbClr val="FFFFFF"/>
+                </a:solidFill>
+              </a14:hiddenFill>
+            </a:ext>
+          </a:extLst>
+        </p:spPr>
+      </p:pic>
+      <p:sp>
+        <p:nvSpPr>
+          <p:cNvPr id="6" name="Rechthoek 5"/>
+          <p:cNvSpPr/>
+          <p:nvPr/>
+        </p:nvSpPr>
+        <p:spPr>
+          <a:xfrm>
+            <a:off x="2220686" y="3929743"/>
+            <a:ext cx="1360714" cy="533400"/>
+          </a:xfrm>
+          <a:prstGeom prst="rect">
+            <a:avLst/>
+          </a:prstGeom>
+          <a:ln>
+            <a:solidFill>
+              <a:schemeClr val="bg1"/>
+            </a:solidFill>
+          </a:ln>
+        </p:spPr>
+        <p:style>
+          <a:lnRef idx="2">
+            <a:schemeClr val="accent6"/>
+          </a:lnRef>
+          <a:fillRef idx="1">
+            <a:schemeClr val="lt1"/>
+          </a:fillRef>
+          <a:effectRef idx="0">
+            <a:schemeClr val="accent6"/>
+          </a:effectRef>
+          <a:fontRef idx="minor">
+            <a:schemeClr val="dk1"/>
+          </a:fontRef>
+        </p:style>
+        <p:txBody>
+          <a:bodyPr rtlCol="0" anchor="ctr"/>
+          <a:lstStyle/>
+          <a:p>
+            <a:pPr algn="ctr"/>
+            <a:endParaRPr lang="nl-NL"/>
+          </a:p>
+        </p:txBody>
+      </p:sp>
+    </p:spTree>
+    <p:extLst>
+      <p:ext uri="{BB962C8B-B14F-4D97-AF65-F5344CB8AC3E}">
+        <p14:creationId xmlns:p14="http://schemas.microsoft.com/office/powerpoint/2010/main" val="124051083"/>
+      </p:ext>
+    </p:extLst>
+  </p:cSld>
+  <p:clrMapOvr>
+    <a:masterClrMapping/>
+  </p:clrMapOvr>
+</p:sld>
+</file>
+
+<file path=ppt/slides/slide21.xml><?xml version="1.0" encoding="utf-8"?>
 <p:sld xmlns:a="http://schemas.openxmlformats.org/drawingml/2006/main" xmlns:r="http://schemas.openxmlformats.org/officeDocument/2006/relationships" xmlns:p="http://schemas.openxmlformats.org/presentationml/2006/main">
   <p:cSld>
     <p:spTree>
@@ -9580,7 +10836,7 @@
 </p:sld>
 </file>
 
-<file path=ppt/slides/slide17.xml><?xml version="1.0" encoding="utf-8"?>
+<file path=ppt/slides/slide22.xml><?xml version="1.0" encoding="utf-8"?>
 <p:sld xmlns:a="http://schemas.openxmlformats.org/drawingml/2006/main" xmlns:r="http://schemas.openxmlformats.org/officeDocument/2006/relationships" xmlns:p="http://schemas.openxmlformats.org/presentationml/2006/main">
   <p:cSld>
     <p:spTree>
@@ -9810,12 +11066,8 @@
                   <a:buAutoNum type="arabicPeriod"/>
                 </a:pPr>
                 <a:r>
-                  <a:rPr lang="en-US"/>
-                  <a:t>a </a:t>
-                </a:r>
-                <a:r>
                   <a:rPr lang="en-US" dirty="0"/>
-                  <a:t>path that goes from </a:t>
+                  <a:t>a path that goes from </a:t>
                 </a:r>
                 <a14:m>
                   <m:oMath xmlns:m="http://schemas.openxmlformats.org/officeDocument/2006/math">
@@ -10101,7 +11353,7 @@
 </p:sld>
 </file>
 
-<file path=ppt/slides/slide18.xml><?xml version="1.0" encoding="utf-8"?>
+<file path=ppt/slides/slide23.xml><?xml version="1.0" encoding="utf-8"?>
 <p:sld xmlns:a="http://schemas.openxmlformats.org/drawingml/2006/main" xmlns:r="http://schemas.openxmlformats.org/officeDocument/2006/relationships" xmlns:p="http://schemas.openxmlformats.org/presentationml/2006/main">
   <p:cSld>
     <p:spTree>
@@ -10383,7 +11635,7 @@
 </p:sld>
 </file>
 
-<file path=ppt/slides/slide19.xml><?xml version="1.0" encoding="utf-8"?>
+<file path=ppt/slides/slide24.xml><?xml version="1.0" encoding="utf-8"?>
 <p:sld xmlns:a="http://schemas.openxmlformats.org/drawingml/2006/main" xmlns:r="http://schemas.openxmlformats.org/officeDocument/2006/relationships" xmlns:p="http://schemas.openxmlformats.org/presentationml/2006/main">
   <p:cSld>
     <p:spTree>
@@ -10948,172 +12200,7 @@
 </p:sld>
 </file>
 
-<file path=ppt/slides/slide2.xml><?xml version="1.0" encoding="utf-8"?>
-<p:sld xmlns:a="http://schemas.openxmlformats.org/drawingml/2006/main" xmlns:r="http://schemas.openxmlformats.org/officeDocument/2006/relationships" xmlns:p="http://schemas.openxmlformats.org/presentationml/2006/main">
-  <p:cSld>
-    <p:spTree>
-      <p:nvGrpSpPr>
-        <p:cNvPr id="1" name=""/>
-        <p:cNvGrpSpPr/>
-        <p:nvPr/>
-      </p:nvGrpSpPr>
-      <p:grpSpPr>
-        <a:xfrm>
-          <a:off x="0" y="0"/>
-          <a:ext cx="0" cy="0"/>
-          <a:chOff x="0" y="0"/>
-          <a:chExt cx="0" cy="0"/>
-        </a:xfrm>
-      </p:grpSpPr>
-      <p:sp>
-        <p:nvSpPr>
-          <p:cNvPr id="2" name="Title 1"/>
-          <p:cNvSpPr>
-            <a:spLocks noGrp="1"/>
-          </p:cNvSpPr>
-          <p:nvPr>
-            <p:ph type="title"/>
-          </p:nvPr>
-        </p:nvSpPr>
-        <p:spPr/>
-        <p:txBody>
-          <a:bodyPr/>
-          <a:lstStyle/>
-          <a:p>
-            <a:r>
-              <a:rPr lang="en-GB" dirty="0"/>
-              <a:t>Today</a:t>
-            </a:r>
-          </a:p>
-        </p:txBody>
-      </p:sp>
-      <p:sp>
-        <p:nvSpPr>
-          <p:cNvPr id="3" name="Content Placeholder 2"/>
-          <p:cNvSpPr>
-            <a:spLocks noGrp="1"/>
-          </p:cNvSpPr>
-          <p:nvPr>
-            <p:ph idx="1"/>
-          </p:nvPr>
-        </p:nvSpPr>
-        <p:spPr/>
-        <p:txBody>
-          <a:bodyPr/>
-          <a:lstStyle/>
-          <a:p>
-            <a:r>
-              <a:rPr lang="en-GB" strike="sngStrike" dirty="0">
-                <a:solidFill>
-                  <a:schemeClr val="tx1"/>
-                </a:solidFill>
-              </a:rPr>
-              <a:t>Why is my code slow? </a:t>
-            </a:r>
-          </a:p>
-          <a:p>
-            <a:pPr lvl="1"/>
-            <a:r>
-              <a:rPr lang="en-GB" b="1" strike="sngStrike" dirty="0"/>
-              <a:t>Empirical and complexity analysis</a:t>
-            </a:r>
-          </a:p>
-          <a:p>
-            <a:r>
-              <a:rPr lang="en-GB" strike="sngStrike" dirty="0">
-                <a:solidFill>
-                  <a:schemeClr val="tx1"/>
-                </a:solidFill>
-              </a:rPr>
-              <a:t>How do I order my data?</a:t>
-            </a:r>
-          </a:p>
-          <a:p>
-            <a:pPr lvl="1"/>
-            <a:r>
-              <a:rPr lang="en-GB" b="1" strike="sngStrike" dirty="0"/>
-              <a:t>Sorting algorithms</a:t>
-            </a:r>
-          </a:p>
-          <a:p>
-            <a:r>
-              <a:rPr lang="en-GB" strike="sngStrike" dirty="0"/>
-              <a:t>How do I structure my data?</a:t>
-            </a:r>
-          </a:p>
-          <a:p>
-            <a:pPr lvl="1"/>
-            <a:r>
-              <a:rPr lang="en-GB" b="1" strike="sngStrike" dirty="0"/>
-              <a:t>Linear, tabular, recursive data structures</a:t>
-            </a:r>
-          </a:p>
-          <a:p>
-            <a:r>
-              <a:rPr lang="en-GB" dirty="0">
-                <a:solidFill>
-                  <a:schemeClr val="accent1"/>
-                </a:solidFill>
-              </a:rPr>
-              <a:t>How do I represent relationship networks?</a:t>
-            </a:r>
-          </a:p>
-          <a:p>
-            <a:pPr lvl="1"/>
-            <a:r>
-              <a:rPr lang="en-GB" b="1" dirty="0">
-                <a:solidFill>
-                  <a:schemeClr val="accent1"/>
-                </a:solidFill>
-              </a:rPr>
-              <a:t>Graphs</a:t>
-            </a:r>
-          </a:p>
-          <a:p>
-            <a:endParaRPr lang="en-GB" b="1" dirty="0"/>
-          </a:p>
-          <a:p>
-            <a:endParaRPr lang="en-GB" dirty="0"/>
-          </a:p>
-        </p:txBody>
-      </p:sp>
-      <p:sp>
-        <p:nvSpPr>
-          <p:cNvPr id="4" name="Footer Placeholder 3"/>
-          <p:cNvSpPr>
-            <a:spLocks noGrp="1"/>
-          </p:cNvSpPr>
-          <p:nvPr>
-            <p:ph type="ftr" sz="quarter" idx="11"/>
-          </p:nvPr>
-        </p:nvSpPr>
-        <p:spPr/>
-        <p:txBody>
-          <a:bodyPr/>
-          <a:lstStyle/>
-          <a:p>
-            <a:r>
-              <a:rPr lang="it-IT" dirty="0"/>
-              <a:t>INFDEV036A - G. Costantini, F. Di Giacomo</a:t>
-            </a:r>
-            <a:endParaRPr lang="en-GB" dirty="0"/>
-          </a:p>
-        </p:txBody>
-      </p:sp>
-    </p:spTree>
-    <p:extLst>
-      <p:ext uri="{BB962C8B-B14F-4D97-AF65-F5344CB8AC3E}">
-        <p14:creationId xmlns:p14="http://schemas.microsoft.com/office/powerpoint/2010/main" val="3005854515"/>
-      </p:ext>
-    </p:extLst>
-  </p:cSld>
-  <p:clrMapOvr>
-    <a:masterClrMapping/>
-  </p:clrMapOvr>
-</p:sld>
-</file>
-
-<file path=ppt/slides/slide20.xml><?xml version="1.0" encoding="utf-8"?>
+<file path=ppt/slides/slide25.xml><?xml version="1.0" encoding="utf-8"?>
 <p:sld xmlns:a="http://schemas.openxmlformats.org/drawingml/2006/main" xmlns:r="http://schemas.openxmlformats.org/officeDocument/2006/relationships" xmlns:p="http://schemas.openxmlformats.org/presentationml/2006/main">
   <p:cSld>
     <p:spTree>
@@ -11555,10 +12642,169 @@
   <p:clrMapOvr>
     <a:masterClrMapping/>
   </p:clrMapOvr>
+  <p:timing>
+    <p:tnLst>
+      <p:par>
+        <p:cTn id="1" dur="indefinite" restart="never" nodeType="tmRoot">
+          <p:childTnLst>
+            <p:seq concurrent="1" nextAc="seek">
+              <p:cTn id="2" dur="indefinite" nodeType="mainSeq">
+                <p:childTnLst>
+                  <p:par>
+                    <p:cTn id="3" fill="hold">
+                      <p:stCondLst>
+                        <p:cond delay="indefinite"/>
+                      </p:stCondLst>
+                      <p:childTnLst>
+                        <p:par>
+                          <p:cTn id="4" fill="hold">
+                            <p:stCondLst>
+                              <p:cond delay="0"/>
+                            </p:stCondLst>
+                            <p:childTnLst>
+                              <p:par>
+                                <p:cTn id="5" presetID="1" presetClass="entr" presetSubtype="0" fill="hold" nodeType="clickEffect">
+                                  <p:stCondLst>
+                                    <p:cond delay="0"/>
+                                  </p:stCondLst>
+                                  <p:childTnLst>
+                                    <p:set>
+                                      <p:cBhvr>
+                                        <p:cTn id="6" dur="1" fill="hold">
+                                          <p:stCondLst>
+                                            <p:cond delay="0"/>
+                                          </p:stCondLst>
+                                        </p:cTn>
+                                        <p:tgtEl>
+                                          <p:spTgt spid="3">
+                                            <p:txEl>
+                                              <p:pRg st="1" end="1"/>
+                                            </p:txEl>
+                                          </p:spTgt>
+                                        </p:tgtEl>
+                                        <p:attrNameLst>
+                                          <p:attrName>style.visibility</p:attrName>
+                                        </p:attrNameLst>
+                                      </p:cBhvr>
+                                      <p:to>
+                                        <p:strVal val="visible"/>
+                                      </p:to>
+                                    </p:set>
+                                  </p:childTnLst>
+                                </p:cTn>
+                              </p:par>
+                            </p:childTnLst>
+                          </p:cTn>
+                        </p:par>
+                      </p:childTnLst>
+                    </p:cTn>
+                  </p:par>
+                  <p:par>
+                    <p:cTn id="7" fill="hold">
+                      <p:stCondLst>
+                        <p:cond delay="indefinite"/>
+                      </p:stCondLst>
+                      <p:childTnLst>
+                        <p:par>
+                          <p:cTn id="8" fill="hold">
+                            <p:stCondLst>
+                              <p:cond delay="0"/>
+                            </p:stCondLst>
+                            <p:childTnLst>
+                              <p:par>
+                                <p:cTn id="9" presetID="1" presetClass="entr" presetSubtype="0" fill="hold" nodeType="clickEffect">
+                                  <p:stCondLst>
+                                    <p:cond delay="0"/>
+                                  </p:stCondLst>
+                                  <p:childTnLst>
+                                    <p:set>
+                                      <p:cBhvr>
+                                        <p:cTn id="10" dur="1" fill="hold">
+                                          <p:stCondLst>
+                                            <p:cond delay="0"/>
+                                          </p:stCondLst>
+                                        </p:cTn>
+                                        <p:tgtEl>
+                                          <p:spTgt spid="3">
+                                            <p:txEl>
+                                              <p:pRg st="2" end="2"/>
+                                            </p:txEl>
+                                          </p:spTgt>
+                                        </p:tgtEl>
+                                        <p:attrNameLst>
+                                          <p:attrName>style.visibility</p:attrName>
+                                        </p:attrNameLst>
+                                      </p:cBhvr>
+                                      <p:to>
+                                        <p:strVal val="visible"/>
+                                      </p:to>
+                                    </p:set>
+                                  </p:childTnLst>
+                                </p:cTn>
+                              </p:par>
+                              <p:par>
+                                <p:cTn id="11" presetID="1" presetClass="entr" presetSubtype="0" fill="hold" nodeType="withEffect">
+                                  <p:stCondLst>
+                                    <p:cond delay="0"/>
+                                  </p:stCondLst>
+                                  <p:childTnLst>
+                                    <p:set>
+                                      <p:cBhvr>
+                                        <p:cTn id="12" dur="1" fill="hold">
+                                          <p:stCondLst>
+                                            <p:cond delay="0"/>
+                                          </p:stCondLst>
+                                        </p:cTn>
+                                        <p:tgtEl>
+                                          <p:spTgt spid="3">
+                                            <p:txEl>
+                                              <p:pRg st="3" end="3"/>
+                                            </p:txEl>
+                                          </p:spTgt>
+                                        </p:tgtEl>
+                                        <p:attrNameLst>
+                                          <p:attrName>style.visibility</p:attrName>
+                                        </p:attrNameLst>
+                                      </p:cBhvr>
+                                      <p:to>
+                                        <p:strVal val="visible"/>
+                                      </p:to>
+                                    </p:set>
+                                  </p:childTnLst>
+                                </p:cTn>
+                              </p:par>
+                            </p:childTnLst>
+                          </p:cTn>
+                        </p:par>
+                      </p:childTnLst>
+                    </p:cTn>
+                  </p:par>
+                </p:childTnLst>
+              </p:cTn>
+              <p:prevCondLst>
+                <p:cond evt="onPrev" delay="0">
+                  <p:tgtEl>
+                    <p:sldTgt/>
+                  </p:tgtEl>
+                </p:cond>
+              </p:prevCondLst>
+              <p:nextCondLst>
+                <p:cond evt="onNext" delay="0">
+                  <p:tgtEl>
+                    <p:sldTgt/>
+                  </p:tgtEl>
+                </p:cond>
+              </p:nextCondLst>
+            </p:seq>
+          </p:childTnLst>
+        </p:cTn>
+      </p:par>
+    </p:tnLst>
+  </p:timing>
 </p:sld>
 </file>
 
-<file path=ppt/slides/slide21.xml><?xml version="1.0" encoding="utf-8"?>
+<file path=ppt/slides/slide26.xml><?xml version="1.0" encoding="utf-8"?>
 <p:sld xmlns:a="http://schemas.openxmlformats.org/drawingml/2006/main" xmlns:r="http://schemas.openxmlformats.org/officeDocument/2006/relationships" xmlns:p="http://schemas.openxmlformats.org/presentationml/2006/main">
   <p:cSld>
     <p:spTree>
@@ -12589,7 +13835,7 @@
 </p:sld>
 </file>
 
-<file path=ppt/slides/slide22.xml><?xml version="1.0" encoding="utf-8"?>
+<file path=ppt/slides/slide27.xml><?xml version="1.0" encoding="utf-8"?>
 <p:sld xmlns:a="http://schemas.openxmlformats.org/drawingml/2006/main" xmlns:r="http://schemas.openxmlformats.org/officeDocument/2006/relationships" xmlns:p="http://schemas.openxmlformats.org/presentationml/2006/main">
   <p:cSld>
     <p:spTree>
@@ -13414,7 +14660,7 @@
 </p:sld>
 </file>
 
-<file path=ppt/slides/slide23.xml><?xml version="1.0" encoding="utf-8"?>
+<file path=ppt/slides/slide28.xml><?xml version="1.0" encoding="utf-8"?>
 <p:sld xmlns:a="http://schemas.openxmlformats.org/drawingml/2006/main" xmlns:r="http://schemas.openxmlformats.org/officeDocument/2006/relationships" xmlns:p="http://schemas.openxmlformats.org/presentationml/2006/main">
   <p:cSld>
     <p:spTree>
@@ -13466,8 +14712,8 @@
           </a:p>
         </p:txBody>
       </p:sp>
-      <mc:AlternateContent xmlns:mc="http://schemas.openxmlformats.org/markup-compatibility/2006" xmlns:a14="http://schemas.microsoft.com/office/drawing/2010/main">
-        <mc:Choice Requires="a14">
+      <mc:AlternateContent xmlns:mc="http://schemas.openxmlformats.org/markup-compatibility/2006">
+        <mc:Choice xmlns:a14="http://schemas.microsoft.com/office/drawing/2010/main" Requires="a14">
           <p:sp>
             <p:nvSpPr>
               <p:cNvPr id="3" name="Content Placeholder 2"/>
@@ -13534,7 +14780,7 @@
                 <a:pPr lvl="1"/>
                 <a:r>
                   <a:rPr lang="en-US" dirty="0"/>
-                  <a:t>Start by: filling the matrix with the </a:t>
+                  <a:t>Initialization: filling the matrix with the </a:t>
                 </a:r>
                 <a:r>
                   <a:rPr lang="en-US" i="1" dirty="0"/>
@@ -13591,7 +14837,7 @@
             </p:txBody>
           </p:sp>
         </mc:Choice>
-        <mc:Fallback xmlns="">
+        <mc:Fallback>
           <p:sp>
             <p:nvSpPr>
               <p:cNvPr id="3" name="Content Placeholder 2"/>
@@ -13607,7 +14853,7 @@
                 <a:off x="677334" y="2160589"/>
                 <a:ext cx="8265944" cy="3880773"/>
               </a:xfrm>
-              <a:blipFill rotWithShape="0">
+              <a:blipFill>
                 <a:blip r:embed="rId2"/>
                 <a:stretch>
                   <a:fillRect l="-147" t="-1570"/>
@@ -13662,10 +14908,414 @@
   <p:clrMapOvr>
     <a:masterClrMapping/>
   </p:clrMapOvr>
+  <p:timing>
+    <p:tnLst>
+      <p:par>
+        <p:cTn id="1" dur="indefinite" restart="never" nodeType="tmRoot">
+          <p:childTnLst>
+            <p:seq concurrent="1" nextAc="seek">
+              <p:cTn id="2" dur="indefinite" nodeType="mainSeq">
+                <p:childTnLst>
+                  <p:par>
+                    <p:cTn id="3" fill="hold">
+                      <p:stCondLst>
+                        <p:cond delay="indefinite"/>
+                      </p:stCondLst>
+                      <p:childTnLst>
+                        <p:par>
+                          <p:cTn id="4" fill="hold">
+                            <p:stCondLst>
+                              <p:cond delay="0"/>
+                            </p:stCondLst>
+                            <p:childTnLst>
+                              <p:par>
+                                <p:cTn id="5" presetID="1" presetClass="entr" presetSubtype="0" fill="hold" nodeType="clickEffect">
+                                  <p:stCondLst>
+                                    <p:cond delay="0"/>
+                                  </p:stCondLst>
+                                  <p:childTnLst>
+                                    <p:set>
+                                      <p:cBhvr>
+                                        <p:cTn id="6" dur="1" fill="hold">
+                                          <p:stCondLst>
+                                            <p:cond delay="0"/>
+                                          </p:stCondLst>
+                                        </p:cTn>
+                                        <p:tgtEl>
+                                          <p:spTgt spid="3">
+                                            <p:txEl>
+                                              <p:pRg st="1" end="1"/>
+                                            </p:txEl>
+                                          </p:spTgt>
+                                        </p:tgtEl>
+                                        <p:attrNameLst>
+                                          <p:attrName>style.visibility</p:attrName>
+                                        </p:attrNameLst>
+                                      </p:cBhvr>
+                                      <p:to>
+                                        <p:strVal val="visible"/>
+                                      </p:to>
+                                    </p:set>
+                                  </p:childTnLst>
+                                </p:cTn>
+                              </p:par>
+                              <p:par>
+                                <p:cTn id="7" presetID="1" presetClass="entr" presetSubtype="0" fill="hold" nodeType="withEffect">
+                                  <p:stCondLst>
+                                    <p:cond delay="0"/>
+                                  </p:stCondLst>
+                                  <p:childTnLst>
+                                    <p:set>
+                                      <p:cBhvr>
+                                        <p:cTn id="8" dur="1" fill="hold">
+                                          <p:stCondLst>
+                                            <p:cond delay="0"/>
+                                          </p:stCondLst>
+                                        </p:cTn>
+                                        <p:tgtEl>
+                                          <p:spTgt spid="3">
+                                            <p:txEl>
+                                              <p:pRg st="2" end="2"/>
+                                            </p:txEl>
+                                          </p:spTgt>
+                                        </p:tgtEl>
+                                        <p:attrNameLst>
+                                          <p:attrName>style.visibility</p:attrName>
+                                        </p:attrNameLst>
+                                      </p:cBhvr>
+                                      <p:to>
+                                        <p:strVal val="visible"/>
+                                      </p:to>
+                                    </p:set>
+                                  </p:childTnLst>
+                                </p:cTn>
+                              </p:par>
+                            </p:childTnLst>
+                          </p:cTn>
+                        </p:par>
+                      </p:childTnLst>
+                    </p:cTn>
+                  </p:par>
+                  <p:par>
+                    <p:cTn id="9" fill="hold">
+                      <p:stCondLst>
+                        <p:cond delay="indefinite"/>
+                      </p:stCondLst>
+                      <p:childTnLst>
+                        <p:par>
+                          <p:cTn id="10" fill="hold">
+                            <p:stCondLst>
+                              <p:cond delay="0"/>
+                            </p:stCondLst>
+                            <p:childTnLst>
+                              <p:par>
+                                <p:cTn id="11" presetID="1" presetClass="entr" presetSubtype="0" fill="hold" nodeType="clickEffect">
+                                  <p:stCondLst>
+                                    <p:cond delay="0"/>
+                                  </p:stCondLst>
+                                  <p:childTnLst>
+                                    <p:set>
+                                      <p:cBhvr>
+                                        <p:cTn id="12" dur="1" fill="hold">
+                                          <p:stCondLst>
+                                            <p:cond delay="0"/>
+                                          </p:stCondLst>
+                                        </p:cTn>
+                                        <p:tgtEl>
+                                          <p:spTgt spid="3">
+                                            <p:txEl>
+                                              <p:pRg st="4" end="4"/>
+                                            </p:txEl>
+                                          </p:spTgt>
+                                        </p:tgtEl>
+                                        <p:attrNameLst>
+                                          <p:attrName>style.visibility</p:attrName>
+                                        </p:attrNameLst>
+                                      </p:cBhvr>
+                                      <p:to>
+                                        <p:strVal val="visible"/>
+                                      </p:to>
+                                    </p:set>
+                                  </p:childTnLst>
+                                </p:cTn>
+                              </p:par>
+                            </p:childTnLst>
+                          </p:cTn>
+                        </p:par>
+                      </p:childTnLst>
+                    </p:cTn>
+                  </p:par>
+                  <p:par>
+                    <p:cTn id="13" fill="hold">
+                      <p:stCondLst>
+                        <p:cond delay="indefinite"/>
+                      </p:stCondLst>
+                      <p:childTnLst>
+                        <p:par>
+                          <p:cTn id="14" fill="hold">
+                            <p:stCondLst>
+                              <p:cond delay="0"/>
+                            </p:stCondLst>
+                            <p:childTnLst>
+                              <p:par>
+                                <p:cTn id="15" presetID="1" presetClass="entr" presetSubtype="0" fill="hold" nodeType="clickEffect">
+                                  <p:stCondLst>
+                                    <p:cond delay="0"/>
+                                  </p:stCondLst>
+                                  <p:childTnLst>
+                                    <p:set>
+                                      <p:cBhvr>
+                                        <p:cTn id="16" dur="1" fill="hold">
+                                          <p:stCondLst>
+                                            <p:cond delay="0"/>
+                                          </p:stCondLst>
+                                        </p:cTn>
+                                        <p:tgtEl>
+                                          <p:spTgt spid="3">
+                                            <p:txEl>
+                                              <p:pRg st="5" end="5"/>
+                                            </p:txEl>
+                                          </p:spTgt>
+                                        </p:tgtEl>
+                                        <p:attrNameLst>
+                                          <p:attrName>style.visibility</p:attrName>
+                                        </p:attrNameLst>
+                                      </p:cBhvr>
+                                      <p:to>
+                                        <p:strVal val="visible"/>
+                                      </p:to>
+                                    </p:set>
+                                  </p:childTnLst>
+                                </p:cTn>
+                              </p:par>
+                            </p:childTnLst>
+                          </p:cTn>
+                        </p:par>
+                      </p:childTnLst>
+                    </p:cTn>
+                  </p:par>
+                  <p:par>
+                    <p:cTn id="17" fill="hold">
+                      <p:stCondLst>
+                        <p:cond delay="indefinite"/>
+                      </p:stCondLst>
+                      <p:childTnLst>
+                        <p:par>
+                          <p:cTn id="18" fill="hold">
+                            <p:stCondLst>
+                              <p:cond delay="0"/>
+                            </p:stCondLst>
+                            <p:childTnLst>
+                              <p:par>
+                                <p:cTn id="19" presetID="1" presetClass="entr" presetSubtype="0" fill="hold" nodeType="clickEffect">
+                                  <p:stCondLst>
+                                    <p:cond delay="0"/>
+                                  </p:stCondLst>
+                                  <p:childTnLst>
+                                    <p:set>
+                                      <p:cBhvr>
+                                        <p:cTn id="20" dur="1" fill="hold">
+                                          <p:stCondLst>
+                                            <p:cond delay="0"/>
+                                          </p:stCondLst>
+                                        </p:cTn>
+                                        <p:tgtEl>
+                                          <p:spTgt spid="3">
+                                            <p:txEl>
+                                              <p:pRg st="6" end="6"/>
+                                            </p:txEl>
+                                          </p:spTgt>
+                                        </p:tgtEl>
+                                        <p:attrNameLst>
+                                          <p:attrName>style.visibility</p:attrName>
+                                        </p:attrNameLst>
+                                      </p:cBhvr>
+                                      <p:to>
+                                        <p:strVal val="visible"/>
+                                      </p:to>
+                                    </p:set>
+                                  </p:childTnLst>
+                                </p:cTn>
+                              </p:par>
+                            </p:childTnLst>
+                          </p:cTn>
+                        </p:par>
+                      </p:childTnLst>
+                    </p:cTn>
+                  </p:par>
+                  <p:par>
+                    <p:cTn id="21" fill="hold">
+                      <p:stCondLst>
+                        <p:cond delay="indefinite"/>
+                      </p:stCondLst>
+                      <p:childTnLst>
+                        <p:par>
+                          <p:cTn id="22" fill="hold">
+                            <p:stCondLst>
+                              <p:cond delay="0"/>
+                            </p:stCondLst>
+                            <p:childTnLst>
+                              <p:par>
+                                <p:cTn id="23" presetID="1" presetClass="entr" presetSubtype="0" fill="hold" nodeType="clickEffect">
+                                  <p:stCondLst>
+                                    <p:cond delay="0"/>
+                                  </p:stCondLst>
+                                  <p:childTnLst>
+                                    <p:set>
+                                      <p:cBhvr>
+                                        <p:cTn id="24" dur="1" fill="hold">
+                                          <p:stCondLst>
+                                            <p:cond delay="0"/>
+                                          </p:stCondLst>
+                                        </p:cTn>
+                                        <p:tgtEl>
+                                          <p:spTgt spid="3">
+                                            <p:txEl>
+                                              <p:pRg st="7" end="7"/>
+                                            </p:txEl>
+                                          </p:spTgt>
+                                        </p:tgtEl>
+                                        <p:attrNameLst>
+                                          <p:attrName>style.visibility</p:attrName>
+                                        </p:attrNameLst>
+                                      </p:cBhvr>
+                                      <p:to>
+                                        <p:strVal val="visible"/>
+                                      </p:to>
+                                    </p:set>
+                                  </p:childTnLst>
+                                </p:cTn>
+                              </p:par>
+                            </p:childTnLst>
+                          </p:cTn>
+                        </p:par>
+                      </p:childTnLst>
+                    </p:cTn>
+                  </p:par>
+                  <p:par>
+                    <p:cTn id="25" fill="hold">
+                      <p:stCondLst>
+                        <p:cond delay="indefinite"/>
+                      </p:stCondLst>
+                      <p:childTnLst>
+                        <p:par>
+                          <p:cTn id="26" fill="hold">
+                            <p:stCondLst>
+                              <p:cond delay="0"/>
+                            </p:stCondLst>
+                            <p:childTnLst>
+                              <p:par>
+                                <p:cTn id="27" presetID="1" presetClass="entr" presetSubtype="0" fill="hold" nodeType="clickEffect">
+                                  <p:stCondLst>
+                                    <p:cond delay="0"/>
+                                  </p:stCondLst>
+                                  <p:childTnLst>
+                                    <p:set>
+                                      <p:cBhvr>
+                                        <p:cTn id="28" dur="1" fill="hold">
+                                          <p:stCondLst>
+                                            <p:cond delay="0"/>
+                                          </p:stCondLst>
+                                        </p:cTn>
+                                        <p:tgtEl>
+                                          <p:spTgt spid="3">
+                                            <p:txEl>
+                                              <p:pRg st="8" end="8"/>
+                                            </p:txEl>
+                                          </p:spTgt>
+                                        </p:tgtEl>
+                                        <p:attrNameLst>
+                                          <p:attrName>style.visibility</p:attrName>
+                                        </p:attrNameLst>
+                                      </p:cBhvr>
+                                      <p:to>
+                                        <p:strVal val="visible"/>
+                                      </p:to>
+                                    </p:set>
+                                  </p:childTnLst>
+                                </p:cTn>
+                              </p:par>
+                            </p:childTnLst>
+                          </p:cTn>
+                        </p:par>
+                      </p:childTnLst>
+                    </p:cTn>
+                  </p:par>
+                  <p:par>
+                    <p:cTn id="29" fill="hold">
+                      <p:stCondLst>
+                        <p:cond delay="indefinite"/>
+                      </p:stCondLst>
+                      <p:childTnLst>
+                        <p:par>
+                          <p:cTn id="30" fill="hold">
+                            <p:stCondLst>
+                              <p:cond delay="0"/>
+                            </p:stCondLst>
+                            <p:childTnLst>
+                              <p:par>
+                                <p:cTn id="31" presetID="1" presetClass="entr" presetSubtype="0" fill="hold" nodeType="clickEffect">
+                                  <p:stCondLst>
+                                    <p:cond delay="0"/>
+                                  </p:stCondLst>
+                                  <p:childTnLst>
+                                    <p:set>
+                                      <p:cBhvr>
+                                        <p:cTn id="32" dur="1" fill="hold">
+                                          <p:stCondLst>
+                                            <p:cond delay="0"/>
+                                          </p:stCondLst>
+                                        </p:cTn>
+                                        <p:tgtEl>
+                                          <p:spTgt spid="3">
+                                            <p:txEl>
+                                              <p:pRg st="9" end="9"/>
+                                            </p:txEl>
+                                          </p:spTgt>
+                                        </p:tgtEl>
+                                        <p:attrNameLst>
+                                          <p:attrName>style.visibility</p:attrName>
+                                        </p:attrNameLst>
+                                      </p:cBhvr>
+                                      <p:to>
+                                        <p:strVal val="visible"/>
+                                      </p:to>
+                                    </p:set>
+                                  </p:childTnLst>
+                                </p:cTn>
+                              </p:par>
+                            </p:childTnLst>
+                          </p:cTn>
+                        </p:par>
+                      </p:childTnLst>
+                    </p:cTn>
+                  </p:par>
+                </p:childTnLst>
+              </p:cTn>
+              <p:prevCondLst>
+                <p:cond evt="onPrev" delay="0">
+                  <p:tgtEl>
+                    <p:sldTgt/>
+                  </p:tgtEl>
+                </p:cond>
+              </p:prevCondLst>
+              <p:nextCondLst>
+                <p:cond evt="onNext" delay="0">
+                  <p:tgtEl>
+                    <p:sldTgt/>
+                  </p:tgtEl>
+                </p:cond>
+              </p:nextCondLst>
+            </p:seq>
+          </p:childTnLst>
+        </p:cTn>
+      </p:par>
+    </p:tnLst>
+  </p:timing>
 </p:sld>
 </file>
 
-<file path=ppt/slides/slide24.xml><?xml version="1.0" encoding="utf-8"?>
+<file path=ppt/slides/slide29.xml><?xml version="1.0" encoding="utf-8"?>
 <p:sld xmlns:a="http://schemas.openxmlformats.org/drawingml/2006/main" xmlns:r="http://schemas.openxmlformats.org/officeDocument/2006/relationships" xmlns:p="http://schemas.openxmlformats.org/presentationml/2006/main">
   <p:cSld>
     <p:spTree>
@@ -13717,8 +15367,8 @@
           </a:p>
         </p:txBody>
       </p:sp>
-      <mc:AlternateContent xmlns:mc="http://schemas.openxmlformats.org/markup-compatibility/2006" xmlns:a14="http://schemas.microsoft.com/office/drawing/2010/main">
-        <mc:Choice Requires="a14">
+      <mc:AlternateContent xmlns:mc="http://schemas.openxmlformats.org/markup-compatibility/2006">
+        <mc:Choice xmlns:a14="http://schemas.microsoft.com/office/drawing/2010/main" Requires="a14">
           <p:sp>
             <p:nvSpPr>
               <p:cNvPr id="3" name="Tijdelijke aanduiding voor inhoud 2"/>
@@ -13901,7 +15551,21 @@
               <a:p>
                 <a:r>
                   <a:rPr lang="nl-NL" dirty="0"/>
-                  <a:t>Loop </a:t>
+                  <a:t>Loop (on </a:t>
+                </a:r>
+                <a14:m>
+                  <m:oMath xmlns:m="http://schemas.openxmlformats.org/officeDocument/2006/math">
+                    <m:r>
+                      <a:rPr lang="nl-NL" i="1" dirty="0" smtClean="0">
+                        <a:latin typeface="Cambria Math" panose="02040503050406030204" pitchFamily="18" charset="0"/>
+                      </a:rPr>
+                      <m:t>𝑘</m:t>
+                    </m:r>
+                  </m:oMath>
+                </a14:m>
+                <a:r>
+                  <a:rPr lang="nl-NL" dirty="0"/>
+                  <a:t>)</a:t>
                 </a:r>
               </a:p>
               <a:p>
@@ -14526,7 +16190,7 @@
             </p:txBody>
           </p:sp>
         </mc:Choice>
-        <mc:Fallback xmlns="">
+        <mc:Fallback>
           <p:sp>
             <p:nvSpPr>
               <p:cNvPr id="3" name="Tijdelijke aanduiding voor inhoud 2"/>
@@ -14542,7 +16206,7 @@
                 <a:off x="677334" y="1763487"/>
                 <a:ext cx="8596668" cy="4778828"/>
               </a:xfrm>
-              <a:blipFill rotWithShape="0">
+              <a:blipFill>
                 <a:blip r:embed="rId2"/>
                 <a:stretch>
                   <a:fillRect l="-142" t="-765"/>
@@ -14600,7 +16264,261 @@
 </p:sld>
 </file>
 
-<file path=ppt/slides/slide25.xml><?xml version="1.0" encoding="utf-8"?>
+<file path=ppt/slides/slide3.xml><?xml version="1.0" encoding="utf-8"?>
+<p:sld xmlns:a="http://schemas.openxmlformats.org/drawingml/2006/main" xmlns:r="http://schemas.openxmlformats.org/officeDocument/2006/relationships" xmlns:p="http://schemas.openxmlformats.org/presentationml/2006/main">
+  <p:cSld>
+    <p:spTree>
+      <p:nvGrpSpPr>
+        <p:cNvPr id="1" name=""/>
+        <p:cNvGrpSpPr/>
+        <p:nvPr/>
+      </p:nvGrpSpPr>
+      <p:grpSpPr>
+        <a:xfrm>
+          <a:off x="0" y="0"/>
+          <a:ext cx="0" cy="0"/>
+          <a:chOff x="0" y="0"/>
+          <a:chExt cx="0" cy="0"/>
+        </a:xfrm>
+      </p:grpSpPr>
+      <p:sp>
+        <p:nvSpPr>
+          <p:cNvPr id="2" name="Titel 1"/>
+          <p:cNvSpPr>
+            <a:spLocks noGrp="1"/>
+          </p:cNvSpPr>
+          <p:nvPr>
+            <p:ph type="title"/>
+          </p:nvPr>
+        </p:nvSpPr>
+        <p:spPr/>
+        <p:txBody>
+          <a:bodyPr/>
+          <a:lstStyle/>
+          <a:p>
+            <a:r>
+              <a:rPr lang="nl-NL" dirty="0"/>
+              <a:t>More </a:t>
+            </a:r>
+            <a:r>
+              <a:rPr lang="nl-NL" dirty="0" err="1"/>
+              <a:t>detailed</a:t>
+            </a:r>
+            <a:r>
+              <a:rPr lang="nl-NL" dirty="0"/>
+              <a:t> agenda</a:t>
+            </a:r>
+          </a:p>
+        </p:txBody>
+      </p:sp>
+      <p:sp>
+        <p:nvSpPr>
+          <p:cNvPr id="3" name="Tijdelijke aanduiding voor inhoud 2"/>
+          <p:cNvSpPr>
+            <a:spLocks noGrp="1"/>
+          </p:cNvSpPr>
+          <p:nvPr>
+            <p:ph idx="1"/>
+          </p:nvPr>
+        </p:nvSpPr>
+        <p:spPr/>
+        <p:txBody>
+          <a:bodyPr/>
+          <a:lstStyle/>
+          <a:p>
+            <a:r>
+              <a:rPr lang="nl-NL" dirty="0" err="1"/>
+              <a:t>What</a:t>
+            </a:r>
+            <a:r>
+              <a:rPr lang="nl-NL" dirty="0"/>
+              <a:t> is </a:t>
+            </a:r>
+            <a:r>
+              <a:rPr lang="nl-NL" b="1" dirty="0" err="1"/>
+              <a:t>dynamic</a:t>
+            </a:r>
+            <a:r>
+              <a:rPr lang="nl-NL" b="1" dirty="0"/>
+              <a:t> </a:t>
+            </a:r>
+            <a:r>
+              <a:rPr lang="nl-NL" b="1" dirty="0" err="1"/>
+              <a:t>programming</a:t>
+            </a:r>
+            <a:r>
+              <a:rPr lang="nl-NL" dirty="0"/>
+              <a:t>?</a:t>
+            </a:r>
+          </a:p>
+          <a:p>
+            <a:pPr lvl="1"/>
+            <a:r>
+              <a:rPr lang="nl-NL" dirty="0"/>
+              <a:t>Fibonacci </a:t>
+            </a:r>
+            <a:r>
+              <a:rPr lang="nl-NL" dirty="0" err="1"/>
+              <a:t>example</a:t>
+            </a:r>
+            <a:r>
+              <a:rPr lang="nl-NL" dirty="0"/>
+              <a:t>; </a:t>
+            </a:r>
+            <a:r>
+              <a:rPr lang="nl-NL" dirty="0" err="1"/>
+              <a:t>memoization</a:t>
+            </a:r>
+            <a:r>
+              <a:rPr lang="nl-NL" dirty="0"/>
+              <a:t> </a:t>
+            </a:r>
+            <a:r>
+              <a:rPr lang="nl-NL" dirty="0" err="1"/>
+              <a:t>and</a:t>
+            </a:r>
+            <a:r>
+              <a:rPr lang="nl-NL" dirty="0"/>
+              <a:t> bottom-up approaches</a:t>
+            </a:r>
+          </a:p>
+          <a:p>
+            <a:pPr lvl="1"/>
+            <a:endParaRPr lang="nl-NL" dirty="0"/>
+          </a:p>
+          <a:p>
+            <a:r>
+              <a:rPr lang="nl-NL" dirty="0"/>
+              <a:t>How </a:t>
+            </a:r>
+            <a:r>
+              <a:rPr lang="nl-NL" dirty="0" err="1"/>
+              <a:t>can</a:t>
+            </a:r>
+            <a:r>
+              <a:rPr lang="nl-NL" dirty="0"/>
+              <a:t> we </a:t>
+            </a:r>
+            <a:r>
+              <a:rPr lang="nl-NL" dirty="0" err="1"/>
+              <a:t>find</a:t>
+            </a:r>
+            <a:r>
+              <a:rPr lang="nl-NL" dirty="0"/>
+              <a:t> the </a:t>
+            </a:r>
+            <a:r>
+              <a:rPr lang="nl-NL" dirty="0" err="1"/>
+              <a:t>shortest</a:t>
+            </a:r>
+            <a:r>
+              <a:rPr lang="nl-NL" dirty="0"/>
+              <a:t> </a:t>
+            </a:r>
+            <a:r>
+              <a:rPr lang="nl-NL" dirty="0" err="1"/>
+              <a:t>paths</a:t>
+            </a:r>
+            <a:r>
+              <a:rPr lang="nl-NL" dirty="0"/>
+              <a:t> </a:t>
+            </a:r>
+            <a:r>
+              <a:rPr lang="nl-NL" dirty="0" err="1"/>
+              <a:t>between</a:t>
+            </a:r>
+            <a:r>
+              <a:rPr lang="nl-NL" dirty="0"/>
+              <a:t> </a:t>
+            </a:r>
+            <a:r>
+              <a:rPr lang="nl-NL" b="1" dirty="0" err="1"/>
+              <a:t>all</a:t>
+            </a:r>
+            <a:r>
+              <a:rPr lang="nl-NL" b="1" dirty="0"/>
+              <a:t> pairs </a:t>
+            </a:r>
+            <a:r>
+              <a:rPr lang="nl-NL" dirty="0"/>
+              <a:t>of </a:t>
+            </a:r>
+            <a:r>
+              <a:rPr lang="nl-NL" dirty="0" err="1"/>
+              <a:t>nodes</a:t>
+            </a:r>
+            <a:r>
+              <a:rPr lang="nl-NL" dirty="0"/>
+              <a:t> in a </a:t>
+            </a:r>
+            <a:r>
+              <a:rPr lang="nl-NL" dirty="0" err="1"/>
+              <a:t>graph</a:t>
+            </a:r>
+            <a:r>
+              <a:rPr lang="nl-NL" dirty="0"/>
+              <a:t>?</a:t>
+            </a:r>
+          </a:p>
+          <a:p>
+            <a:pPr lvl="1"/>
+            <a:r>
+              <a:rPr lang="nl-NL" dirty="0"/>
+              <a:t>Floyd </a:t>
+            </a:r>
+            <a:r>
+              <a:rPr lang="nl-NL" dirty="0" err="1"/>
+              <a:t>Warshall</a:t>
+            </a:r>
+            <a:r>
+              <a:rPr lang="nl-NL" dirty="0"/>
+              <a:t> </a:t>
+            </a:r>
+            <a:r>
+              <a:rPr lang="nl-NL" dirty="0" err="1"/>
+              <a:t>algorithm</a:t>
+            </a:r>
+            <a:endParaRPr lang="nl-NL" dirty="0"/>
+          </a:p>
+        </p:txBody>
+      </p:sp>
+      <p:sp>
+        <p:nvSpPr>
+          <p:cNvPr id="4" name="Tijdelijke aanduiding voor voettekst 3"/>
+          <p:cNvSpPr>
+            <a:spLocks noGrp="1"/>
+          </p:cNvSpPr>
+          <p:nvPr>
+            <p:ph type="ftr" sz="quarter" idx="11"/>
+          </p:nvPr>
+        </p:nvSpPr>
+        <p:spPr/>
+        <p:txBody>
+          <a:bodyPr/>
+          <a:lstStyle/>
+          <a:p>
+            <a:r>
+              <a:rPr lang="it-IT"/>
+              <a:t>INFDEV036A - G. Costantini, F. Di Giacomo</a:t>
+            </a:r>
+            <a:endParaRPr lang="en-GB"/>
+          </a:p>
+        </p:txBody>
+      </p:sp>
+    </p:spTree>
+    <p:extLst>
+      <p:ext uri="{BB962C8B-B14F-4D97-AF65-F5344CB8AC3E}">
+        <p14:creationId xmlns:p14="http://schemas.microsoft.com/office/powerpoint/2010/main" val="3714923865"/>
+      </p:ext>
+    </p:extLst>
+  </p:cSld>
+  <p:clrMapOvr>
+    <a:masterClrMapping/>
+  </p:clrMapOvr>
+</p:sld>
+</file>
+
+<file path=ppt/slides/slide30.xml><?xml version="1.0" encoding="utf-8"?>
 <p:sld xmlns:a="http://schemas.openxmlformats.org/drawingml/2006/main" xmlns:r="http://schemas.openxmlformats.org/officeDocument/2006/relationships" xmlns:p="http://schemas.openxmlformats.org/presentationml/2006/main">
   <p:cSld>
     <p:spTree>
@@ -15169,7 +17087,7 @@
 </p:sld>
 </file>
 
-<file path=ppt/slides/slide26.xml><?xml version="1.0" encoding="utf-8"?>
+<file path=ppt/slides/slide31.xml><?xml version="1.0" encoding="utf-8"?>
 <p:sld xmlns:a="http://schemas.openxmlformats.org/drawingml/2006/main" xmlns:r="http://schemas.openxmlformats.org/officeDocument/2006/relationships" xmlns:p="http://schemas.openxmlformats.org/presentationml/2006/main">
   <p:cSld>
     <p:spTree>
@@ -15400,8 +17318,8 @@
           </a:p>
         </p:txBody>
       </p:sp>
-      <mc:AlternateContent xmlns:mc="http://schemas.openxmlformats.org/markup-compatibility/2006" xmlns:a14="http://schemas.microsoft.com/office/drawing/2010/main">
-        <mc:Choice Requires="a14">
+      <mc:AlternateContent xmlns:mc="http://schemas.openxmlformats.org/markup-compatibility/2006">
+        <mc:Choice xmlns:a14="http://schemas.microsoft.com/office/drawing/2010/main" Requires="a14">
           <p:sp>
             <p:nvSpPr>
               <p:cNvPr id="5" name="Tekstvak 4"/>
@@ -15411,7 +17329,7 @@
             <p:spPr>
               <a:xfrm>
                 <a:off x="2430159" y="3497942"/>
-                <a:ext cx="7062183" cy="3046988"/>
+                <a:ext cx="7389250" cy="3046988"/>
               </a:xfrm>
               <a:prstGeom prst="rect">
                 <a:avLst/>
@@ -15878,7 +17796,7 @@
             </p:txBody>
           </p:sp>
         </mc:Choice>
-        <mc:Fallback xmlns="">
+        <mc:Fallback>
           <p:sp>
             <p:nvSpPr>
               <p:cNvPr id="5" name="Tekstvak 4"/>
@@ -15890,15 +17808,15 @@
             <p:spPr>
               <a:xfrm>
                 <a:off x="2430159" y="3497942"/>
-                <a:ext cx="7062183" cy="3046988"/>
+                <a:ext cx="7389250" cy="3046988"/>
               </a:xfrm>
               <a:prstGeom prst="rect">
                 <a:avLst/>
               </a:prstGeom>
-              <a:blipFill rotWithShape="0">
+              <a:blipFill>
                 <a:blip r:embed="rId3"/>
                 <a:stretch>
-                  <a:fillRect l="-518" t="-800"/>
+                  <a:fillRect l="-495" t="-800"/>
                 </a:stretch>
               </a:blipFill>
             </p:spPr>
@@ -15927,10 +17845,88 @@
   <p:clrMapOvr>
     <a:masterClrMapping/>
   </p:clrMapOvr>
+  <p:timing>
+    <p:tnLst>
+      <p:par>
+        <p:cTn id="1" dur="indefinite" restart="never" nodeType="tmRoot">
+          <p:childTnLst>
+            <p:seq concurrent="1" nextAc="seek">
+              <p:cTn id="2" dur="indefinite" nodeType="mainSeq">
+                <p:childTnLst>
+                  <p:par>
+                    <p:cTn id="3" fill="hold">
+                      <p:stCondLst>
+                        <p:cond delay="indefinite"/>
+                      </p:stCondLst>
+                      <p:childTnLst>
+                        <p:par>
+                          <p:cTn id="4" fill="hold">
+                            <p:stCondLst>
+                              <p:cond delay="0"/>
+                            </p:stCondLst>
+                            <p:childTnLst>
+                              <p:par>
+                                <p:cTn id="5" presetID="1" presetClass="entr" presetSubtype="0" fill="hold" grpId="0" nodeType="clickEffect">
+                                  <p:stCondLst>
+                                    <p:cond delay="0"/>
+                                  </p:stCondLst>
+                                  <p:childTnLst>
+                                    <p:set>
+                                      <p:cBhvr>
+                                        <p:cTn id="6" dur="1" fill="hold">
+                                          <p:stCondLst>
+                                            <p:cond delay="0"/>
+                                          </p:stCondLst>
+                                        </p:cTn>
+                                        <p:tgtEl>
+                                          <p:spTgt spid="5"/>
+                                        </p:tgtEl>
+                                        <p:attrNameLst>
+                                          <p:attrName>style.visibility</p:attrName>
+                                        </p:attrNameLst>
+                                      </p:cBhvr>
+                                      <p:to>
+                                        <p:strVal val="visible"/>
+                                      </p:to>
+                                    </p:set>
+                                  </p:childTnLst>
+                                </p:cTn>
+                              </p:par>
+                            </p:childTnLst>
+                          </p:cTn>
+                        </p:par>
+                      </p:childTnLst>
+                    </p:cTn>
+                  </p:par>
+                </p:childTnLst>
+              </p:cTn>
+              <p:prevCondLst>
+                <p:cond evt="onPrev" delay="0">
+                  <p:tgtEl>
+                    <p:sldTgt/>
+                  </p:tgtEl>
+                </p:cond>
+              </p:prevCondLst>
+              <p:nextCondLst>
+                <p:cond evt="onNext" delay="0">
+                  <p:tgtEl>
+                    <p:sldTgt/>
+                  </p:tgtEl>
+                </p:cond>
+              </p:nextCondLst>
+            </p:seq>
+          </p:childTnLst>
+        </p:cTn>
+      </p:par>
+    </p:tnLst>
+    <p:bldLst>
+      <p:bldP spid="5" grpId="0"/>
+    </p:bldLst>
+  </p:timing>
 </p:sld>
 </file>
 
-<file path=ppt/slides/slide27.xml><?xml version="1.0" encoding="utf-8"?>
+<file path=ppt/slides/slide32.xml><?xml version="1.0" encoding="utf-8"?>
 <p:sld xmlns:a="http://schemas.openxmlformats.org/drawingml/2006/main" xmlns:r="http://schemas.openxmlformats.org/officeDocument/2006/relationships" xmlns:p="http://schemas.openxmlformats.org/presentationml/2006/main">
   <p:cSld>
     <p:spTree>
@@ -16601,1238 +18597,6 @@
 </p:sld>
 </file>
 
-<file path=ppt/slides/slide28.xml><?xml version="1.0" encoding="utf-8"?>
-<p:sld xmlns:a="http://schemas.openxmlformats.org/drawingml/2006/main" xmlns:r="http://schemas.openxmlformats.org/officeDocument/2006/relationships" xmlns:p="http://schemas.openxmlformats.org/presentationml/2006/main">
-  <p:cSld>
-    <p:spTree>
-      <p:nvGrpSpPr>
-        <p:cNvPr id="1" name=""/>
-        <p:cNvGrpSpPr/>
-        <p:nvPr/>
-      </p:nvGrpSpPr>
-      <p:grpSpPr>
-        <a:xfrm>
-          <a:off x="0" y="0"/>
-          <a:ext cx="0" cy="0"/>
-          <a:chOff x="0" y="0"/>
-          <a:chExt cx="0" cy="0"/>
-        </a:xfrm>
-      </p:grpSpPr>
-      <p:sp>
-        <p:nvSpPr>
-          <p:cNvPr id="2" name="Titel 1"/>
-          <p:cNvSpPr>
-            <a:spLocks noGrp="1"/>
-          </p:cNvSpPr>
-          <p:nvPr>
-            <p:ph type="title"/>
-          </p:nvPr>
-        </p:nvSpPr>
-        <p:spPr/>
-        <p:txBody>
-          <a:bodyPr/>
-          <a:lstStyle/>
-          <a:p>
-            <a:r>
-              <a:rPr lang="nl-NL" dirty="0"/>
-              <a:t>Floyd-</a:t>
-            </a:r>
-            <a:r>
-              <a:rPr lang="nl-NL" dirty="0" err="1"/>
-              <a:t>Warshall</a:t>
-            </a:r>
-            <a:r>
-              <a:rPr lang="nl-NL" dirty="0"/>
-              <a:t> </a:t>
-            </a:r>
-            <a:r>
-              <a:rPr lang="nl-NL" dirty="0" err="1"/>
-              <a:t>algorithm</a:t>
-            </a:r>
-            <a:endParaRPr lang="nl-NL" dirty="0"/>
-          </a:p>
-        </p:txBody>
-      </p:sp>
-      <p:sp>
-        <p:nvSpPr>
-          <p:cNvPr id="3" name="Tijdelijke aanduiding voor inhoud 2"/>
-          <p:cNvSpPr>
-            <a:spLocks noGrp="1"/>
-          </p:cNvSpPr>
-          <p:nvPr>
-            <p:ph idx="1"/>
-          </p:nvPr>
-        </p:nvSpPr>
-        <p:spPr/>
-        <p:txBody>
-          <a:bodyPr/>
-          <a:lstStyle/>
-          <a:p>
-            <a:r>
-              <a:rPr lang="nl-NL" dirty="0" err="1"/>
-              <a:t>Example</a:t>
-            </a:r>
-            <a:r>
-              <a:rPr lang="nl-NL" dirty="0"/>
-              <a:t> </a:t>
-            </a:r>
-          </a:p>
-        </p:txBody>
-      </p:sp>
-      <p:sp>
-        <p:nvSpPr>
-          <p:cNvPr id="4" name="Tijdelijke aanduiding voor voettekst 3"/>
-          <p:cNvSpPr>
-            <a:spLocks noGrp="1"/>
-          </p:cNvSpPr>
-          <p:nvPr>
-            <p:ph type="ftr" sz="quarter" idx="11"/>
-          </p:nvPr>
-        </p:nvSpPr>
-        <p:spPr/>
-        <p:txBody>
-          <a:bodyPr/>
-          <a:lstStyle/>
-          <a:p>
-            <a:r>
-              <a:rPr lang="it-IT"/>
-              <a:t>INFDEV036A - G. Costantini, F. Di Giacomo</a:t>
-            </a:r>
-            <a:endParaRPr lang="en-GB"/>
-          </a:p>
-        </p:txBody>
-      </p:sp>
-      <p:pic>
-        <p:nvPicPr>
-          <p:cNvPr id="2050" name="Picture 2" descr="Floyd-Warshall example.svg"/>
-          <p:cNvPicPr>
-            <a:picLocks noChangeAspect="1" noChangeArrowheads="1"/>
-          </p:cNvPicPr>
-          <p:nvPr/>
-        </p:nvPicPr>
-        <p:blipFill rotWithShape="1">
-          <a:blip r:embed="rId3">
-            <a:extLst>
-              <a:ext uri="{28A0092B-C50C-407E-A947-70E740481C1C}">
-                <a14:useLocalDpi xmlns:a14="http://schemas.microsoft.com/office/drawing/2010/main" val="0"/>
-              </a:ext>
-            </a:extLst>
-          </a:blip>
-          <a:srcRect r="63903"/>
-          <a:stretch/>
-        </p:blipFill>
-        <p:spPr bwMode="auto">
-          <a:xfrm>
-            <a:off x="354155" y="2525714"/>
-            <a:ext cx="3466731" cy="3880773"/>
-          </a:xfrm>
-          <a:prstGeom prst="rect">
-            <a:avLst/>
-          </a:prstGeom>
-          <a:noFill/>
-          <a:extLst>
-            <a:ext uri="{909E8E84-426E-40DD-AFC4-6F175D3DCCD1}">
-              <a14:hiddenFill xmlns:a14="http://schemas.microsoft.com/office/drawing/2010/main">
-                <a:solidFill>
-                  <a:srgbClr val="FFFFFF"/>
-                </a:solidFill>
-              </a14:hiddenFill>
-            </a:ext>
-          </a:extLst>
-        </p:spPr>
-      </p:pic>
-    </p:spTree>
-    <p:extLst>
-      <p:ext uri="{BB962C8B-B14F-4D97-AF65-F5344CB8AC3E}">
-        <p14:creationId xmlns:p14="http://schemas.microsoft.com/office/powerpoint/2010/main" val="2023180510"/>
-      </p:ext>
-    </p:extLst>
-  </p:cSld>
-  <p:clrMapOvr>
-    <a:masterClrMapping/>
-  </p:clrMapOvr>
-</p:sld>
-</file>
-
-<file path=ppt/slides/slide29.xml><?xml version="1.0" encoding="utf-8"?>
-<p:sld xmlns:a="http://schemas.openxmlformats.org/drawingml/2006/main" xmlns:r="http://schemas.openxmlformats.org/officeDocument/2006/relationships" xmlns:p="http://schemas.openxmlformats.org/presentationml/2006/main">
-  <p:cSld>
-    <p:spTree>
-      <p:nvGrpSpPr>
-        <p:cNvPr id="1" name=""/>
-        <p:cNvGrpSpPr/>
-        <p:nvPr/>
-      </p:nvGrpSpPr>
-      <p:grpSpPr>
-        <a:xfrm>
-          <a:off x="0" y="0"/>
-          <a:ext cx="0" cy="0"/>
-          <a:chOff x="0" y="0"/>
-          <a:chExt cx="0" cy="0"/>
-        </a:xfrm>
-      </p:grpSpPr>
-      <p:sp>
-        <p:nvSpPr>
-          <p:cNvPr id="2" name="Titel 1"/>
-          <p:cNvSpPr>
-            <a:spLocks noGrp="1"/>
-          </p:cNvSpPr>
-          <p:nvPr>
-            <p:ph type="title"/>
-          </p:nvPr>
-        </p:nvSpPr>
-        <p:spPr/>
-        <p:txBody>
-          <a:bodyPr/>
-          <a:lstStyle/>
-          <a:p>
-            <a:r>
-              <a:rPr lang="nl-NL" dirty="0"/>
-              <a:t>Floyd-</a:t>
-            </a:r>
-            <a:r>
-              <a:rPr lang="nl-NL" dirty="0" err="1"/>
-              <a:t>Warshall</a:t>
-            </a:r>
-            <a:r>
-              <a:rPr lang="nl-NL" dirty="0"/>
-              <a:t> </a:t>
-            </a:r>
-            <a:r>
-              <a:rPr lang="nl-NL" dirty="0" err="1"/>
-              <a:t>algorithm</a:t>
-            </a:r>
-            <a:endParaRPr lang="nl-NL" dirty="0"/>
-          </a:p>
-        </p:txBody>
-      </p:sp>
-      <p:sp>
-        <p:nvSpPr>
-          <p:cNvPr id="3" name="Tijdelijke aanduiding voor inhoud 2"/>
-          <p:cNvSpPr>
-            <a:spLocks noGrp="1"/>
-          </p:cNvSpPr>
-          <p:nvPr>
-            <p:ph idx="1"/>
-          </p:nvPr>
-        </p:nvSpPr>
-        <p:spPr/>
-        <p:txBody>
-          <a:bodyPr/>
-          <a:lstStyle/>
-          <a:p>
-            <a:r>
-              <a:rPr lang="nl-NL" dirty="0" err="1"/>
-              <a:t>Example</a:t>
-            </a:r>
-            <a:r>
-              <a:rPr lang="nl-NL" dirty="0"/>
-              <a:t> </a:t>
-            </a:r>
-          </a:p>
-        </p:txBody>
-      </p:sp>
-      <p:sp>
-        <p:nvSpPr>
-          <p:cNvPr id="4" name="Tijdelijke aanduiding voor voettekst 3"/>
-          <p:cNvSpPr>
-            <a:spLocks noGrp="1"/>
-          </p:cNvSpPr>
-          <p:nvPr>
-            <p:ph type="ftr" sz="quarter" idx="11"/>
-          </p:nvPr>
-        </p:nvSpPr>
-        <p:spPr/>
-        <p:txBody>
-          <a:bodyPr/>
-          <a:lstStyle/>
-          <a:p>
-            <a:r>
-              <a:rPr lang="it-IT"/>
-              <a:t>INFDEV036A - G. Costantini, F. Di Giacomo</a:t>
-            </a:r>
-            <a:endParaRPr lang="en-GB"/>
-          </a:p>
-        </p:txBody>
-      </p:sp>
-      <p:pic>
-        <p:nvPicPr>
-          <p:cNvPr id="2050" name="Picture 2" descr="Floyd-Warshall example.svg"/>
-          <p:cNvPicPr>
-            <a:picLocks noChangeAspect="1" noChangeArrowheads="1"/>
-          </p:cNvPicPr>
-          <p:nvPr/>
-        </p:nvPicPr>
-        <p:blipFill rotWithShape="1">
-          <a:blip r:embed="rId3">
-            <a:extLst>
-              <a:ext uri="{28A0092B-C50C-407E-A947-70E740481C1C}">
-                <a14:useLocalDpi xmlns:a14="http://schemas.microsoft.com/office/drawing/2010/main" val="0"/>
-              </a:ext>
-            </a:extLst>
-          </a:blip>
-          <a:srcRect r="31713"/>
-          <a:stretch/>
-        </p:blipFill>
-        <p:spPr bwMode="auto">
-          <a:xfrm>
-            <a:off x="354156" y="2525714"/>
-            <a:ext cx="6558274" cy="3880773"/>
-          </a:xfrm>
-          <a:prstGeom prst="rect">
-            <a:avLst/>
-          </a:prstGeom>
-          <a:noFill/>
-          <a:extLst>
-            <a:ext uri="{909E8E84-426E-40DD-AFC4-6F175D3DCCD1}">
-              <a14:hiddenFill xmlns:a14="http://schemas.microsoft.com/office/drawing/2010/main">
-                <a:solidFill>
-                  <a:srgbClr val="FFFFFF"/>
-                </a:solidFill>
-              </a14:hiddenFill>
-            </a:ext>
-          </a:extLst>
-        </p:spPr>
-      </p:pic>
-      <p:sp>
-        <p:nvSpPr>
-          <p:cNvPr id="5" name="Rechthoek 4"/>
-          <p:cNvSpPr/>
-          <p:nvPr/>
-        </p:nvSpPr>
-        <p:spPr>
-          <a:xfrm>
-            <a:off x="3788229" y="3461657"/>
-            <a:ext cx="3186717" cy="2944830"/>
-          </a:xfrm>
-          <a:prstGeom prst="rect">
-            <a:avLst/>
-          </a:prstGeom>
-          <a:ln>
-            <a:solidFill>
-              <a:schemeClr val="bg1"/>
-            </a:solidFill>
-          </a:ln>
-        </p:spPr>
-        <p:style>
-          <a:lnRef idx="2">
-            <a:schemeClr val="accent6"/>
-          </a:lnRef>
-          <a:fillRef idx="1">
-            <a:schemeClr val="lt1"/>
-          </a:fillRef>
-          <a:effectRef idx="0">
-            <a:schemeClr val="accent6"/>
-          </a:effectRef>
-          <a:fontRef idx="minor">
-            <a:schemeClr val="dk1"/>
-          </a:fontRef>
-        </p:style>
-        <p:txBody>
-          <a:bodyPr rtlCol="0" anchor="ctr"/>
-          <a:lstStyle/>
-          <a:p>
-            <a:pPr algn="ctr"/>
-            <a:endParaRPr lang="nl-NL"/>
-          </a:p>
-        </p:txBody>
-      </p:sp>
-    </p:spTree>
-    <p:extLst>
-      <p:ext uri="{BB962C8B-B14F-4D97-AF65-F5344CB8AC3E}">
-        <p14:creationId xmlns:p14="http://schemas.microsoft.com/office/powerpoint/2010/main" val="641237942"/>
-      </p:ext>
-    </p:extLst>
-  </p:cSld>
-  <p:clrMapOvr>
-    <a:masterClrMapping/>
-  </p:clrMapOvr>
-</p:sld>
-</file>
-
-<file path=ppt/slides/slide3.xml><?xml version="1.0" encoding="utf-8"?>
-<p:sld xmlns:a="http://schemas.openxmlformats.org/drawingml/2006/main" xmlns:r="http://schemas.openxmlformats.org/officeDocument/2006/relationships" xmlns:p="http://schemas.openxmlformats.org/presentationml/2006/main">
-  <p:cSld>
-    <p:spTree>
-      <p:nvGrpSpPr>
-        <p:cNvPr id="1" name=""/>
-        <p:cNvGrpSpPr/>
-        <p:nvPr/>
-      </p:nvGrpSpPr>
-      <p:grpSpPr>
-        <a:xfrm>
-          <a:off x="0" y="0"/>
-          <a:ext cx="0" cy="0"/>
-          <a:chOff x="0" y="0"/>
-          <a:chExt cx="0" cy="0"/>
-        </a:xfrm>
-      </p:grpSpPr>
-      <p:sp>
-        <p:nvSpPr>
-          <p:cNvPr id="2" name="Titel 1"/>
-          <p:cNvSpPr>
-            <a:spLocks noGrp="1"/>
-          </p:cNvSpPr>
-          <p:nvPr>
-            <p:ph type="title"/>
-          </p:nvPr>
-        </p:nvSpPr>
-        <p:spPr/>
-        <p:txBody>
-          <a:bodyPr/>
-          <a:lstStyle/>
-          <a:p>
-            <a:r>
-              <a:rPr lang="nl-NL" dirty="0"/>
-              <a:t>More </a:t>
-            </a:r>
-            <a:r>
-              <a:rPr lang="nl-NL" dirty="0" err="1"/>
-              <a:t>detailed</a:t>
-            </a:r>
-            <a:r>
-              <a:rPr lang="nl-NL" dirty="0"/>
-              <a:t> agenda</a:t>
-            </a:r>
-          </a:p>
-        </p:txBody>
-      </p:sp>
-      <p:sp>
-        <p:nvSpPr>
-          <p:cNvPr id="3" name="Tijdelijke aanduiding voor inhoud 2"/>
-          <p:cNvSpPr>
-            <a:spLocks noGrp="1"/>
-          </p:cNvSpPr>
-          <p:nvPr>
-            <p:ph idx="1"/>
-          </p:nvPr>
-        </p:nvSpPr>
-        <p:spPr/>
-        <p:txBody>
-          <a:bodyPr/>
-          <a:lstStyle/>
-          <a:p>
-            <a:r>
-              <a:rPr lang="nl-NL" dirty="0" err="1"/>
-              <a:t>What</a:t>
-            </a:r>
-            <a:r>
-              <a:rPr lang="nl-NL" dirty="0"/>
-              <a:t> is </a:t>
-            </a:r>
-            <a:r>
-              <a:rPr lang="nl-NL" b="1" dirty="0" err="1"/>
-              <a:t>dynamic</a:t>
-            </a:r>
-            <a:r>
-              <a:rPr lang="nl-NL" b="1" dirty="0"/>
-              <a:t> </a:t>
-            </a:r>
-            <a:r>
-              <a:rPr lang="nl-NL" b="1" dirty="0" err="1"/>
-              <a:t>programming</a:t>
-            </a:r>
-            <a:r>
-              <a:rPr lang="nl-NL" dirty="0"/>
-              <a:t>?</a:t>
-            </a:r>
-          </a:p>
-          <a:p>
-            <a:pPr lvl="1"/>
-            <a:r>
-              <a:rPr lang="nl-NL" dirty="0"/>
-              <a:t>Fibonacci </a:t>
-            </a:r>
-            <a:r>
-              <a:rPr lang="nl-NL" dirty="0" err="1"/>
-              <a:t>example</a:t>
-            </a:r>
-            <a:r>
-              <a:rPr lang="nl-NL" dirty="0"/>
-              <a:t>; </a:t>
-            </a:r>
-            <a:r>
-              <a:rPr lang="nl-NL" dirty="0" err="1"/>
-              <a:t>memoization</a:t>
-            </a:r>
-            <a:r>
-              <a:rPr lang="nl-NL" dirty="0"/>
-              <a:t> </a:t>
-            </a:r>
-            <a:r>
-              <a:rPr lang="nl-NL" dirty="0" err="1"/>
-              <a:t>and</a:t>
-            </a:r>
-            <a:r>
-              <a:rPr lang="nl-NL" dirty="0"/>
-              <a:t> bottom-up approaches</a:t>
-            </a:r>
-          </a:p>
-          <a:p>
-            <a:r>
-              <a:rPr lang="nl-NL" dirty="0"/>
-              <a:t>How </a:t>
-            </a:r>
-            <a:r>
-              <a:rPr lang="nl-NL" dirty="0" err="1"/>
-              <a:t>can</a:t>
-            </a:r>
-            <a:r>
-              <a:rPr lang="nl-NL" dirty="0"/>
-              <a:t> we </a:t>
-            </a:r>
-            <a:r>
-              <a:rPr lang="nl-NL" dirty="0" err="1"/>
-              <a:t>find</a:t>
-            </a:r>
-            <a:r>
-              <a:rPr lang="nl-NL" dirty="0"/>
-              <a:t> the </a:t>
-            </a:r>
-            <a:r>
-              <a:rPr lang="nl-NL" dirty="0" err="1"/>
-              <a:t>shortest</a:t>
-            </a:r>
-            <a:r>
-              <a:rPr lang="nl-NL" dirty="0"/>
-              <a:t> </a:t>
-            </a:r>
-            <a:r>
-              <a:rPr lang="nl-NL" dirty="0" err="1"/>
-              <a:t>paths</a:t>
-            </a:r>
-            <a:r>
-              <a:rPr lang="nl-NL" dirty="0"/>
-              <a:t> </a:t>
-            </a:r>
-            <a:r>
-              <a:rPr lang="nl-NL" dirty="0" err="1"/>
-              <a:t>between</a:t>
-            </a:r>
-            <a:r>
-              <a:rPr lang="nl-NL" dirty="0"/>
-              <a:t> </a:t>
-            </a:r>
-            <a:r>
-              <a:rPr lang="nl-NL" b="1" dirty="0" err="1"/>
-              <a:t>all</a:t>
-            </a:r>
-            <a:r>
-              <a:rPr lang="nl-NL" b="1" dirty="0"/>
-              <a:t> pairs </a:t>
-            </a:r>
-            <a:r>
-              <a:rPr lang="nl-NL" dirty="0"/>
-              <a:t>of </a:t>
-            </a:r>
-            <a:r>
-              <a:rPr lang="nl-NL" dirty="0" err="1"/>
-              <a:t>nodes</a:t>
-            </a:r>
-            <a:r>
-              <a:rPr lang="nl-NL" dirty="0"/>
-              <a:t> in a </a:t>
-            </a:r>
-            <a:r>
-              <a:rPr lang="nl-NL" dirty="0" err="1"/>
-              <a:t>graph</a:t>
-            </a:r>
-            <a:r>
-              <a:rPr lang="nl-NL" dirty="0"/>
-              <a:t>?</a:t>
-            </a:r>
-          </a:p>
-          <a:p>
-            <a:pPr lvl="1"/>
-            <a:r>
-              <a:rPr lang="nl-NL" dirty="0"/>
-              <a:t>Floyd </a:t>
-            </a:r>
-            <a:r>
-              <a:rPr lang="nl-NL" dirty="0" err="1"/>
-              <a:t>Warshall</a:t>
-            </a:r>
-            <a:r>
-              <a:rPr lang="nl-NL" dirty="0"/>
-              <a:t> </a:t>
-            </a:r>
-            <a:r>
-              <a:rPr lang="nl-NL" dirty="0" err="1"/>
-              <a:t>algorithm</a:t>
-            </a:r>
-            <a:endParaRPr lang="nl-NL" dirty="0"/>
-          </a:p>
-        </p:txBody>
-      </p:sp>
-      <p:sp>
-        <p:nvSpPr>
-          <p:cNvPr id="4" name="Tijdelijke aanduiding voor voettekst 3"/>
-          <p:cNvSpPr>
-            <a:spLocks noGrp="1"/>
-          </p:cNvSpPr>
-          <p:nvPr>
-            <p:ph type="ftr" sz="quarter" idx="11"/>
-          </p:nvPr>
-        </p:nvSpPr>
-        <p:spPr/>
-        <p:txBody>
-          <a:bodyPr/>
-          <a:lstStyle/>
-          <a:p>
-            <a:r>
-              <a:rPr lang="it-IT"/>
-              <a:t>INFDEV036A - G. Costantini, F. Di Giacomo</a:t>
-            </a:r>
-            <a:endParaRPr lang="en-GB"/>
-          </a:p>
-        </p:txBody>
-      </p:sp>
-    </p:spTree>
-    <p:extLst>
-      <p:ext uri="{BB962C8B-B14F-4D97-AF65-F5344CB8AC3E}">
-        <p14:creationId xmlns:p14="http://schemas.microsoft.com/office/powerpoint/2010/main" val="3714923865"/>
-      </p:ext>
-    </p:extLst>
-  </p:cSld>
-  <p:clrMapOvr>
-    <a:masterClrMapping/>
-  </p:clrMapOvr>
-</p:sld>
-</file>
-
-<file path=ppt/slides/slide30.xml><?xml version="1.0" encoding="utf-8"?>
-<p:sld xmlns:a="http://schemas.openxmlformats.org/drawingml/2006/main" xmlns:r="http://schemas.openxmlformats.org/officeDocument/2006/relationships" xmlns:p="http://schemas.openxmlformats.org/presentationml/2006/main">
-  <p:cSld>
-    <p:spTree>
-      <p:nvGrpSpPr>
-        <p:cNvPr id="1" name=""/>
-        <p:cNvGrpSpPr/>
-        <p:nvPr/>
-      </p:nvGrpSpPr>
-      <p:grpSpPr>
-        <a:xfrm>
-          <a:off x="0" y="0"/>
-          <a:ext cx="0" cy="0"/>
-          <a:chOff x="0" y="0"/>
-          <a:chExt cx="0" cy="0"/>
-        </a:xfrm>
-      </p:grpSpPr>
-      <p:sp>
-        <p:nvSpPr>
-          <p:cNvPr id="2" name="Titel 1"/>
-          <p:cNvSpPr>
-            <a:spLocks noGrp="1"/>
-          </p:cNvSpPr>
-          <p:nvPr>
-            <p:ph type="title"/>
-          </p:nvPr>
-        </p:nvSpPr>
-        <p:spPr/>
-        <p:txBody>
-          <a:bodyPr/>
-          <a:lstStyle/>
-          <a:p>
-            <a:r>
-              <a:rPr lang="nl-NL" dirty="0"/>
-              <a:t>Floyd-</a:t>
-            </a:r>
-            <a:r>
-              <a:rPr lang="nl-NL" dirty="0" err="1"/>
-              <a:t>Warshall</a:t>
-            </a:r>
-            <a:r>
-              <a:rPr lang="nl-NL" dirty="0"/>
-              <a:t> </a:t>
-            </a:r>
-            <a:r>
-              <a:rPr lang="nl-NL" dirty="0" err="1"/>
-              <a:t>algorithm</a:t>
-            </a:r>
-            <a:endParaRPr lang="nl-NL" dirty="0"/>
-          </a:p>
-        </p:txBody>
-      </p:sp>
-      <p:sp>
-        <p:nvSpPr>
-          <p:cNvPr id="3" name="Tijdelijke aanduiding voor inhoud 2"/>
-          <p:cNvSpPr>
-            <a:spLocks noGrp="1"/>
-          </p:cNvSpPr>
-          <p:nvPr>
-            <p:ph idx="1"/>
-          </p:nvPr>
-        </p:nvSpPr>
-        <p:spPr/>
-        <p:txBody>
-          <a:bodyPr/>
-          <a:lstStyle/>
-          <a:p>
-            <a:r>
-              <a:rPr lang="nl-NL" dirty="0" err="1"/>
-              <a:t>Example</a:t>
-            </a:r>
-            <a:r>
-              <a:rPr lang="nl-NL" dirty="0"/>
-              <a:t> </a:t>
-            </a:r>
-          </a:p>
-        </p:txBody>
-      </p:sp>
-      <p:sp>
-        <p:nvSpPr>
-          <p:cNvPr id="4" name="Tijdelijke aanduiding voor voettekst 3"/>
-          <p:cNvSpPr>
-            <a:spLocks noGrp="1"/>
-          </p:cNvSpPr>
-          <p:nvPr>
-            <p:ph type="ftr" sz="quarter" idx="11"/>
-          </p:nvPr>
-        </p:nvSpPr>
-        <p:spPr/>
-        <p:txBody>
-          <a:bodyPr/>
-          <a:lstStyle/>
-          <a:p>
-            <a:r>
-              <a:rPr lang="it-IT"/>
-              <a:t>INFDEV036A - G. Costantini, F. Di Giacomo</a:t>
-            </a:r>
-            <a:endParaRPr lang="en-GB"/>
-          </a:p>
-        </p:txBody>
-      </p:sp>
-      <p:pic>
-        <p:nvPicPr>
-          <p:cNvPr id="2050" name="Picture 2" descr="Floyd-Warshall example.svg"/>
-          <p:cNvPicPr>
-            <a:picLocks noChangeAspect="1" noChangeArrowheads="1"/>
-          </p:cNvPicPr>
-          <p:nvPr/>
-        </p:nvPicPr>
-        <p:blipFill rotWithShape="1">
-          <a:blip r:embed="rId3">
-            <a:extLst>
-              <a:ext uri="{28A0092B-C50C-407E-A947-70E740481C1C}">
-                <a14:useLocalDpi xmlns:a14="http://schemas.microsoft.com/office/drawing/2010/main" val="0"/>
-              </a:ext>
-            </a:extLst>
-          </a:blip>
-          <a:srcRect r="31600"/>
-          <a:stretch/>
-        </p:blipFill>
-        <p:spPr bwMode="auto">
-          <a:xfrm>
-            <a:off x="354155" y="2525714"/>
-            <a:ext cx="6569159" cy="3880773"/>
-          </a:xfrm>
-          <a:prstGeom prst="rect">
-            <a:avLst/>
-          </a:prstGeom>
-          <a:noFill/>
-          <a:extLst>
-            <a:ext uri="{909E8E84-426E-40DD-AFC4-6F175D3DCCD1}">
-              <a14:hiddenFill xmlns:a14="http://schemas.microsoft.com/office/drawing/2010/main">
-                <a:solidFill>
-                  <a:srgbClr val="FFFFFF"/>
-                </a:solidFill>
-              </a14:hiddenFill>
-            </a:ext>
-          </a:extLst>
-        </p:spPr>
-      </p:pic>
-      <p:sp>
-        <p:nvSpPr>
-          <p:cNvPr id="5" name="Rechthoek 4"/>
-          <p:cNvSpPr/>
-          <p:nvPr/>
-        </p:nvSpPr>
-        <p:spPr>
-          <a:xfrm>
-            <a:off x="2220686" y="3929743"/>
-            <a:ext cx="1360714" cy="533400"/>
-          </a:xfrm>
-          <a:prstGeom prst="rect">
-            <a:avLst/>
-          </a:prstGeom>
-          <a:ln>
-            <a:solidFill>
-              <a:schemeClr val="bg1"/>
-            </a:solidFill>
-          </a:ln>
-        </p:spPr>
-        <p:style>
-          <a:lnRef idx="2">
-            <a:schemeClr val="accent6"/>
-          </a:lnRef>
-          <a:fillRef idx="1">
-            <a:schemeClr val="lt1"/>
-          </a:fillRef>
-          <a:effectRef idx="0">
-            <a:schemeClr val="accent6"/>
-          </a:effectRef>
-          <a:fontRef idx="minor">
-            <a:schemeClr val="dk1"/>
-          </a:fontRef>
-        </p:style>
-        <p:txBody>
-          <a:bodyPr rtlCol="0" anchor="ctr"/>
-          <a:lstStyle/>
-          <a:p>
-            <a:pPr algn="ctr"/>
-            <a:endParaRPr lang="nl-NL"/>
-          </a:p>
-        </p:txBody>
-      </p:sp>
-      <p:sp>
-        <p:nvSpPr>
-          <p:cNvPr id="6" name="Rechthoek 5"/>
-          <p:cNvSpPr/>
-          <p:nvPr/>
-        </p:nvSpPr>
-        <p:spPr>
-          <a:xfrm>
-            <a:off x="3831771" y="4942114"/>
-            <a:ext cx="2939143" cy="1464373"/>
-          </a:xfrm>
-          <a:prstGeom prst="rect">
-            <a:avLst/>
-          </a:prstGeom>
-          <a:ln>
-            <a:solidFill>
-              <a:schemeClr val="bg1"/>
-            </a:solidFill>
-          </a:ln>
-        </p:spPr>
-        <p:style>
-          <a:lnRef idx="2">
-            <a:schemeClr val="accent6"/>
-          </a:lnRef>
-          <a:fillRef idx="1">
-            <a:schemeClr val="lt1"/>
-          </a:fillRef>
-          <a:effectRef idx="0">
-            <a:schemeClr val="accent6"/>
-          </a:effectRef>
-          <a:fontRef idx="minor">
-            <a:schemeClr val="dk1"/>
-          </a:fontRef>
-        </p:style>
-        <p:txBody>
-          <a:bodyPr rtlCol="0" anchor="ctr"/>
-          <a:lstStyle/>
-          <a:p>
-            <a:pPr algn="ctr"/>
-            <a:endParaRPr lang="nl-NL"/>
-          </a:p>
-        </p:txBody>
-      </p:sp>
-    </p:spTree>
-    <p:extLst>
-      <p:ext uri="{BB962C8B-B14F-4D97-AF65-F5344CB8AC3E}">
-        <p14:creationId xmlns:p14="http://schemas.microsoft.com/office/powerpoint/2010/main" val="1746263092"/>
-      </p:ext>
-    </p:extLst>
-  </p:cSld>
-  <p:clrMapOvr>
-    <a:masterClrMapping/>
-  </p:clrMapOvr>
-</p:sld>
-</file>
-
-<file path=ppt/slides/slide31.xml><?xml version="1.0" encoding="utf-8"?>
-<p:sld xmlns:a="http://schemas.openxmlformats.org/drawingml/2006/main" xmlns:r="http://schemas.openxmlformats.org/officeDocument/2006/relationships" xmlns:p="http://schemas.openxmlformats.org/presentationml/2006/main">
-  <p:cSld>
-    <p:spTree>
-      <p:nvGrpSpPr>
-        <p:cNvPr id="1" name=""/>
-        <p:cNvGrpSpPr/>
-        <p:nvPr/>
-      </p:nvGrpSpPr>
-      <p:grpSpPr>
-        <a:xfrm>
-          <a:off x="0" y="0"/>
-          <a:ext cx="0" cy="0"/>
-          <a:chOff x="0" y="0"/>
-          <a:chExt cx="0" cy="0"/>
-        </a:xfrm>
-      </p:grpSpPr>
-      <p:sp>
-        <p:nvSpPr>
-          <p:cNvPr id="2" name="Titel 1"/>
-          <p:cNvSpPr>
-            <a:spLocks noGrp="1"/>
-          </p:cNvSpPr>
-          <p:nvPr>
-            <p:ph type="title"/>
-          </p:nvPr>
-        </p:nvSpPr>
-        <p:spPr/>
-        <p:txBody>
-          <a:bodyPr/>
-          <a:lstStyle/>
-          <a:p>
-            <a:r>
-              <a:rPr lang="nl-NL" dirty="0"/>
-              <a:t>Floyd-</a:t>
-            </a:r>
-            <a:r>
-              <a:rPr lang="nl-NL" dirty="0" err="1"/>
-              <a:t>Warshall</a:t>
-            </a:r>
-            <a:r>
-              <a:rPr lang="nl-NL" dirty="0"/>
-              <a:t> </a:t>
-            </a:r>
-            <a:r>
-              <a:rPr lang="nl-NL" dirty="0" err="1"/>
-              <a:t>algorithm</a:t>
-            </a:r>
-            <a:endParaRPr lang="nl-NL" dirty="0"/>
-          </a:p>
-        </p:txBody>
-      </p:sp>
-      <p:sp>
-        <p:nvSpPr>
-          <p:cNvPr id="3" name="Tijdelijke aanduiding voor inhoud 2"/>
-          <p:cNvSpPr>
-            <a:spLocks noGrp="1"/>
-          </p:cNvSpPr>
-          <p:nvPr>
-            <p:ph idx="1"/>
-          </p:nvPr>
-        </p:nvSpPr>
-        <p:spPr/>
-        <p:txBody>
-          <a:bodyPr/>
-          <a:lstStyle/>
-          <a:p>
-            <a:r>
-              <a:rPr lang="nl-NL" dirty="0" err="1"/>
-              <a:t>Example</a:t>
-            </a:r>
-            <a:r>
-              <a:rPr lang="nl-NL" dirty="0"/>
-              <a:t> </a:t>
-            </a:r>
-          </a:p>
-        </p:txBody>
-      </p:sp>
-      <p:sp>
-        <p:nvSpPr>
-          <p:cNvPr id="4" name="Tijdelijke aanduiding voor voettekst 3"/>
-          <p:cNvSpPr>
-            <a:spLocks noGrp="1"/>
-          </p:cNvSpPr>
-          <p:nvPr>
-            <p:ph type="ftr" sz="quarter" idx="11"/>
-          </p:nvPr>
-        </p:nvSpPr>
-        <p:spPr/>
-        <p:txBody>
-          <a:bodyPr/>
-          <a:lstStyle/>
-          <a:p>
-            <a:r>
-              <a:rPr lang="it-IT"/>
-              <a:t>INFDEV036A - G. Costantini, F. Di Giacomo</a:t>
-            </a:r>
-            <a:endParaRPr lang="en-GB"/>
-          </a:p>
-        </p:txBody>
-      </p:sp>
-      <p:pic>
-        <p:nvPicPr>
-          <p:cNvPr id="2050" name="Picture 2" descr="Floyd-Warshall example.svg"/>
-          <p:cNvPicPr>
-            <a:picLocks noChangeAspect="1" noChangeArrowheads="1"/>
-          </p:cNvPicPr>
-          <p:nvPr/>
-        </p:nvPicPr>
-        <p:blipFill rotWithShape="1">
-          <a:blip r:embed="rId3">
-            <a:extLst>
-              <a:ext uri="{28A0092B-C50C-407E-A947-70E740481C1C}">
-                <a14:useLocalDpi xmlns:a14="http://schemas.microsoft.com/office/drawing/2010/main" val="0"/>
-              </a:ext>
-            </a:extLst>
-          </a:blip>
-          <a:srcRect r="32280"/>
-          <a:stretch/>
-        </p:blipFill>
-        <p:spPr bwMode="auto">
-          <a:xfrm>
-            <a:off x="354155" y="2525714"/>
-            <a:ext cx="6503845" cy="3880773"/>
-          </a:xfrm>
-          <a:prstGeom prst="rect">
-            <a:avLst/>
-          </a:prstGeom>
-          <a:noFill/>
-          <a:extLst>
-            <a:ext uri="{909E8E84-426E-40DD-AFC4-6F175D3DCCD1}">
-              <a14:hiddenFill xmlns:a14="http://schemas.microsoft.com/office/drawing/2010/main">
-                <a:solidFill>
-                  <a:srgbClr val="FFFFFF"/>
-                </a:solidFill>
-              </a14:hiddenFill>
-            </a:ext>
-          </a:extLst>
-        </p:spPr>
-      </p:pic>
-      <p:sp>
-        <p:nvSpPr>
-          <p:cNvPr id="6" name="Rechthoek 5"/>
-          <p:cNvSpPr/>
-          <p:nvPr/>
-        </p:nvSpPr>
-        <p:spPr>
-          <a:xfrm>
-            <a:off x="2220686" y="3929743"/>
-            <a:ext cx="1360714" cy="533400"/>
-          </a:xfrm>
-          <a:prstGeom prst="rect">
-            <a:avLst/>
-          </a:prstGeom>
-          <a:ln>
-            <a:solidFill>
-              <a:schemeClr val="bg1"/>
-            </a:solidFill>
-          </a:ln>
-        </p:spPr>
-        <p:style>
-          <a:lnRef idx="2">
-            <a:schemeClr val="accent6"/>
-          </a:lnRef>
-          <a:fillRef idx="1">
-            <a:schemeClr val="lt1"/>
-          </a:fillRef>
-          <a:effectRef idx="0">
-            <a:schemeClr val="accent6"/>
-          </a:effectRef>
-          <a:fontRef idx="minor">
-            <a:schemeClr val="dk1"/>
-          </a:fontRef>
-        </p:style>
-        <p:txBody>
-          <a:bodyPr rtlCol="0" anchor="ctr"/>
-          <a:lstStyle/>
-          <a:p>
-            <a:pPr algn="ctr"/>
-            <a:endParaRPr lang="nl-NL"/>
-          </a:p>
-        </p:txBody>
-      </p:sp>
-    </p:spTree>
-    <p:extLst>
-      <p:ext uri="{BB962C8B-B14F-4D97-AF65-F5344CB8AC3E}">
-        <p14:creationId xmlns:p14="http://schemas.microsoft.com/office/powerpoint/2010/main" val="3512377196"/>
-      </p:ext>
-    </p:extLst>
-  </p:cSld>
-  <p:clrMapOvr>
-    <a:masterClrMapping/>
-  </p:clrMapOvr>
-</p:sld>
-</file>
-
-<file path=ppt/slides/slide32.xml><?xml version="1.0" encoding="utf-8"?>
-<p:sld xmlns:a="http://schemas.openxmlformats.org/drawingml/2006/main" xmlns:r="http://schemas.openxmlformats.org/officeDocument/2006/relationships" xmlns:p="http://schemas.openxmlformats.org/presentationml/2006/main">
-  <p:cSld>
-    <p:spTree>
-      <p:nvGrpSpPr>
-        <p:cNvPr id="1" name=""/>
-        <p:cNvGrpSpPr/>
-        <p:nvPr/>
-      </p:nvGrpSpPr>
-      <p:grpSpPr>
-        <a:xfrm>
-          <a:off x="0" y="0"/>
-          <a:ext cx="0" cy="0"/>
-          <a:chOff x="0" y="0"/>
-          <a:chExt cx="0" cy="0"/>
-        </a:xfrm>
-      </p:grpSpPr>
-      <p:sp>
-        <p:nvSpPr>
-          <p:cNvPr id="2" name="Titel 1"/>
-          <p:cNvSpPr>
-            <a:spLocks noGrp="1"/>
-          </p:cNvSpPr>
-          <p:nvPr>
-            <p:ph type="title"/>
-          </p:nvPr>
-        </p:nvSpPr>
-        <p:spPr/>
-        <p:txBody>
-          <a:bodyPr/>
-          <a:lstStyle/>
-          <a:p>
-            <a:r>
-              <a:rPr lang="nl-NL" dirty="0"/>
-              <a:t>Floyd-</a:t>
-            </a:r>
-            <a:r>
-              <a:rPr lang="nl-NL" dirty="0" err="1"/>
-              <a:t>Warshall</a:t>
-            </a:r>
-            <a:r>
-              <a:rPr lang="nl-NL" dirty="0"/>
-              <a:t> </a:t>
-            </a:r>
-            <a:r>
-              <a:rPr lang="nl-NL" dirty="0" err="1"/>
-              <a:t>algorithm</a:t>
-            </a:r>
-            <a:endParaRPr lang="nl-NL" dirty="0"/>
-          </a:p>
-        </p:txBody>
-      </p:sp>
-      <p:sp>
-        <p:nvSpPr>
-          <p:cNvPr id="3" name="Tijdelijke aanduiding voor inhoud 2"/>
-          <p:cNvSpPr>
-            <a:spLocks noGrp="1"/>
-          </p:cNvSpPr>
-          <p:nvPr>
-            <p:ph idx="1"/>
-          </p:nvPr>
-        </p:nvSpPr>
-        <p:spPr/>
-        <p:txBody>
-          <a:bodyPr/>
-          <a:lstStyle/>
-          <a:p>
-            <a:r>
-              <a:rPr lang="nl-NL" dirty="0" err="1"/>
-              <a:t>Example</a:t>
-            </a:r>
-            <a:r>
-              <a:rPr lang="nl-NL" dirty="0"/>
-              <a:t> </a:t>
-            </a:r>
-          </a:p>
-        </p:txBody>
-      </p:sp>
-      <p:sp>
-        <p:nvSpPr>
-          <p:cNvPr id="4" name="Tijdelijke aanduiding voor voettekst 3"/>
-          <p:cNvSpPr>
-            <a:spLocks noGrp="1"/>
-          </p:cNvSpPr>
-          <p:nvPr>
-            <p:ph type="ftr" sz="quarter" idx="11"/>
-          </p:nvPr>
-        </p:nvSpPr>
-        <p:spPr/>
-        <p:txBody>
-          <a:bodyPr/>
-          <a:lstStyle/>
-          <a:p>
-            <a:r>
-              <a:rPr lang="it-IT"/>
-              <a:t>INFDEV036A - G. Costantini, F. Di Giacomo</a:t>
-            </a:r>
-            <a:endParaRPr lang="en-GB"/>
-          </a:p>
-        </p:txBody>
-      </p:sp>
-      <p:pic>
-        <p:nvPicPr>
-          <p:cNvPr id="2050" name="Picture 2" descr="Floyd-Warshall example.svg"/>
-          <p:cNvPicPr>
-            <a:picLocks noChangeAspect="1" noChangeArrowheads="1"/>
-          </p:cNvPicPr>
-          <p:nvPr/>
-        </p:nvPicPr>
-        <p:blipFill>
-          <a:blip r:embed="rId3">
-            <a:extLst>
-              <a:ext uri="{28A0092B-C50C-407E-A947-70E740481C1C}">
-                <a14:useLocalDpi xmlns:a14="http://schemas.microsoft.com/office/drawing/2010/main" val="0"/>
-              </a:ext>
-            </a:extLst>
-          </a:blip>
-          <a:srcRect/>
-          <a:stretch>
-            <a:fillRect/>
-          </a:stretch>
-        </p:blipFill>
-        <p:spPr bwMode="auto">
-          <a:xfrm>
-            <a:off x="354155" y="2525714"/>
-            <a:ext cx="9604005" cy="3880773"/>
-          </a:xfrm>
-          <a:prstGeom prst="rect">
-            <a:avLst/>
-          </a:prstGeom>
-          <a:noFill/>
-          <a:extLst>
-            <a:ext uri="{909E8E84-426E-40DD-AFC4-6F175D3DCCD1}">
-              <a14:hiddenFill xmlns:a14="http://schemas.microsoft.com/office/drawing/2010/main">
-                <a:solidFill>
-                  <a:srgbClr val="FFFFFF"/>
-                </a:solidFill>
-              </a14:hiddenFill>
-            </a:ext>
-          </a:extLst>
-        </p:spPr>
-      </p:pic>
-      <p:sp>
-        <p:nvSpPr>
-          <p:cNvPr id="6" name="Rechthoek 5"/>
-          <p:cNvSpPr/>
-          <p:nvPr/>
-        </p:nvSpPr>
-        <p:spPr>
-          <a:xfrm>
-            <a:off x="2220686" y="3929743"/>
-            <a:ext cx="1360714" cy="533400"/>
-          </a:xfrm>
-          <a:prstGeom prst="rect">
-            <a:avLst/>
-          </a:prstGeom>
-          <a:ln>
-            <a:solidFill>
-              <a:schemeClr val="bg1"/>
-            </a:solidFill>
-          </a:ln>
-        </p:spPr>
-        <p:style>
-          <a:lnRef idx="2">
-            <a:schemeClr val="accent6"/>
-          </a:lnRef>
-          <a:fillRef idx="1">
-            <a:schemeClr val="lt1"/>
-          </a:fillRef>
-          <a:effectRef idx="0">
-            <a:schemeClr val="accent6"/>
-          </a:effectRef>
-          <a:fontRef idx="minor">
-            <a:schemeClr val="dk1"/>
-          </a:fontRef>
-        </p:style>
-        <p:txBody>
-          <a:bodyPr rtlCol="0" anchor="ctr"/>
-          <a:lstStyle/>
-          <a:p>
-            <a:pPr algn="ctr"/>
-            <a:endParaRPr lang="nl-NL"/>
-          </a:p>
-        </p:txBody>
-      </p:sp>
-    </p:spTree>
-    <p:extLst>
-      <p:ext uri="{BB962C8B-B14F-4D97-AF65-F5344CB8AC3E}">
-        <p14:creationId xmlns:p14="http://schemas.microsoft.com/office/powerpoint/2010/main" val="124051083"/>
-      </p:ext>
-    </p:extLst>
-  </p:cSld>
-  <p:clrMapOvr>
-    <a:masterClrMapping/>
-  </p:clrMapOvr>
-</p:sld>
-</file>
-
 <file path=ppt/slides/slide33.xml><?xml version="1.0" encoding="utf-8"?>
 <p:sld xmlns:a="http://schemas.openxmlformats.org/drawingml/2006/main" xmlns:r="http://schemas.openxmlformats.org/officeDocument/2006/relationships" xmlns:p="http://schemas.openxmlformats.org/presentationml/2006/main">
   <p:cSld>
@@ -17873,8 +18637,8 @@
           </a:p>
         </p:txBody>
       </p:sp>
-      <mc:AlternateContent xmlns:mc="http://schemas.openxmlformats.org/markup-compatibility/2006">
-        <mc:Choice xmlns:a14="http://schemas.microsoft.com/office/drawing/2010/main" Requires="a14">
+      <mc:AlternateContent xmlns:mc="http://schemas.openxmlformats.org/markup-compatibility/2006" xmlns:a14="http://schemas.microsoft.com/office/drawing/2010/main">
+        <mc:Choice Requires="a14">
           <p:sp>
             <p:nvSpPr>
               <p:cNvPr id="3" name="Tijdelijke aanduiding voor inhoud 2"/>
@@ -17985,7 +18749,7 @@
             </p:txBody>
           </p:sp>
         </mc:Choice>
-        <mc:Fallback>
+        <mc:Fallback xmlns="">
           <p:sp>
             <p:nvSpPr>
               <p:cNvPr id="3" name="Tijdelijke aanduiding voor inhoud 2"/>
@@ -18156,10 +18920,9 @@
               <a:t>use</a:t>
             </a:r>
             <a:r>
-              <a:rPr lang="nl-NL"/>
+              <a:rPr lang="nl-NL" dirty="0"/>
               <a:t> Chrome</a:t>
             </a:r>
-            <a:endParaRPr lang="nl-NL" dirty="0"/>
           </a:p>
           <a:p>
             <a:r>
@@ -18494,6 +19257,174 @@
   <p:clrMapOvr>
     <a:masterClrMapping/>
   </p:clrMapOvr>
+  <p:timing>
+    <p:tnLst>
+      <p:par>
+        <p:cTn id="1" dur="indefinite" restart="never" nodeType="tmRoot">
+          <p:childTnLst>
+            <p:seq concurrent="1" nextAc="seek">
+              <p:cTn id="2" dur="indefinite" nodeType="mainSeq">
+                <p:childTnLst>
+                  <p:par>
+                    <p:cTn id="3" fill="hold">
+                      <p:stCondLst>
+                        <p:cond delay="indefinite"/>
+                      </p:stCondLst>
+                      <p:childTnLst>
+                        <p:par>
+                          <p:cTn id="4" fill="hold">
+                            <p:stCondLst>
+                              <p:cond delay="0"/>
+                            </p:stCondLst>
+                            <p:childTnLst>
+                              <p:par>
+                                <p:cTn id="5" presetID="1" presetClass="entr" presetSubtype="0" fill="hold" nodeType="clickEffect">
+                                  <p:stCondLst>
+                                    <p:cond delay="0"/>
+                                  </p:stCondLst>
+                                  <p:childTnLst>
+                                    <p:set>
+                                      <p:cBhvr>
+                                        <p:cTn id="6" dur="1" fill="hold">
+                                          <p:stCondLst>
+                                            <p:cond delay="0"/>
+                                          </p:stCondLst>
+                                        </p:cTn>
+                                        <p:tgtEl>
+                                          <p:spTgt spid="3">
+                                            <p:txEl>
+                                              <p:pRg st="7" end="7"/>
+                                            </p:txEl>
+                                          </p:spTgt>
+                                        </p:tgtEl>
+                                        <p:attrNameLst>
+                                          <p:attrName>style.visibility</p:attrName>
+                                        </p:attrNameLst>
+                                      </p:cBhvr>
+                                      <p:to>
+                                        <p:strVal val="visible"/>
+                                      </p:to>
+                                    </p:set>
+                                  </p:childTnLst>
+                                </p:cTn>
+                              </p:par>
+                              <p:par>
+                                <p:cTn id="7" presetID="1" presetClass="entr" presetSubtype="0" fill="hold" nodeType="withEffect">
+                                  <p:stCondLst>
+                                    <p:cond delay="0"/>
+                                  </p:stCondLst>
+                                  <p:childTnLst>
+                                    <p:set>
+                                      <p:cBhvr>
+                                        <p:cTn id="8" dur="1" fill="hold">
+                                          <p:stCondLst>
+                                            <p:cond delay="0"/>
+                                          </p:stCondLst>
+                                        </p:cTn>
+                                        <p:tgtEl>
+                                          <p:spTgt spid="3">
+                                            <p:txEl>
+                                              <p:pRg st="8" end="8"/>
+                                            </p:txEl>
+                                          </p:spTgt>
+                                        </p:tgtEl>
+                                        <p:attrNameLst>
+                                          <p:attrName>style.visibility</p:attrName>
+                                        </p:attrNameLst>
+                                      </p:cBhvr>
+                                      <p:to>
+                                        <p:strVal val="visible"/>
+                                      </p:to>
+                                    </p:set>
+                                  </p:childTnLst>
+                                </p:cTn>
+                              </p:par>
+                              <p:par>
+                                <p:cTn id="9" presetID="1" presetClass="entr" presetSubtype="0" fill="hold" nodeType="withEffect">
+                                  <p:stCondLst>
+                                    <p:cond delay="0"/>
+                                  </p:stCondLst>
+                                  <p:childTnLst>
+                                    <p:set>
+                                      <p:cBhvr>
+                                        <p:cTn id="10" dur="1" fill="hold">
+                                          <p:stCondLst>
+                                            <p:cond delay="0"/>
+                                          </p:stCondLst>
+                                        </p:cTn>
+                                        <p:tgtEl>
+                                          <p:spTgt spid="3">
+                                            <p:txEl>
+                                              <p:pRg st="9" end="9"/>
+                                            </p:txEl>
+                                          </p:spTgt>
+                                        </p:tgtEl>
+                                        <p:attrNameLst>
+                                          <p:attrName>style.visibility</p:attrName>
+                                        </p:attrNameLst>
+                                      </p:cBhvr>
+                                      <p:to>
+                                        <p:strVal val="visible"/>
+                                      </p:to>
+                                    </p:set>
+                                  </p:childTnLst>
+                                </p:cTn>
+                              </p:par>
+                              <p:par>
+                                <p:cTn id="11" presetID="1" presetClass="entr" presetSubtype="0" fill="hold" nodeType="withEffect">
+                                  <p:stCondLst>
+                                    <p:cond delay="0"/>
+                                  </p:stCondLst>
+                                  <p:childTnLst>
+                                    <p:set>
+                                      <p:cBhvr>
+                                        <p:cTn id="12" dur="1" fill="hold">
+                                          <p:stCondLst>
+                                            <p:cond delay="0"/>
+                                          </p:stCondLst>
+                                        </p:cTn>
+                                        <p:tgtEl>
+                                          <p:spTgt spid="1026"/>
+                                        </p:tgtEl>
+                                        <p:attrNameLst>
+                                          <p:attrName>style.visibility</p:attrName>
+                                        </p:attrNameLst>
+                                      </p:cBhvr>
+                                      <p:to>
+                                        <p:strVal val="visible"/>
+                                      </p:to>
+                                    </p:set>
+                                  </p:childTnLst>
+                                </p:cTn>
+                              </p:par>
+                            </p:childTnLst>
+                          </p:cTn>
+                        </p:par>
+                      </p:childTnLst>
+                    </p:cTn>
+                  </p:par>
+                </p:childTnLst>
+              </p:cTn>
+              <p:prevCondLst>
+                <p:cond evt="onPrev" delay="0">
+                  <p:tgtEl>
+                    <p:sldTgt/>
+                  </p:tgtEl>
+                </p:cond>
+              </p:prevCondLst>
+              <p:nextCondLst>
+                <p:cond evt="onNext" delay="0">
+                  <p:tgtEl>
+                    <p:sldTgt/>
+                  </p:tgtEl>
+                </p:cond>
+              </p:nextCondLst>
+            </p:seq>
+          </p:childTnLst>
+        </p:cTn>
+      </p:par>
+    </p:tnLst>
+  </p:timing>
 </p:sld>
 </file>
 
@@ -18945,6 +19876,147 @@
   <p:clrMapOvr>
     <a:masterClrMapping/>
   </p:clrMapOvr>
+  <p:timing>
+    <p:tnLst>
+      <p:par>
+        <p:cTn id="1" dur="indefinite" restart="never" nodeType="tmRoot">
+          <p:childTnLst>
+            <p:seq concurrent="1" nextAc="seek">
+              <p:cTn id="2" dur="indefinite" nodeType="mainSeq">
+                <p:childTnLst>
+                  <p:par>
+                    <p:cTn id="3" fill="hold">
+                      <p:stCondLst>
+                        <p:cond delay="indefinite"/>
+                      </p:stCondLst>
+                      <p:childTnLst>
+                        <p:par>
+                          <p:cTn id="4" fill="hold">
+                            <p:stCondLst>
+                              <p:cond delay="0"/>
+                            </p:stCondLst>
+                            <p:childTnLst>
+                              <p:par>
+                                <p:cTn id="5" presetID="1" presetClass="entr" presetSubtype="0" fill="hold" nodeType="clickEffect">
+                                  <p:stCondLst>
+                                    <p:cond delay="0"/>
+                                  </p:stCondLst>
+                                  <p:childTnLst>
+                                    <p:set>
+                                      <p:cBhvr>
+                                        <p:cTn id="6" dur="1" fill="hold">
+                                          <p:stCondLst>
+                                            <p:cond delay="0"/>
+                                          </p:stCondLst>
+                                        </p:cTn>
+                                        <p:tgtEl>
+                                          <p:spTgt spid="3">
+                                            <p:txEl>
+                                              <p:pRg st="5" end="5"/>
+                                            </p:txEl>
+                                          </p:spTgt>
+                                        </p:tgtEl>
+                                        <p:attrNameLst>
+                                          <p:attrName>style.visibility</p:attrName>
+                                        </p:attrNameLst>
+                                      </p:cBhvr>
+                                      <p:to>
+                                        <p:strVal val="visible"/>
+                                      </p:to>
+                                    </p:set>
+                                  </p:childTnLst>
+                                </p:cTn>
+                              </p:par>
+                              <p:par>
+                                <p:cTn id="7" presetID="1" presetClass="entr" presetSubtype="0" fill="hold" nodeType="withEffect">
+                                  <p:stCondLst>
+                                    <p:cond delay="0"/>
+                                  </p:stCondLst>
+                                  <p:childTnLst>
+                                    <p:set>
+                                      <p:cBhvr>
+                                        <p:cTn id="8" dur="1" fill="hold">
+                                          <p:stCondLst>
+                                            <p:cond delay="0"/>
+                                          </p:stCondLst>
+                                        </p:cTn>
+                                        <p:tgtEl>
+                                          <p:spTgt spid="3">
+                                            <p:txEl>
+                                              <p:pRg st="6" end="6"/>
+                                            </p:txEl>
+                                          </p:spTgt>
+                                        </p:tgtEl>
+                                        <p:attrNameLst>
+                                          <p:attrName>style.visibility</p:attrName>
+                                        </p:attrNameLst>
+                                      </p:cBhvr>
+                                      <p:to>
+                                        <p:strVal val="visible"/>
+                                      </p:to>
+                                    </p:set>
+                                  </p:childTnLst>
+                                </p:cTn>
+                              </p:par>
+                              <p:par>
+                                <p:cTn id="9" presetID="1" presetClass="entr" presetSubtype="0" fill="hold" nodeType="withEffect">
+                                  <p:stCondLst>
+                                    <p:cond delay="0"/>
+                                  </p:stCondLst>
+                                  <p:childTnLst>
+                                    <p:set>
+                                      <p:cBhvr>
+                                        <p:cTn id="10" dur="1" fill="hold">
+                                          <p:stCondLst>
+                                            <p:cond delay="0"/>
+                                          </p:stCondLst>
+                                        </p:cTn>
+                                        <p:tgtEl>
+                                          <p:spTgt spid="3">
+                                            <p:txEl>
+                                              <p:pRg st="7" end="7"/>
+                                            </p:txEl>
+                                          </p:spTgt>
+                                        </p:tgtEl>
+                                        <p:attrNameLst>
+                                          <p:attrName>style.visibility</p:attrName>
+                                        </p:attrNameLst>
+                                      </p:cBhvr>
+                                      <p:to>
+                                        <p:strVal val="visible"/>
+                                      </p:to>
+                                    </p:set>
+                                  </p:childTnLst>
+                                </p:cTn>
+                              </p:par>
+                            </p:childTnLst>
+                          </p:cTn>
+                        </p:par>
+                      </p:childTnLst>
+                    </p:cTn>
+                  </p:par>
+                </p:childTnLst>
+              </p:cTn>
+              <p:prevCondLst>
+                <p:cond evt="onPrev" delay="0">
+                  <p:tgtEl>
+                    <p:sldTgt/>
+                  </p:tgtEl>
+                </p:cond>
+              </p:prevCondLst>
+              <p:nextCondLst>
+                <p:cond evt="onNext" delay="0">
+                  <p:tgtEl>
+                    <p:sldTgt/>
+                  </p:tgtEl>
+                </p:cond>
+              </p:nextCondLst>
+            </p:seq>
+          </p:childTnLst>
+        </p:cTn>
+      </p:par>
+    </p:tnLst>
+  </p:timing>
 </p:sld>
 </file>
 
@@ -19050,10 +20122,17 @@
                 <a:cs typeface="Consolas" panose="020B0609020204030204" pitchFamily="49" charset="0"/>
               </a:rPr>
             </a:br>
-            <a:endParaRPr lang="it-IT" dirty="0">
+            <a:endParaRPr lang="en-US" dirty="0">
               <a:latin typeface="Consolas" panose="020B0609020204030204" pitchFamily="49" charset="0"/>
               <a:cs typeface="Consolas" panose="020B0609020204030204" pitchFamily="49" charset="0"/>
             </a:endParaRPr>
+          </a:p>
+          <a:p>
+            <a:r>
+              <a:rPr lang="en-US" dirty="0"/>
+              <a:t>Execution time</a:t>
+            </a:r>
+            <a:endParaRPr lang="it-IT" dirty="0"/>
           </a:p>
         </p:txBody>
       </p:sp>
@@ -19089,13 +20168,13 @@
           <p:nvPr>
             <p:extLst>
               <p:ext uri="{D42A27DB-BD31-4B8C-83A1-F6EECF244321}">
-                <p14:modId xmlns:p14="http://schemas.microsoft.com/office/powerpoint/2010/main" val="2375161136"/>
+                <p14:modId xmlns:p14="http://schemas.microsoft.com/office/powerpoint/2010/main" val="2451917301"/>
               </p:ext>
             </p:extLst>
           </p:nvPr>
         </p:nvGraphicFramePr>
         <p:xfrm>
-          <a:off x="2925244" y="3666880"/>
+          <a:off x="3349402" y="4100975"/>
           <a:ext cx="3252532" cy="2225040"/>
         </p:xfrm>
         <a:graphic>
@@ -19468,6 +20547,81 @@
   <p:clrMapOvr>
     <a:masterClrMapping/>
   </p:clrMapOvr>
+  <p:timing>
+    <p:tnLst>
+      <p:par>
+        <p:cTn id="1" dur="indefinite" restart="never" nodeType="tmRoot">
+          <p:childTnLst>
+            <p:seq concurrent="1" nextAc="seek">
+              <p:cTn id="2" dur="indefinite" nodeType="mainSeq">
+                <p:childTnLst>
+                  <p:par>
+                    <p:cTn id="3" fill="hold">
+                      <p:stCondLst>
+                        <p:cond delay="indefinite"/>
+                      </p:stCondLst>
+                      <p:childTnLst>
+                        <p:par>
+                          <p:cTn id="4" fill="hold">
+                            <p:stCondLst>
+                              <p:cond delay="0"/>
+                            </p:stCondLst>
+                            <p:childTnLst>
+                              <p:par>
+                                <p:cTn id="5" presetID="1" presetClass="entr" presetSubtype="0" fill="hold" nodeType="clickEffect">
+                                  <p:stCondLst>
+                                    <p:cond delay="0"/>
+                                  </p:stCondLst>
+                                  <p:childTnLst>
+                                    <p:set>
+                                      <p:cBhvr>
+                                        <p:cTn id="6" dur="1" fill="hold">
+                                          <p:stCondLst>
+                                            <p:cond delay="0"/>
+                                          </p:stCondLst>
+                                        </p:cTn>
+                                        <p:tgtEl>
+                                          <p:spTgt spid="5"/>
+                                        </p:tgtEl>
+                                        <p:attrNameLst>
+                                          <p:attrName>style.visibility</p:attrName>
+                                        </p:attrNameLst>
+                                      </p:cBhvr>
+                                      <p:to>
+                                        <p:strVal val="visible"/>
+                                      </p:to>
+                                    </p:set>
+                                  </p:childTnLst>
+                                </p:cTn>
+                              </p:par>
+                            </p:childTnLst>
+                          </p:cTn>
+                        </p:par>
+                      </p:childTnLst>
+                    </p:cTn>
+                  </p:par>
+                </p:childTnLst>
+              </p:cTn>
+              <p:prevCondLst>
+                <p:cond evt="onPrev" delay="0">
+                  <p:tgtEl>
+                    <p:sldTgt/>
+                  </p:tgtEl>
+                </p:cond>
+              </p:prevCondLst>
+              <p:nextCondLst>
+                <p:cond evt="onNext" delay="0">
+                  <p:tgtEl>
+                    <p:sldTgt/>
+                  </p:tgtEl>
+                </p:cond>
+              </p:nextCondLst>
+            </p:seq>
+          </p:childTnLst>
+        </p:cTn>
+      </p:par>
+    </p:tnLst>
+  </p:timing>
 </p:sld>
 </file>
 
@@ -21152,7 +22306,7 @@
           <a:p>
             <a:r>
               <a:rPr lang="en-US" dirty="0"/>
-              <a:t>We are doing the same thing over and over again</a:t>
+              <a:t>We are doing the same thing over and over again!!!</a:t>
             </a:r>
           </a:p>
           <a:p>
@@ -21196,6 +22350,85 @@
   <p:clrMapOvr>
     <a:masterClrMapping/>
   </p:clrMapOvr>
+  <p:timing>
+    <p:tnLst>
+      <p:par>
+        <p:cTn id="1" dur="indefinite" restart="never" nodeType="tmRoot">
+          <p:childTnLst>
+            <p:seq concurrent="1" nextAc="seek">
+              <p:cTn id="2" dur="indefinite" nodeType="mainSeq">
+                <p:childTnLst>
+                  <p:par>
+                    <p:cTn id="3" fill="hold">
+                      <p:stCondLst>
+                        <p:cond delay="indefinite"/>
+                      </p:stCondLst>
+                      <p:childTnLst>
+                        <p:par>
+                          <p:cTn id="4" fill="hold">
+                            <p:stCondLst>
+                              <p:cond delay="0"/>
+                            </p:stCondLst>
+                            <p:childTnLst>
+                              <p:par>
+                                <p:cTn id="5" presetID="1" presetClass="entr" presetSubtype="0" fill="hold" nodeType="clickEffect">
+                                  <p:stCondLst>
+                                    <p:cond delay="0"/>
+                                  </p:stCondLst>
+                                  <p:childTnLst>
+                                    <p:set>
+                                      <p:cBhvr>
+                                        <p:cTn id="6" dur="1" fill="hold">
+                                          <p:stCondLst>
+                                            <p:cond delay="0"/>
+                                          </p:stCondLst>
+                                        </p:cTn>
+                                        <p:tgtEl>
+                                          <p:spTgt spid="5">
+                                            <p:txEl>
+                                              <p:pRg st="5" end="5"/>
+                                            </p:txEl>
+                                          </p:spTgt>
+                                        </p:tgtEl>
+                                        <p:attrNameLst>
+                                          <p:attrName>style.visibility</p:attrName>
+                                        </p:attrNameLst>
+                                      </p:cBhvr>
+                                      <p:to>
+                                        <p:strVal val="visible"/>
+                                      </p:to>
+                                    </p:set>
+                                  </p:childTnLst>
+                                </p:cTn>
+                              </p:par>
+                            </p:childTnLst>
+                          </p:cTn>
+                        </p:par>
+                      </p:childTnLst>
+                    </p:cTn>
+                  </p:par>
+                </p:childTnLst>
+              </p:cTn>
+              <p:prevCondLst>
+                <p:cond evt="onPrev" delay="0">
+                  <p:tgtEl>
+                    <p:sldTgt/>
+                  </p:tgtEl>
+                </p:cond>
+              </p:prevCondLst>
+              <p:nextCondLst>
+                <p:cond evt="onNext" delay="0">
+                  <p:tgtEl>
+                    <p:sldTgt/>
+                  </p:tgtEl>
+                </p:cond>
+              </p:nextCondLst>
+            </p:seq>
+          </p:childTnLst>
+        </p:cTn>
+      </p:par>
+    </p:tnLst>
+  </p:timing>
 </p:sld>
 </file>
 
@@ -21286,6 +22519,13 @@
           <a:p>
             <a:r>
               <a:rPr lang="en-US" dirty="0"/>
+              <a:t>Idea </a:t>
+            </a:r>
+          </a:p>
+          <a:p>
+            <a:pPr lvl="1"/>
+            <a:r>
+              <a:rPr lang="en-US" dirty="0"/>
               <a:t>Save the result of sub-problems into a data structure (</a:t>
             </a:r>
             <a:r>
@@ -21309,11 +22549,18 @@
           <a:p>
             <a:r>
               <a:rPr lang="en-US" dirty="0"/>
+              <a:t>New approach</a:t>
+            </a:r>
+          </a:p>
+          <a:p>
+            <a:pPr lvl="1"/>
+            <a:r>
+              <a:rPr lang="en-US" dirty="0"/>
               <a:t>Before making a recursive call, we check the lookup table…</a:t>
             </a:r>
           </a:p>
           <a:p>
-            <a:pPr lvl="1"/>
+            <a:pPr lvl="2"/>
             <a:r>
               <a:rPr lang="en-US" b="1" dirty="0"/>
               <a:t>Sub-problem never solved yet? </a:t>
@@ -21330,7 +22577,7 @@
             </a:r>
           </a:p>
           <a:p>
-            <a:pPr lvl="1"/>
+            <a:pPr lvl="2"/>
             <a:r>
               <a:rPr lang="en-US" b="1" dirty="0"/>
               <a:t>Sub-problem already solved? </a:t>
@@ -21347,6 +22594,7 @@
             </a:r>
           </a:p>
           <a:p>
+            <a:pPr lvl="1"/>
             <a:r>
               <a:rPr lang="en-US" dirty="0"/>
               <a:t>Add the result of the current recursive call to the lookup table</a:t>
@@ -21367,6 +22615,183 @@
   <p:clrMapOvr>
     <a:masterClrMapping/>
   </p:clrMapOvr>
+  <p:timing>
+    <p:tnLst>
+      <p:par>
+        <p:cTn id="1" dur="indefinite" restart="never" nodeType="tmRoot">
+          <p:childTnLst>
+            <p:seq concurrent="1" nextAc="seek">
+              <p:cTn id="2" dur="indefinite" nodeType="mainSeq">
+                <p:childTnLst>
+                  <p:par>
+                    <p:cTn id="3" fill="hold">
+                      <p:stCondLst>
+                        <p:cond delay="indefinite"/>
+                      </p:stCondLst>
+                      <p:childTnLst>
+                        <p:par>
+                          <p:cTn id="4" fill="hold">
+                            <p:stCondLst>
+                              <p:cond delay="0"/>
+                            </p:stCondLst>
+                            <p:childTnLst>
+                              <p:par>
+                                <p:cTn id="5" presetID="1" presetClass="entr" presetSubtype="0" fill="hold" nodeType="clickEffect">
+                                  <p:stCondLst>
+                                    <p:cond delay="0"/>
+                                  </p:stCondLst>
+                                  <p:childTnLst>
+                                    <p:set>
+                                      <p:cBhvr>
+                                        <p:cTn id="6" dur="1" fill="hold">
+                                          <p:stCondLst>
+                                            <p:cond delay="0"/>
+                                          </p:stCondLst>
+                                        </p:cTn>
+                                        <p:tgtEl>
+                                          <p:spTgt spid="5">
+                                            <p:txEl>
+                                              <p:pRg st="5" end="5"/>
+                                            </p:txEl>
+                                          </p:spTgt>
+                                        </p:tgtEl>
+                                        <p:attrNameLst>
+                                          <p:attrName>style.visibility</p:attrName>
+                                        </p:attrNameLst>
+                                      </p:cBhvr>
+                                      <p:to>
+                                        <p:strVal val="visible"/>
+                                      </p:to>
+                                    </p:set>
+                                  </p:childTnLst>
+                                </p:cTn>
+                              </p:par>
+                            </p:childTnLst>
+                          </p:cTn>
+                        </p:par>
+                      </p:childTnLst>
+                    </p:cTn>
+                  </p:par>
+                  <p:par>
+                    <p:cTn id="7" fill="hold">
+                      <p:stCondLst>
+                        <p:cond delay="indefinite"/>
+                      </p:stCondLst>
+                      <p:childTnLst>
+                        <p:par>
+                          <p:cTn id="8" fill="hold">
+                            <p:stCondLst>
+                              <p:cond delay="0"/>
+                            </p:stCondLst>
+                            <p:childTnLst>
+                              <p:par>
+                                <p:cTn id="9" presetID="1" presetClass="entr" presetSubtype="0" fill="hold" nodeType="clickEffect">
+                                  <p:stCondLst>
+                                    <p:cond delay="0"/>
+                                  </p:stCondLst>
+                                  <p:childTnLst>
+                                    <p:set>
+                                      <p:cBhvr>
+                                        <p:cTn id="10" dur="1" fill="hold">
+                                          <p:stCondLst>
+                                            <p:cond delay="0"/>
+                                          </p:stCondLst>
+                                        </p:cTn>
+                                        <p:tgtEl>
+                                          <p:spTgt spid="5">
+                                            <p:txEl>
+                                              <p:pRg st="6" end="6"/>
+                                            </p:txEl>
+                                          </p:spTgt>
+                                        </p:tgtEl>
+                                        <p:attrNameLst>
+                                          <p:attrName>style.visibility</p:attrName>
+                                        </p:attrNameLst>
+                                      </p:cBhvr>
+                                      <p:to>
+                                        <p:strVal val="visible"/>
+                                      </p:to>
+                                    </p:set>
+                                  </p:childTnLst>
+                                </p:cTn>
+                              </p:par>
+                            </p:childTnLst>
+                          </p:cTn>
+                        </p:par>
+                      </p:childTnLst>
+                    </p:cTn>
+                  </p:par>
+                  <p:par>
+                    <p:cTn id="11" fill="hold">
+                      <p:stCondLst>
+                        <p:cond delay="indefinite"/>
+                      </p:stCondLst>
+                      <p:childTnLst>
+                        <p:par>
+                          <p:cTn id="12" fill="hold">
+                            <p:stCondLst>
+                              <p:cond delay="0"/>
+                            </p:stCondLst>
+                            <p:childTnLst>
+                              <p:par>
+                                <p:cTn id="13" presetID="1" presetClass="entr" presetSubtype="0" fill="hold" nodeType="clickEffect">
+                                  <p:stCondLst>
+                                    <p:cond delay="0"/>
+                                  </p:stCondLst>
+                                  <p:childTnLst>
+                                    <p:set>
+                                      <p:cBhvr>
+                                        <p:cTn id="14" dur="1" fill="hold">
+                                          <p:stCondLst>
+                                            <p:cond delay="0"/>
+                                          </p:stCondLst>
+                                        </p:cTn>
+                                        <p:tgtEl>
+                                          <p:spTgt spid="5">
+                                            <p:txEl>
+                                              <p:pRg st="7" end="7"/>
+                                            </p:txEl>
+                                          </p:spTgt>
+                                        </p:tgtEl>
+                                        <p:attrNameLst>
+                                          <p:attrName>style.visibility</p:attrName>
+                                        </p:attrNameLst>
+                                      </p:cBhvr>
+                                      <p:to>
+                                        <p:strVal val="visible"/>
+                                      </p:to>
+                                    </p:set>
+                                  </p:childTnLst>
+                                </p:cTn>
+                              </p:par>
+                            </p:childTnLst>
+                          </p:cTn>
+                        </p:par>
+                      </p:childTnLst>
+                    </p:cTn>
+                  </p:par>
+                </p:childTnLst>
+              </p:cTn>
+              <p:prevCondLst>
+                <p:cond evt="onPrev" delay="0">
+                  <p:tgtEl>
+                    <p:sldTgt/>
+                  </p:tgtEl>
+                </p:cond>
+              </p:prevCondLst>
+              <p:nextCondLst>
+                <p:cond evt="onNext" delay="0">
+                  <p:tgtEl>
+                    <p:sldTgt/>
+                  </p:tgtEl>
+                </p:cond>
+              </p:nextCondLst>
+            </p:seq>
+          </p:childTnLst>
+        </p:cTn>
+      </p:par>
+    </p:tnLst>
+  </p:timing>
 </p:sld>
 </file>
 
